--- a/Documentação/Apresentação.pptx
+++ b/Documentação/Apresentação.pptx
@@ -6,6 +6,8 @@
   </p:sldMasterIdLst>
   <p:sldIdLst>
     <p:sldId id="257" r:id="rId2"/>
+    <p:sldId id="258" r:id="rId3"/>
+    <p:sldId id="259" r:id="rId4"/>
   </p:sldIdLst>
   <p:sldSz cx="12192000" cy="6858000"/>
   <p:notesSz cx="6858000" cy="9144000"/>
@@ -104,6 +106,11 @@
       </a:defRPr>
     </a:lvl9pPr>
   </p:defaultTextStyle>
+  <p:extLst>
+    <p:ext uri="{EFAFB233-063F-42B5-8137-9DF3F51BA10A}">
+      <p15:sldGuideLst xmlns:p15="http://schemas.microsoft.com/office/powerpoint/2012/main"/>
+    </p:ext>
+  </p:extLst>
 </p:presentation>
 </file>
 
@@ -3598,8 +3605,8 @@
         </p:nvSpPr>
         <p:spPr>
           <a:xfrm>
-            <a:off x="1486522" y="3244334"/>
-            <a:ext cx="1546321" cy="369332"/>
+            <a:off x="1445936" y="3009524"/>
+            <a:ext cx="1092479" cy="276999"/>
           </a:xfrm>
           <a:prstGeom prst="rect">
             <a:avLst/>
@@ -3613,11 +3620,11 @@
           <a:lstStyle/>
           <a:p>
             <a:r>
-              <a:rPr lang="pt-BR" dirty="0" err="1"/>
+              <a:rPr lang="pt-BR" sz="1200" dirty="0" err="1"/>
               <a:t>Main</a:t>
             </a:r>
             <a:r>
-              <a:rPr lang="pt-BR" dirty="0"/>
+              <a:rPr lang="pt-BR" sz="1200" dirty="0"/>
               <a:t>: server.js</a:t>
             </a:r>
           </a:p>
@@ -3758,10 +3765,1778 @@
           </a:p>
         </p:txBody>
       </p:sp>
+      <p:sp>
+        <p:nvSpPr>
+          <p:cNvPr id="2" name="CaixaDeTexto 1">
+            <a:extLst>
+              <a:ext uri="{FF2B5EF4-FFF2-40B4-BE49-F238E27FC236}">
+                <a16:creationId xmlns:a16="http://schemas.microsoft.com/office/drawing/2014/main" id="{B6FD0F5C-E98D-45AE-AF68-FBB821C954A6}"/>
+              </a:ext>
+            </a:extLst>
+          </p:cNvPr>
+          <p:cNvSpPr txBox="1"/>
+          <p:nvPr/>
+        </p:nvSpPr>
+        <p:spPr>
+          <a:xfrm>
+            <a:off x="3904069" y="207939"/>
+            <a:ext cx="3218573" cy="923330"/>
+          </a:xfrm>
+          <a:prstGeom prst="rect">
+            <a:avLst/>
+          </a:prstGeom>
+          <a:noFill/>
+        </p:spPr>
+        <p:txBody>
+          <a:bodyPr wrap="none" rtlCol="0">
+            <a:spAutoFit/>
+          </a:bodyPr>
+          <a:lstStyle/>
+          <a:p>
+            <a:r>
+              <a:rPr lang="pt-BR" dirty="0" err="1"/>
+              <a:t>Dep</a:t>
+            </a:r>
+            <a:r>
+              <a:rPr lang="pt-BR" dirty="0"/>
+              <a:t>:</a:t>
+            </a:r>
+          </a:p>
+          <a:p>
+            <a:pPr marL="285750" indent="-285750">
+              <a:buFontTx/>
+              <a:buChar char="-"/>
+            </a:pPr>
+            <a:r>
+              <a:rPr lang="pt-BR" dirty="0" err="1"/>
+              <a:t>body-parser:analise</a:t>
+            </a:r>
+            <a:r>
+              <a:rPr lang="pt-BR" dirty="0"/>
+              <a:t> </a:t>
+            </a:r>
+            <a:r>
+              <a:rPr lang="pt-BR" dirty="0" err="1"/>
+              <a:t>req.body</a:t>
+            </a:r>
+            <a:endParaRPr lang="pt-BR" dirty="0"/>
+          </a:p>
+          <a:p>
+            <a:pPr marL="285750" indent="-285750">
+              <a:buFontTx/>
+              <a:buChar char="-"/>
+            </a:pPr>
+            <a:r>
+              <a:rPr lang="pt-BR" dirty="0"/>
+              <a:t>-</a:t>
+            </a:r>
+            <a:r>
+              <a:rPr lang="pt-BR" dirty="0" err="1"/>
+              <a:t>consign:load</a:t>
+            </a:r>
+            <a:r>
+              <a:rPr lang="pt-BR" dirty="0"/>
+              <a:t> files</a:t>
+            </a:r>
+          </a:p>
+        </p:txBody>
+      </p:sp>
+      <p:sp>
+        <p:nvSpPr>
+          <p:cNvPr id="3" name="CaixaDeTexto 2">
+            <a:extLst>
+              <a:ext uri="{FF2B5EF4-FFF2-40B4-BE49-F238E27FC236}">
+                <a16:creationId xmlns:a16="http://schemas.microsoft.com/office/drawing/2014/main" id="{54B7C088-F06D-4B67-A16B-E7DB7F8AF636}"/>
+              </a:ext>
+            </a:extLst>
+          </p:cNvPr>
+          <p:cNvSpPr txBox="1"/>
+          <p:nvPr/>
+        </p:nvSpPr>
+        <p:spPr>
+          <a:xfrm>
+            <a:off x="4023798" y="1176260"/>
+            <a:ext cx="2509206" cy="1823576"/>
+          </a:xfrm>
+          <a:prstGeom prst="rect">
+            <a:avLst/>
+          </a:prstGeom>
+          <a:noFill/>
+        </p:spPr>
+        <p:txBody>
+          <a:bodyPr wrap="square" rtlCol="0">
+            <a:spAutoFit/>
+          </a:bodyPr>
+          <a:lstStyle/>
+          <a:p>
+            <a:r>
+              <a:rPr lang="en-US" sz="1050" b="1" dirty="0">
+                <a:solidFill>
+                  <a:srgbClr val="A6E22E"/>
+                </a:solidFill>
+                <a:effectLst>
+                  <a:outerShdw blurRad="38100" dist="38100" dir="2700000" algn="tl">
+                    <a:srgbClr val="000000">
+                      <a:alpha val="43137"/>
+                    </a:srgbClr>
+                  </a:outerShdw>
+                </a:effectLst>
+                <a:latin typeface="Consolas" panose="020B0609020204030204" pitchFamily="49" charset="0"/>
+              </a:rPr>
+              <a:t>consign</a:t>
+            </a:r>
+            <a:r>
+              <a:rPr lang="en-US" sz="1050" b="1" dirty="0">
+                <a:solidFill>
+                  <a:srgbClr val="F8F8F2"/>
+                </a:solidFill>
+                <a:effectLst>
+                  <a:outerShdw blurRad="38100" dist="38100" dir="2700000" algn="tl">
+                    <a:srgbClr val="000000">
+                      <a:alpha val="43137"/>
+                    </a:srgbClr>
+                  </a:outerShdw>
+                </a:effectLst>
+                <a:latin typeface="Consolas" panose="020B0609020204030204" pitchFamily="49" charset="0"/>
+              </a:rPr>
+              <a:t>({</a:t>
+            </a:r>
+            <a:r>
+              <a:rPr lang="en-US" sz="1050" b="1" dirty="0" err="1">
+                <a:solidFill>
+                  <a:srgbClr val="F8F8F2"/>
+                </a:solidFill>
+                <a:effectLst>
+                  <a:outerShdw blurRad="38100" dist="38100" dir="2700000" algn="tl">
+                    <a:srgbClr val="000000">
+                      <a:alpha val="43137"/>
+                    </a:srgbClr>
+                  </a:outerShdw>
+                </a:effectLst>
+                <a:latin typeface="Consolas" panose="020B0609020204030204" pitchFamily="49" charset="0"/>
+              </a:rPr>
+              <a:t>cwd</a:t>
+            </a:r>
+            <a:r>
+              <a:rPr lang="en-US" sz="1050" b="1" dirty="0">
+                <a:solidFill>
+                  <a:srgbClr val="F8F8F2"/>
+                </a:solidFill>
+                <a:effectLst>
+                  <a:outerShdw blurRad="38100" dist="38100" dir="2700000" algn="tl">
+                    <a:srgbClr val="000000">
+                      <a:alpha val="43137"/>
+                    </a:srgbClr>
+                  </a:outerShdw>
+                </a:effectLst>
+                <a:latin typeface="Consolas" panose="020B0609020204030204" pitchFamily="49" charset="0"/>
+              </a:rPr>
+              <a:t>: </a:t>
+            </a:r>
+            <a:r>
+              <a:rPr lang="en-US" sz="1050" b="1" dirty="0">
+                <a:solidFill>
+                  <a:srgbClr val="E6DB74"/>
+                </a:solidFill>
+                <a:effectLst>
+                  <a:outerShdw blurRad="38100" dist="38100" dir="2700000" algn="tl">
+                    <a:srgbClr val="000000">
+                      <a:alpha val="43137"/>
+                    </a:srgbClr>
+                  </a:outerShdw>
+                </a:effectLst>
+                <a:latin typeface="Consolas" panose="020B0609020204030204" pitchFamily="49" charset="0"/>
+              </a:rPr>
+              <a:t>'app’</a:t>
+            </a:r>
+            <a:r>
+              <a:rPr lang="en-US" sz="1050" b="1" dirty="0">
+                <a:solidFill>
+                  <a:srgbClr val="F8F8F2"/>
+                </a:solidFill>
+                <a:effectLst>
+                  <a:outerShdw blurRad="38100" dist="38100" dir="2700000" algn="tl">
+                    <a:srgbClr val="000000">
+                      <a:alpha val="43137"/>
+                    </a:srgbClr>
+                  </a:outerShdw>
+                </a:effectLst>
+                <a:latin typeface="Consolas" panose="020B0609020204030204" pitchFamily="49" charset="0"/>
+              </a:rPr>
+              <a:t>}) – </a:t>
+            </a:r>
+            <a:r>
+              <a:rPr lang="en-US" sz="1050" b="1" dirty="0" err="1">
+                <a:solidFill>
+                  <a:srgbClr val="F8F8F2"/>
+                </a:solidFill>
+                <a:effectLst>
+                  <a:outerShdw blurRad="38100" dist="38100" dir="2700000" algn="tl">
+                    <a:srgbClr val="000000">
+                      <a:alpha val="43137"/>
+                    </a:srgbClr>
+                  </a:outerShdw>
+                </a:effectLst>
+                <a:latin typeface="Consolas" panose="020B0609020204030204" pitchFamily="49" charset="0"/>
+              </a:rPr>
+              <a:t>acessa</a:t>
+            </a:r>
+            <a:r>
+              <a:rPr lang="en-US" sz="1050" b="1" dirty="0">
+                <a:solidFill>
+                  <a:srgbClr val="F8F8F2"/>
+                </a:solidFill>
+                <a:effectLst>
+                  <a:outerShdw blurRad="38100" dist="38100" dir="2700000" algn="tl">
+                    <a:srgbClr val="000000">
+                      <a:alpha val="43137"/>
+                    </a:srgbClr>
+                  </a:outerShdw>
+                </a:effectLst>
+                <a:latin typeface="Consolas" panose="020B0609020204030204" pitchFamily="49" charset="0"/>
+              </a:rPr>
+              <a:t> pasta</a:t>
+            </a:r>
+          </a:p>
+          <a:p>
+            <a:r>
+              <a:rPr lang="en-US" sz="1050" b="1" dirty="0">
+                <a:solidFill>
+                  <a:srgbClr val="F8F8F2"/>
+                </a:solidFill>
+                <a:effectLst>
+                  <a:outerShdw blurRad="38100" dist="38100" dir="2700000" algn="tl">
+                    <a:srgbClr val="000000">
+                      <a:alpha val="43137"/>
+                    </a:srgbClr>
+                  </a:outerShdw>
+                </a:effectLst>
+                <a:latin typeface="Consolas" panose="020B0609020204030204" pitchFamily="49" charset="0"/>
+              </a:rPr>
+              <a:t>    .</a:t>
+            </a:r>
+            <a:r>
+              <a:rPr lang="en-US" sz="1050" b="1" dirty="0">
+                <a:solidFill>
+                  <a:srgbClr val="A6E22E"/>
+                </a:solidFill>
+                <a:effectLst>
+                  <a:outerShdw blurRad="38100" dist="38100" dir="2700000" algn="tl">
+                    <a:srgbClr val="000000">
+                      <a:alpha val="43137"/>
+                    </a:srgbClr>
+                  </a:outerShdw>
+                </a:effectLst>
+                <a:latin typeface="Consolas" panose="020B0609020204030204" pitchFamily="49" charset="0"/>
+              </a:rPr>
+              <a:t>include</a:t>
+            </a:r>
+            <a:r>
+              <a:rPr lang="en-US" sz="1050" b="1" dirty="0">
+                <a:solidFill>
+                  <a:srgbClr val="F8F8F2"/>
+                </a:solidFill>
+                <a:effectLst>
+                  <a:outerShdw blurRad="38100" dist="38100" dir="2700000" algn="tl">
+                    <a:srgbClr val="000000">
+                      <a:alpha val="43137"/>
+                    </a:srgbClr>
+                  </a:outerShdw>
+                </a:effectLst>
+                <a:latin typeface="Consolas" panose="020B0609020204030204" pitchFamily="49" charset="0"/>
+              </a:rPr>
+              <a:t>(</a:t>
+            </a:r>
+            <a:r>
+              <a:rPr lang="en-US" sz="1050" b="1" dirty="0">
+                <a:solidFill>
+                  <a:srgbClr val="E6DB74"/>
+                </a:solidFill>
+                <a:effectLst>
+                  <a:outerShdw blurRad="38100" dist="38100" dir="2700000" algn="tl">
+                    <a:srgbClr val="000000">
+                      <a:alpha val="43137"/>
+                    </a:srgbClr>
+                  </a:outerShdw>
+                </a:effectLst>
+                <a:latin typeface="Consolas" panose="020B0609020204030204" pitchFamily="49" charset="0"/>
+              </a:rPr>
+              <a:t>'models'</a:t>
+            </a:r>
+            <a:r>
+              <a:rPr lang="en-US" sz="1050" b="1" dirty="0">
+                <a:solidFill>
+                  <a:srgbClr val="F8F8F2"/>
+                </a:solidFill>
+                <a:effectLst>
+                  <a:outerShdw blurRad="38100" dist="38100" dir="2700000" algn="tl">
+                    <a:srgbClr val="000000">
+                      <a:alpha val="43137"/>
+                    </a:srgbClr>
+                  </a:outerShdw>
+                </a:effectLst>
+                <a:latin typeface="Consolas" panose="020B0609020204030204" pitchFamily="49" charset="0"/>
+              </a:rPr>
+              <a:t>)</a:t>
+            </a:r>
+          </a:p>
+          <a:p>
+            <a:r>
+              <a:rPr lang="en-US" sz="1050" b="1" dirty="0">
+                <a:solidFill>
+                  <a:srgbClr val="F8F8F2"/>
+                </a:solidFill>
+                <a:effectLst>
+                  <a:outerShdw blurRad="38100" dist="38100" dir="2700000" algn="tl">
+                    <a:srgbClr val="000000">
+                      <a:alpha val="43137"/>
+                    </a:srgbClr>
+                  </a:outerShdw>
+                </a:effectLst>
+                <a:latin typeface="Consolas" panose="020B0609020204030204" pitchFamily="49" charset="0"/>
+              </a:rPr>
+              <a:t>    .</a:t>
+            </a:r>
+            <a:r>
+              <a:rPr lang="en-US" sz="1050" b="1" dirty="0">
+                <a:solidFill>
+                  <a:srgbClr val="A6E22E"/>
+                </a:solidFill>
+                <a:effectLst>
+                  <a:outerShdw blurRad="38100" dist="38100" dir="2700000" algn="tl">
+                    <a:srgbClr val="000000">
+                      <a:alpha val="43137"/>
+                    </a:srgbClr>
+                  </a:outerShdw>
+                </a:effectLst>
+                <a:latin typeface="Consolas" panose="020B0609020204030204" pitchFamily="49" charset="0"/>
+              </a:rPr>
+              <a:t>then</a:t>
+            </a:r>
+            <a:r>
+              <a:rPr lang="en-US" sz="1050" b="1" dirty="0">
+                <a:solidFill>
+                  <a:srgbClr val="F8F8F2"/>
+                </a:solidFill>
+                <a:effectLst>
+                  <a:outerShdw blurRad="38100" dist="38100" dir="2700000" algn="tl">
+                    <a:srgbClr val="000000">
+                      <a:alpha val="43137"/>
+                    </a:srgbClr>
+                  </a:outerShdw>
+                </a:effectLst>
+                <a:latin typeface="Consolas" panose="020B0609020204030204" pitchFamily="49" charset="0"/>
+              </a:rPr>
+              <a:t>(</a:t>
+            </a:r>
+            <a:r>
+              <a:rPr lang="en-US" sz="1050" b="1" dirty="0">
+                <a:solidFill>
+                  <a:srgbClr val="E6DB74"/>
+                </a:solidFill>
+                <a:effectLst>
+                  <a:outerShdw blurRad="38100" dist="38100" dir="2700000" algn="tl">
+                    <a:srgbClr val="000000">
+                      <a:alpha val="43137"/>
+                    </a:srgbClr>
+                  </a:outerShdw>
+                </a:effectLst>
+                <a:latin typeface="Consolas" panose="020B0609020204030204" pitchFamily="49" charset="0"/>
+              </a:rPr>
+              <a:t>'</a:t>
+            </a:r>
+            <a:r>
+              <a:rPr lang="en-US" sz="1050" b="1" dirty="0" err="1">
+                <a:solidFill>
+                  <a:srgbClr val="E6DB74"/>
+                </a:solidFill>
+                <a:effectLst>
+                  <a:outerShdw blurRad="38100" dist="38100" dir="2700000" algn="tl">
+                    <a:srgbClr val="000000">
+                      <a:alpha val="43137"/>
+                    </a:srgbClr>
+                  </a:outerShdw>
+                </a:effectLst>
+                <a:latin typeface="Consolas" panose="020B0609020204030204" pitchFamily="49" charset="0"/>
+              </a:rPr>
+              <a:t>api</a:t>
+            </a:r>
+            <a:r>
+              <a:rPr lang="en-US" sz="1050" b="1" dirty="0">
+                <a:solidFill>
+                  <a:srgbClr val="E6DB74"/>
+                </a:solidFill>
+                <a:effectLst>
+                  <a:outerShdw blurRad="38100" dist="38100" dir="2700000" algn="tl">
+                    <a:srgbClr val="000000">
+                      <a:alpha val="43137"/>
+                    </a:srgbClr>
+                  </a:outerShdw>
+                </a:effectLst>
+                <a:latin typeface="Consolas" panose="020B0609020204030204" pitchFamily="49" charset="0"/>
+              </a:rPr>
+              <a:t>'</a:t>
+            </a:r>
+            <a:r>
+              <a:rPr lang="en-US" sz="1050" b="1" dirty="0">
+                <a:solidFill>
+                  <a:srgbClr val="F8F8F2"/>
+                </a:solidFill>
+                <a:effectLst>
+                  <a:outerShdw blurRad="38100" dist="38100" dir="2700000" algn="tl">
+                    <a:srgbClr val="000000">
+                      <a:alpha val="43137"/>
+                    </a:srgbClr>
+                  </a:outerShdw>
+                </a:effectLst>
+                <a:latin typeface="Consolas" panose="020B0609020204030204" pitchFamily="49" charset="0"/>
+              </a:rPr>
+              <a:t>)</a:t>
+            </a:r>
+          </a:p>
+          <a:p>
+            <a:r>
+              <a:rPr lang="en-US" sz="1050" b="1" dirty="0">
+                <a:solidFill>
+                  <a:srgbClr val="F8F8F2"/>
+                </a:solidFill>
+                <a:effectLst>
+                  <a:outerShdw blurRad="38100" dist="38100" dir="2700000" algn="tl">
+                    <a:srgbClr val="000000">
+                      <a:alpha val="43137"/>
+                    </a:srgbClr>
+                  </a:outerShdw>
+                </a:effectLst>
+                <a:latin typeface="Consolas" panose="020B0609020204030204" pitchFamily="49" charset="0"/>
+              </a:rPr>
+              <a:t>    .</a:t>
+            </a:r>
+            <a:r>
+              <a:rPr lang="en-US" sz="1050" b="1" dirty="0">
+                <a:solidFill>
+                  <a:srgbClr val="A6E22E"/>
+                </a:solidFill>
+                <a:effectLst>
+                  <a:outerShdw blurRad="38100" dist="38100" dir="2700000" algn="tl">
+                    <a:srgbClr val="000000">
+                      <a:alpha val="43137"/>
+                    </a:srgbClr>
+                  </a:outerShdw>
+                </a:effectLst>
+                <a:latin typeface="Consolas" panose="020B0609020204030204" pitchFamily="49" charset="0"/>
+              </a:rPr>
+              <a:t>then</a:t>
+            </a:r>
+            <a:r>
+              <a:rPr lang="en-US" sz="1050" b="1" dirty="0">
+                <a:solidFill>
+                  <a:srgbClr val="F8F8F2"/>
+                </a:solidFill>
+                <a:effectLst>
+                  <a:outerShdw blurRad="38100" dist="38100" dir="2700000" algn="tl">
+                    <a:srgbClr val="000000">
+                      <a:alpha val="43137"/>
+                    </a:srgbClr>
+                  </a:outerShdw>
+                </a:effectLst>
+                <a:latin typeface="Consolas" panose="020B0609020204030204" pitchFamily="49" charset="0"/>
+              </a:rPr>
+              <a:t>(</a:t>
+            </a:r>
+            <a:r>
+              <a:rPr lang="en-US" sz="1050" b="1" dirty="0">
+                <a:solidFill>
+                  <a:srgbClr val="E6DB74"/>
+                </a:solidFill>
+                <a:effectLst>
+                  <a:outerShdw blurRad="38100" dist="38100" dir="2700000" algn="tl">
+                    <a:srgbClr val="000000">
+                      <a:alpha val="43137"/>
+                    </a:srgbClr>
+                  </a:outerShdw>
+                </a:effectLst>
+                <a:latin typeface="Consolas" panose="020B0609020204030204" pitchFamily="49" charset="0"/>
+              </a:rPr>
+              <a:t>'routes/auth.js’</a:t>
+            </a:r>
+            <a:r>
+              <a:rPr lang="en-US" sz="1050" b="1" dirty="0">
+                <a:solidFill>
+                  <a:srgbClr val="F8F8F2"/>
+                </a:solidFill>
+                <a:effectLst>
+                  <a:outerShdw blurRad="38100" dist="38100" dir="2700000" algn="tl">
+                    <a:srgbClr val="000000">
+                      <a:alpha val="43137"/>
+                    </a:srgbClr>
+                  </a:outerShdw>
+                </a:effectLst>
+                <a:latin typeface="Consolas" panose="020B0609020204030204" pitchFamily="49" charset="0"/>
+              </a:rPr>
+              <a:t>) –</a:t>
+            </a:r>
+            <a:r>
+              <a:rPr lang="en-US" sz="1050" b="1" dirty="0" err="1">
+                <a:solidFill>
+                  <a:srgbClr val="F8F8F2"/>
+                </a:solidFill>
+                <a:effectLst>
+                  <a:outerShdw blurRad="38100" dist="38100" dir="2700000" algn="tl">
+                    <a:srgbClr val="000000">
+                      <a:alpha val="43137"/>
+                    </a:srgbClr>
+                  </a:outerShdw>
+                </a:effectLst>
+                <a:latin typeface="Consolas" panose="020B0609020204030204" pitchFamily="49" charset="0"/>
+              </a:rPr>
+              <a:t>prioridade</a:t>
+            </a:r>
+            <a:r>
+              <a:rPr lang="en-US" sz="1050" b="1" dirty="0">
+                <a:solidFill>
+                  <a:srgbClr val="F8F8F2"/>
+                </a:solidFill>
+                <a:effectLst>
+                  <a:outerShdw blurRad="38100" dist="38100" dir="2700000" algn="tl">
+                    <a:srgbClr val="000000">
+                      <a:alpha val="43137"/>
+                    </a:srgbClr>
+                  </a:outerShdw>
+                </a:effectLst>
+                <a:latin typeface="Consolas" panose="020B0609020204030204" pitchFamily="49" charset="0"/>
+              </a:rPr>
+              <a:t> no </a:t>
+            </a:r>
+            <a:r>
+              <a:rPr lang="en-US" sz="1050" b="1" dirty="0" err="1">
+                <a:solidFill>
+                  <a:srgbClr val="F8F8F2"/>
+                </a:solidFill>
+                <a:effectLst>
+                  <a:outerShdw blurRad="38100" dist="38100" dir="2700000" algn="tl">
+                    <a:srgbClr val="000000">
+                      <a:alpha val="43137"/>
+                    </a:srgbClr>
+                  </a:outerShdw>
+                </a:effectLst>
+                <a:latin typeface="Consolas" panose="020B0609020204030204" pitchFamily="49" charset="0"/>
+              </a:rPr>
+              <a:t>carregamento</a:t>
+            </a:r>
+            <a:r>
+              <a:rPr lang="en-US" sz="1050" b="1" dirty="0">
+                <a:solidFill>
+                  <a:srgbClr val="F8F8F2"/>
+                </a:solidFill>
+                <a:effectLst>
+                  <a:outerShdw blurRad="38100" dist="38100" dir="2700000" algn="tl">
+                    <a:srgbClr val="000000">
+                      <a:alpha val="43137"/>
+                    </a:srgbClr>
+                  </a:outerShdw>
+                </a:effectLst>
+                <a:latin typeface="Consolas" panose="020B0609020204030204" pitchFamily="49" charset="0"/>
+              </a:rPr>
+              <a:t> do </a:t>
+            </a:r>
+            <a:r>
+              <a:rPr lang="en-US" sz="1050" b="1" dirty="0" err="1">
+                <a:solidFill>
+                  <a:srgbClr val="F8F8F2"/>
+                </a:solidFill>
+                <a:effectLst>
+                  <a:outerShdw blurRad="38100" dist="38100" dir="2700000" algn="tl">
+                    <a:srgbClr val="000000">
+                      <a:alpha val="43137"/>
+                    </a:srgbClr>
+                  </a:outerShdw>
+                </a:effectLst>
+                <a:latin typeface="Consolas" panose="020B0609020204030204" pitchFamily="49" charset="0"/>
+              </a:rPr>
+              <a:t>arquivo</a:t>
+            </a:r>
+            <a:r>
+              <a:rPr lang="en-US" sz="1050" b="1" dirty="0">
+                <a:solidFill>
+                  <a:srgbClr val="F8F8F2"/>
+                </a:solidFill>
+                <a:effectLst>
+                  <a:outerShdw blurRad="38100" dist="38100" dir="2700000" algn="tl">
+                    <a:srgbClr val="000000">
+                      <a:alpha val="43137"/>
+                    </a:srgbClr>
+                  </a:outerShdw>
+                </a:effectLst>
+                <a:latin typeface="Consolas" panose="020B0609020204030204" pitchFamily="49" charset="0"/>
+              </a:rPr>
+              <a:t>.</a:t>
+            </a:r>
+          </a:p>
+          <a:p>
+            <a:r>
+              <a:rPr lang="en-US" sz="1050" b="1" dirty="0">
+                <a:solidFill>
+                  <a:srgbClr val="F8F8F2"/>
+                </a:solidFill>
+                <a:effectLst>
+                  <a:outerShdw blurRad="38100" dist="38100" dir="2700000" algn="tl">
+                    <a:srgbClr val="000000">
+                      <a:alpha val="43137"/>
+                    </a:srgbClr>
+                  </a:outerShdw>
+                </a:effectLst>
+                <a:latin typeface="Consolas" panose="020B0609020204030204" pitchFamily="49" charset="0"/>
+              </a:rPr>
+              <a:t>    .</a:t>
+            </a:r>
+            <a:r>
+              <a:rPr lang="en-US" sz="1050" b="1" dirty="0">
+                <a:solidFill>
+                  <a:srgbClr val="A6E22E"/>
+                </a:solidFill>
+                <a:effectLst>
+                  <a:outerShdw blurRad="38100" dist="38100" dir="2700000" algn="tl">
+                    <a:srgbClr val="000000">
+                      <a:alpha val="43137"/>
+                    </a:srgbClr>
+                  </a:outerShdw>
+                </a:effectLst>
+                <a:latin typeface="Consolas" panose="020B0609020204030204" pitchFamily="49" charset="0"/>
+              </a:rPr>
+              <a:t>then</a:t>
+            </a:r>
+            <a:r>
+              <a:rPr lang="en-US" sz="1050" b="1" dirty="0">
+                <a:solidFill>
+                  <a:srgbClr val="F8F8F2"/>
+                </a:solidFill>
+                <a:effectLst>
+                  <a:outerShdw blurRad="38100" dist="38100" dir="2700000" algn="tl">
+                    <a:srgbClr val="000000">
+                      <a:alpha val="43137"/>
+                    </a:srgbClr>
+                  </a:outerShdw>
+                </a:effectLst>
+                <a:latin typeface="Consolas" panose="020B0609020204030204" pitchFamily="49" charset="0"/>
+              </a:rPr>
+              <a:t>(</a:t>
+            </a:r>
+            <a:r>
+              <a:rPr lang="en-US" sz="1050" b="1" dirty="0">
+                <a:solidFill>
+                  <a:srgbClr val="E6DB74"/>
+                </a:solidFill>
+                <a:effectLst>
+                  <a:outerShdw blurRad="38100" dist="38100" dir="2700000" algn="tl">
+                    <a:srgbClr val="000000">
+                      <a:alpha val="43137"/>
+                    </a:srgbClr>
+                  </a:outerShdw>
+                </a:effectLst>
+                <a:latin typeface="Consolas" panose="020B0609020204030204" pitchFamily="49" charset="0"/>
+              </a:rPr>
+              <a:t>'routes'</a:t>
+            </a:r>
+            <a:r>
+              <a:rPr lang="en-US" sz="1050" b="1" dirty="0">
+                <a:solidFill>
+                  <a:srgbClr val="F8F8F2"/>
+                </a:solidFill>
+                <a:effectLst>
+                  <a:outerShdw blurRad="38100" dist="38100" dir="2700000" algn="tl">
+                    <a:srgbClr val="000000">
+                      <a:alpha val="43137"/>
+                    </a:srgbClr>
+                  </a:outerShdw>
+                </a:effectLst>
+                <a:latin typeface="Consolas" panose="020B0609020204030204" pitchFamily="49" charset="0"/>
+              </a:rPr>
+              <a:t>)</a:t>
+            </a:r>
+          </a:p>
+          <a:p>
+            <a:r>
+              <a:rPr lang="en-US" sz="1050" b="1" dirty="0">
+                <a:solidFill>
+                  <a:srgbClr val="F8F8F2"/>
+                </a:solidFill>
+                <a:effectLst>
+                  <a:outerShdw blurRad="38100" dist="38100" dir="2700000" algn="tl">
+                    <a:srgbClr val="000000">
+                      <a:alpha val="43137"/>
+                    </a:srgbClr>
+                  </a:outerShdw>
+                </a:effectLst>
+                <a:latin typeface="Consolas" panose="020B0609020204030204" pitchFamily="49" charset="0"/>
+              </a:rPr>
+              <a:t>    .</a:t>
+            </a:r>
+            <a:r>
+              <a:rPr lang="en-US" sz="1050" b="1" dirty="0">
+                <a:solidFill>
+                  <a:srgbClr val="A6E22E"/>
+                </a:solidFill>
+                <a:effectLst>
+                  <a:outerShdw blurRad="38100" dist="38100" dir="2700000" algn="tl">
+                    <a:srgbClr val="000000">
+                      <a:alpha val="43137"/>
+                    </a:srgbClr>
+                  </a:outerShdw>
+                </a:effectLst>
+                <a:latin typeface="Consolas" panose="020B0609020204030204" pitchFamily="49" charset="0"/>
+              </a:rPr>
+              <a:t>into</a:t>
+            </a:r>
+            <a:r>
+              <a:rPr lang="en-US" sz="1050" b="1" dirty="0">
+                <a:solidFill>
+                  <a:srgbClr val="F8F8F2"/>
+                </a:solidFill>
+                <a:effectLst>
+                  <a:outerShdw blurRad="38100" dist="38100" dir="2700000" algn="tl">
+                    <a:srgbClr val="000000">
+                      <a:alpha val="43137"/>
+                    </a:srgbClr>
+                  </a:outerShdw>
+                </a:effectLst>
+                <a:latin typeface="Consolas" panose="020B0609020204030204" pitchFamily="49" charset="0"/>
+              </a:rPr>
+              <a:t>(app);</a:t>
+            </a:r>
+          </a:p>
+          <a:p>
+            <a:endParaRPr lang="pt-BR" dirty="0"/>
+          </a:p>
+        </p:txBody>
+      </p:sp>
+      <p:cxnSp>
+        <p:nvCxnSpPr>
+          <p:cNvPr id="17" name="Conector de Seta Reta 16">
+            <a:extLst>
+              <a:ext uri="{FF2B5EF4-FFF2-40B4-BE49-F238E27FC236}">
+                <a16:creationId xmlns:a16="http://schemas.microsoft.com/office/drawing/2014/main" id="{2A034DC0-E0B5-42A5-9B5A-9A3BEBAA0D48}"/>
+              </a:ext>
+            </a:extLst>
+          </p:cNvPr>
+          <p:cNvCxnSpPr/>
+          <p:nvPr/>
+        </p:nvCxnSpPr>
+        <p:spPr>
+          <a:xfrm>
+            <a:off x="4639222" y="1003136"/>
+            <a:ext cx="0" cy="276837"/>
+          </a:xfrm>
+          <a:prstGeom prst="straightConnector1">
+            <a:avLst/>
+          </a:prstGeom>
+          <a:ln>
+            <a:tailEnd type="triangle"/>
+          </a:ln>
+        </p:spPr>
+        <p:style>
+          <a:lnRef idx="1">
+            <a:schemeClr val="accent1"/>
+          </a:lnRef>
+          <a:fillRef idx="0">
+            <a:schemeClr val="accent1"/>
+          </a:fillRef>
+          <a:effectRef idx="0">
+            <a:schemeClr val="accent1"/>
+          </a:effectRef>
+          <a:fontRef idx="minor">
+            <a:schemeClr val="tx1"/>
+          </a:fontRef>
+        </p:style>
+      </p:cxnSp>
+      <p:pic>
+        <p:nvPicPr>
+          <p:cNvPr id="4" name="Imagem 3" descr="Fundo preto com letras brancas&#10;&#10;Descrição gerada automaticamente">
+            <a:extLst>
+              <a:ext uri="{FF2B5EF4-FFF2-40B4-BE49-F238E27FC236}">
+                <a16:creationId xmlns:a16="http://schemas.microsoft.com/office/drawing/2014/main" id="{86A77D69-91E0-4395-BD3D-4D7C1AC6B0F7}"/>
+              </a:ext>
+            </a:extLst>
+          </p:cNvPr>
+          <p:cNvPicPr>
+            <a:picLocks noChangeAspect="1"/>
+          </p:cNvPicPr>
+          <p:nvPr/>
+        </p:nvPicPr>
+        <p:blipFill>
+          <a:blip r:embed="rId3">
+            <a:extLst>
+              <a:ext uri="{28A0092B-C50C-407E-A947-70E740481C1C}">
+                <a14:useLocalDpi xmlns:a14="http://schemas.microsoft.com/office/drawing/2010/main" val="0"/>
+              </a:ext>
+            </a:extLst>
+          </a:blip>
+          <a:stretch>
+            <a:fillRect/>
+          </a:stretch>
+        </p:blipFill>
+        <p:spPr>
+          <a:xfrm>
+            <a:off x="8164551" y="239709"/>
+            <a:ext cx="1331616" cy="1331616"/>
+          </a:xfrm>
+          <a:prstGeom prst="rect">
+            <a:avLst/>
+          </a:prstGeom>
+        </p:spPr>
+      </p:pic>
+      <p:sp>
+        <p:nvSpPr>
+          <p:cNvPr id="6" name="CaixaDeTexto 5">
+            <a:extLst>
+              <a:ext uri="{FF2B5EF4-FFF2-40B4-BE49-F238E27FC236}">
+                <a16:creationId xmlns:a16="http://schemas.microsoft.com/office/drawing/2014/main" id="{EB494576-B1E9-473B-A909-89E09F6B6A31}"/>
+              </a:ext>
+            </a:extLst>
+          </p:cNvPr>
+          <p:cNvSpPr txBox="1"/>
+          <p:nvPr/>
+        </p:nvSpPr>
+        <p:spPr>
+          <a:xfrm>
+            <a:off x="8458616" y="1571325"/>
+            <a:ext cx="870751" cy="369332"/>
+          </a:xfrm>
+          <a:prstGeom prst="rect">
+            <a:avLst/>
+          </a:prstGeom>
+          <a:noFill/>
+        </p:spPr>
+        <p:txBody>
+          <a:bodyPr wrap="none" rtlCol="0">
+            <a:spAutoFit/>
+          </a:bodyPr>
+          <a:lstStyle/>
+          <a:p>
+            <a:r>
+              <a:rPr lang="pt-BR" dirty="0" err="1"/>
+              <a:t>models</a:t>
+            </a:r>
+            <a:endParaRPr lang="pt-BR" dirty="0"/>
+          </a:p>
+        </p:txBody>
+      </p:sp>
+      <p:cxnSp>
+        <p:nvCxnSpPr>
+          <p:cNvPr id="23" name="Conector de Seta Reta 22">
+            <a:extLst>
+              <a:ext uri="{FF2B5EF4-FFF2-40B4-BE49-F238E27FC236}">
+                <a16:creationId xmlns:a16="http://schemas.microsoft.com/office/drawing/2014/main" id="{5E8F0315-B2A0-4D29-8FB9-FB29E971B10F}"/>
+              </a:ext>
+            </a:extLst>
+          </p:cNvPr>
+          <p:cNvCxnSpPr>
+            <a:cxnSpLocks/>
+            <a:endCxn id="4" idx="1"/>
+          </p:cNvCxnSpPr>
+          <p:nvPr/>
+        </p:nvCxnSpPr>
+        <p:spPr>
+          <a:xfrm flipV="1">
+            <a:off x="5747967" y="905517"/>
+            <a:ext cx="2416584" cy="712056"/>
+          </a:xfrm>
+          <a:prstGeom prst="straightConnector1">
+            <a:avLst/>
+          </a:prstGeom>
+          <a:ln>
+            <a:tailEnd type="triangle"/>
+          </a:ln>
+        </p:spPr>
+        <p:style>
+          <a:lnRef idx="1">
+            <a:schemeClr val="accent1"/>
+          </a:lnRef>
+          <a:fillRef idx="0">
+            <a:schemeClr val="accent1"/>
+          </a:fillRef>
+          <a:effectRef idx="0">
+            <a:schemeClr val="accent1"/>
+          </a:effectRef>
+          <a:fontRef idx="minor">
+            <a:schemeClr val="tx1"/>
+          </a:fontRef>
+        </p:style>
+      </p:cxnSp>
+      <p:sp>
+        <p:nvSpPr>
+          <p:cNvPr id="9" name="CaixaDeTexto 8">
+            <a:extLst>
+              <a:ext uri="{FF2B5EF4-FFF2-40B4-BE49-F238E27FC236}">
+                <a16:creationId xmlns:a16="http://schemas.microsoft.com/office/drawing/2014/main" id="{9B7E3058-1577-48AE-8F89-FCEEED1D1033}"/>
+              </a:ext>
+            </a:extLst>
+          </p:cNvPr>
+          <p:cNvSpPr txBox="1"/>
+          <p:nvPr/>
+        </p:nvSpPr>
+        <p:spPr>
+          <a:xfrm>
+            <a:off x="9496167" y="162349"/>
+            <a:ext cx="2031622" cy="1600438"/>
+          </a:xfrm>
+          <a:prstGeom prst="rect">
+            <a:avLst/>
+          </a:prstGeom>
+          <a:noFill/>
+        </p:spPr>
+        <p:txBody>
+          <a:bodyPr wrap="square" rtlCol="0">
+            <a:spAutoFit/>
+          </a:bodyPr>
+          <a:lstStyle/>
+          <a:p>
+            <a:r>
+              <a:rPr lang="pt-BR" sz="1400" dirty="0" err="1"/>
+              <a:t>Models</a:t>
+            </a:r>
+            <a:r>
+              <a:rPr lang="pt-BR" sz="1400" dirty="0"/>
+              <a:t> são construtores baseados no </a:t>
+            </a:r>
+            <a:r>
+              <a:rPr lang="pt-BR" sz="1400" dirty="0" err="1"/>
+              <a:t>Schema</a:t>
+            </a:r>
+            <a:r>
+              <a:rPr lang="pt-BR" sz="1400" dirty="0"/>
+              <a:t> que é mapeado para uma coleção </a:t>
+            </a:r>
+            <a:r>
+              <a:rPr lang="pt-BR" sz="1400" dirty="0" err="1"/>
+              <a:t>MongoDB</a:t>
+            </a:r>
+            <a:r>
+              <a:rPr lang="pt-BR" sz="1400" dirty="0"/>
+              <a:t> e define a forma dos documentos dentro dessa coleção.</a:t>
+            </a:r>
+          </a:p>
+        </p:txBody>
+      </p:sp>
+      <p:pic>
+        <p:nvPicPr>
+          <p:cNvPr id="25" name="Imagem 24" descr="Fundo preto com letras brancas&#10;&#10;Descrição gerada automaticamente">
+            <a:extLst>
+              <a:ext uri="{FF2B5EF4-FFF2-40B4-BE49-F238E27FC236}">
+                <a16:creationId xmlns:a16="http://schemas.microsoft.com/office/drawing/2014/main" id="{C905548F-3BAC-41CF-AAB9-5541ADE453CE}"/>
+              </a:ext>
+            </a:extLst>
+          </p:cNvPr>
+          <p:cNvPicPr>
+            <a:picLocks noChangeAspect="1"/>
+          </p:cNvPicPr>
+          <p:nvPr/>
+        </p:nvPicPr>
+        <p:blipFill>
+          <a:blip r:embed="rId3">
+            <a:extLst>
+              <a:ext uri="{28A0092B-C50C-407E-A947-70E740481C1C}">
+                <a14:useLocalDpi xmlns:a14="http://schemas.microsoft.com/office/drawing/2010/main" val="0"/>
+              </a:ext>
+            </a:extLst>
+          </a:blip>
+          <a:stretch>
+            <a:fillRect/>
+          </a:stretch>
+        </p:blipFill>
+        <p:spPr>
+          <a:xfrm>
+            <a:off x="8164551" y="2086378"/>
+            <a:ext cx="1331616" cy="1331616"/>
+          </a:xfrm>
+          <a:prstGeom prst="rect">
+            <a:avLst/>
+          </a:prstGeom>
+        </p:spPr>
+      </p:pic>
+      <p:sp>
+        <p:nvSpPr>
+          <p:cNvPr id="27" name="CaixaDeTexto 26">
+            <a:extLst>
+              <a:ext uri="{FF2B5EF4-FFF2-40B4-BE49-F238E27FC236}">
+                <a16:creationId xmlns:a16="http://schemas.microsoft.com/office/drawing/2014/main" id="{DA097DA7-077A-4AC6-A7F5-5CE7CF731CB9}"/>
+              </a:ext>
+            </a:extLst>
+          </p:cNvPr>
+          <p:cNvSpPr txBox="1"/>
+          <p:nvPr/>
+        </p:nvSpPr>
+        <p:spPr>
+          <a:xfrm>
+            <a:off x="9496167" y="2009018"/>
+            <a:ext cx="2031622" cy="1384995"/>
+          </a:xfrm>
+          <a:prstGeom prst="rect">
+            <a:avLst/>
+          </a:prstGeom>
+          <a:noFill/>
+        </p:spPr>
+        <p:txBody>
+          <a:bodyPr wrap="square" rtlCol="0">
+            <a:spAutoFit/>
+          </a:bodyPr>
+          <a:lstStyle/>
+          <a:p>
+            <a:r>
+              <a:rPr lang="pt-BR" sz="1400" dirty="0"/>
+              <a:t>Implementação  das rotas da API. Contendo todas implementações de REQ e RES.</a:t>
+            </a:r>
+          </a:p>
+          <a:p>
+            <a:pPr marL="285750" indent="-285750">
+              <a:buFontTx/>
+              <a:buChar char="-"/>
+            </a:pPr>
+            <a:r>
+              <a:rPr lang="pt-BR" sz="1400" dirty="0"/>
+              <a:t>Usando os </a:t>
+            </a:r>
+            <a:r>
+              <a:rPr lang="pt-BR" sz="1400" dirty="0" err="1"/>
+              <a:t>Models</a:t>
+            </a:r>
+            <a:r>
+              <a:rPr lang="pt-BR" sz="1400" dirty="0"/>
+              <a:t>.</a:t>
+            </a:r>
+          </a:p>
+          <a:p>
+            <a:pPr marL="285750" indent="-285750">
+              <a:buFontTx/>
+              <a:buChar char="-"/>
+            </a:pPr>
+            <a:r>
+              <a:rPr lang="pt-BR" sz="1400" dirty="0">
+                <a:highlight>
+                  <a:srgbClr val="FFFF00"/>
+                </a:highlight>
+              </a:rPr>
+              <a:t>API. VERIFICA NEXT</a:t>
+            </a:r>
+          </a:p>
+        </p:txBody>
+      </p:sp>
+      <p:cxnSp>
+        <p:nvCxnSpPr>
+          <p:cNvPr id="28" name="Conector de Seta Reta 27">
+            <a:extLst>
+              <a:ext uri="{FF2B5EF4-FFF2-40B4-BE49-F238E27FC236}">
+                <a16:creationId xmlns:a16="http://schemas.microsoft.com/office/drawing/2014/main" id="{9D522FFC-50CE-4658-BBD1-FF00D071474E}"/>
+              </a:ext>
+            </a:extLst>
+          </p:cNvPr>
+          <p:cNvCxnSpPr>
+            <a:cxnSpLocks/>
+          </p:cNvCxnSpPr>
+          <p:nvPr/>
+        </p:nvCxnSpPr>
+        <p:spPr>
+          <a:xfrm>
+            <a:off x="5900367" y="1769973"/>
+            <a:ext cx="2331019" cy="239045"/>
+          </a:xfrm>
+          <a:prstGeom prst="straightConnector1">
+            <a:avLst/>
+          </a:prstGeom>
+          <a:ln>
+            <a:tailEnd type="triangle"/>
+          </a:ln>
+        </p:spPr>
+        <p:style>
+          <a:lnRef idx="1">
+            <a:schemeClr val="accent1"/>
+          </a:lnRef>
+          <a:fillRef idx="0">
+            <a:schemeClr val="accent1"/>
+          </a:fillRef>
+          <a:effectRef idx="0">
+            <a:schemeClr val="accent1"/>
+          </a:effectRef>
+          <a:fontRef idx="minor">
+            <a:schemeClr val="tx1"/>
+          </a:fontRef>
+        </p:style>
+      </p:cxnSp>
+      <p:sp>
+        <p:nvSpPr>
+          <p:cNvPr id="31" name="CaixaDeTexto 30">
+            <a:extLst>
+              <a:ext uri="{FF2B5EF4-FFF2-40B4-BE49-F238E27FC236}">
+                <a16:creationId xmlns:a16="http://schemas.microsoft.com/office/drawing/2014/main" id="{F5CB9785-E781-4263-8B8B-08A363A2E6FF}"/>
+              </a:ext>
+            </a:extLst>
+          </p:cNvPr>
+          <p:cNvSpPr txBox="1"/>
+          <p:nvPr/>
+        </p:nvSpPr>
+        <p:spPr>
+          <a:xfrm>
+            <a:off x="8458616" y="3371039"/>
+            <a:ext cx="470000" cy="369332"/>
+          </a:xfrm>
+          <a:prstGeom prst="rect">
+            <a:avLst/>
+          </a:prstGeom>
+          <a:noFill/>
+        </p:spPr>
+        <p:txBody>
+          <a:bodyPr wrap="none" rtlCol="0">
+            <a:spAutoFit/>
+          </a:bodyPr>
+          <a:lstStyle/>
+          <a:p>
+            <a:r>
+              <a:rPr lang="pt-BR" dirty="0" err="1"/>
+              <a:t>api</a:t>
+            </a:r>
+            <a:endParaRPr lang="pt-BR" dirty="0"/>
+          </a:p>
+        </p:txBody>
+      </p:sp>
+      <p:sp>
+        <p:nvSpPr>
+          <p:cNvPr id="32" name="CaixaDeTexto 31">
+            <a:extLst>
+              <a:ext uri="{FF2B5EF4-FFF2-40B4-BE49-F238E27FC236}">
+                <a16:creationId xmlns:a16="http://schemas.microsoft.com/office/drawing/2014/main" id="{621A951D-DBFF-42A8-874B-300F7C7CE96B}"/>
+              </a:ext>
+            </a:extLst>
+          </p:cNvPr>
+          <p:cNvSpPr txBox="1"/>
+          <p:nvPr/>
+        </p:nvSpPr>
+        <p:spPr>
+          <a:xfrm>
+            <a:off x="1593682" y="76804"/>
+            <a:ext cx="1192955" cy="369332"/>
+          </a:xfrm>
+          <a:prstGeom prst="rect">
+            <a:avLst/>
+          </a:prstGeom>
+          <a:noFill/>
+        </p:spPr>
+        <p:txBody>
+          <a:bodyPr wrap="none" rtlCol="0">
+            <a:spAutoFit/>
+          </a:bodyPr>
+          <a:lstStyle/>
+          <a:p>
+            <a:r>
+              <a:rPr lang="pt-BR" dirty="0">
+                <a:highlight>
+                  <a:srgbClr val="FFFF00"/>
+                </a:highlight>
+              </a:rPr>
+              <a:t>PENDENTE</a:t>
+            </a:r>
+          </a:p>
+        </p:txBody>
+      </p:sp>
+      <p:pic>
+        <p:nvPicPr>
+          <p:cNvPr id="36" name="Imagem 35" descr="Fundo preto com letras brancas&#10;&#10;Descrição gerada automaticamente">
+            <a:extLst>
+              <a:ext uri="{FF2B5EF4-FFF2-40B4-BE49-F238E27FC236}">
+                <a16:creationId xmlns:a16="http://schemas.microsoft.com/office/drawing/2014/main" id="{E701241B-9A03-46D5-B7C3-5172C1D06306}"/>
+              </a:ext>
+            </a:extLst>
+          </p:cNvPr>
+          <p:cNvPicPr>
+            <a:picLocks noChangeAspect="1"/>
+          </p:cNvPicPr>
+          <p:nvPr/>
+        </p:nvPicPr>
+        <p:blipFill>
+          <a:blip r:embed="rId3">
+            <a:extLst>
+              <a:ext uri="{28A0092B-C50C-407E-A947-70E740481C1C}">
+                <a14:useLocalDpi xmlns:a14="http://schemas.microsoft.com/office/drawing/2010/main" val="0"/>
+              </a:ext>
+            </a:extLst>
+          </a:blip>
+          <a:stretch>
+            <a:fillRect/>
+          </a:stretch>
+        </p:blipFill>
+        <p:spPr>
+          <a:xfrm>
+            <a:off x="8164551" y="3799091"/>
+            <a:ext cx="1331616" cy="1331616"/>
+          </a:xfrm>
+          <a:prstGeom prst="rect">
+            <a:avLst/>
+          </a:prstGeom>
+        </p:spPr>
+      </p:pic>
+      <p:sp>
+        <p:nvSpPr>
+          <p:cNvPr id="40" name="CaixaDeTexto 39">
+            <a:extLst>
+              <a:ext uri="{FF2B5EF4-FFF2-40B4-BE49-F238E27FC236}">
+                <a16:creationId xmlns:a16="http://schemas.microsoft.com/office/drawing/2014/main" id="{CC75A0F9-4D46-49C0-AAD6-8678ABF445FE}"/>
+              </a:ext>
+            </a:extLst>
+          </p:cNvPr>
+          <p:cNvSpPr txBox="1"/>
+          <p:nvPr/>
+        </p:nvSpPr>
+        <p:spPr>
+          <a:xfrm>
+            <a:off x="8458616" y="5083752"/>
+            <a:ext cx="784382" cy="369332"/>
+          </a:xfrm>
+          <a:prstGeom prst="rect">
+            <a:avLst/>
+          </a:prstGeom>
+          <a:noFill/>
+        </p:spPr>
+        <p:txBody>
+          <a:bodyPr wrap="none" rtlCol="0">
+            <a:spAutoFit/>
+          </a:bodyPr>
+          <a:lstStyle/>
+          <a:p>
+            <a:r>
+              <a:rPr lang="pt-BR" dirty="0" err="1"/>
+              <a:t>routes</a:t>
+            </a:r>
+            <a:endParaRPr lang="pt-BR" dirty="0"/>
+          </a:p>
+        </p:txBody>
+      </p:sp>
+      <p:sp>
+        <p:nvSpPr>
+          <p:cNvPr id="48" name="CaixaDeTexto 47">
+            <a:extLst>
+              <a:ext uri="{FF2B5EF4-FFF2-40B4-BE49-F238E27FC236}">
+                <a16:creationId xmlns:a16="http://schemas.microsoft.com/office/drawing/2014/main" id="{7F8AC97E-5AD7-47A9-B374-20DC384F6B0C}"/>
+              </a:ext>
+            </a:extLst>
+          </p:cNvPr>
+          <p:cNvSpPr txBox="1"/>
+          <p:nvPr/>
+        </p:nvSpPr>
+        <p:spPr>
+          <a:xfrm>
+            <a:off x="9496166" y="3740371"/>
+            <a:ext cx="2598067" cy="2300630"/>
+          </a:xfrm>
+          <a:prstGeom prst="rect">
+            <a:avLst/>
+          </a:prstGeom>
+          <a:noFill/>
+        </p:spPr>
+        <p:txBody>
+          <a:bodyPr wrap="square" rtlCol="0">
+            <a:spAutoFit/>
+          </a:bodyPr>
+          <a:lstStyle/>
+          <a:p>
+            <a:r>
+              <a:rPr lang="pt-BR" sz="1400" dirty="0"/>
+              <a:t>Definição das Rotas.</a:t>
+            </a:r>
+          </a:p>
+          <a:p>
+            <a:pPr marL="285750" indent="-285750">
+              <a:buFontTx/>
+              <a:buChar char="-"/>
+            </a:pPr>
+            <a:r>
+              <a:rPr lang="pt-BR" sz="1400" dirty="0"/>
+              <a:t>Relaciona a rotas no objetos das APIs.</a:t>
+            </a:r>
+          </a:p>
+          <a:p>
+            <a:pPr marL="285750" indent="-285750">
+              <a:buFontTx/>
+              <a:buChar char="-"/>
+            </a:pPr>
+            <a:r>
+              <a:rPr lang="pt-BR" sz="1400" dirty="0" err="1"/>
+              <a:t>Ex</a:t>
+            </a:r>
+            <a:r>
+              <a:rPr lang="pt-BR" sz="1400" dirty="0"/>
+              <a:t>:</a:t>
+            </a:r>
+          </a:p>
+          <a:p>
+            <a:r>
+              <a:rPr lang="pt-BR" sz="1050" b="0" dirty="0">
+                <a:solidFill>
+                  <a:srgbClr val="F8F8F2"/>
+                </a:solidFill>
+                <a:effectLst/>
+                <a:latin typeface="Consolas" panose="020B0609020204030204" pitchFamily="49" charset="0"/>
+              </a:rPr>
+              <a:t>    </a:t>
+            </a:r>
+            <a:r>
+              <a:rPr lang="pt-BR" sz="1050" b="0" i="1" dirty="0">
+                <a:solidFill>
+                  <a:srgbClr val="66D9EF"/>
+                </a:solidFill>
+                <a:effectLst/>
+                <a:latin typeface="Consolas" panose="020B0609020204030204" pitchFamily="49" charset="0"/>
+              </a:rPr>
+              <a:t>var</a:t>
+            </a:r>
+            <a:r>
+              <a:rPr lang="pt-BR" sz="1050" b="0" dirty="0">
+                <a:solidFill>
+                  <a:srgbClr val="F8F8F2"/>
+                </a:solidFill>
+                <a:effectLst/>
+                <a:latin typeface="Consolas" panose="020B0609020204030204" pitchFamily="49" charset="0"/>
+              </a:rPr>
+              <a:t> </a:t>
+            </a:r>
+            <a:r>
+              <a:rPr lang="pt-BR" sz="1050" b="0" dirty="0" err="1">
+                <a:solidFill>
+                  <a:srgbClr val="F8F8F2"/>
+                </a:solidFill>
+                <a:effectLst/>
+                <a:latin typeface="Consolas" panose="020B0609020204030204" pitchFamily="49" charset="0"/>
+              </a:rPr>
+              <a:t>api</a:t>
+            </a:r>
+            <a:r>
+              <a:rPr lang="pt-BR" sz="1050" b="0" dirty="0">
+                <a:solidFill>
+                  <a:srgbClr val="F8F8F2"/>
+                </a:solidFill>
+                <a:effectLst/>
+                <a:latin typeface="Consolas" panose="020B0609020204030204" pitchFamily="49" charset="0"/>
+              </a:rPr>
+              <a:t> </a:t>
+            </a:r>
+            <a:r>
+              <a:rPr lang="pt-BR" sz="1050" b="0" dirty="0">
+                <a:solidFill>
+                  <a:srgbClr val="F92672"/>
+                </a:solidFill>
+                <a:effectLst/>
+                <a:latin typeface="Consolas" panose="020B0609020204030204" pitchFamily="49" charset="0"/>
+              </a:rPr>
+              <a:t>=</a:t>
+            </a:r>
+            <a:r>
+              <a:rPr lang="pt-BR" sz="1050" b="0" dirty="0">
+                <a:solidFill>
+                  <a:srgbClr val="F8F8F2"/>
+                </a:solidFill>
+                <a:effectLst/>
+                <a:latin typeface="Consolas" panose="020B0609020204030204" pitchFamily="49" charset="0"/>
+              </a:rPr>
+              <a:t> </a:t>
+            </a:r>
+            <a:r>
+              <a:rPr lang="pt-BR" sz="1050" b="0" i="1" dirty="0" err="1">
+                <a:solidFill>
+                  <a:srgbClr val="FD971F"/>
+                </a:solidFill>
+                <a:effectLst/>
+                <a:latin typeface="Consolas" panose="020B0609020204030204" pitchFamily="49" charset="0"/>
+              </a:rPr>
+              <a:t>app</a:t>
+            </a:r>
+            <a:r>
+              <a:rPr lang="pt-BR" sz="1050" b="0" dirty="0" err="1">
+                <a:solidFill>
+                  <a:srgbClr val="F8F8F2"/>
+                </a:solidFill>
+                <a:effectLst/>
+                <a:latin typeface="Consolas" panose="020B0609020204030204" pitchFamily="49" charset="0"/>
+              </a:rPr>
+              <a:t>.api.auth</a:t>
+            </a:r>
+            <a:r>
+              <a:rPr lang="pt-BR" sz="1050" b="0" dirty="0">
+                <a:solidFill>
+                  <a:srgbClr val="F8F8F2"/>
+                </a:solidFill>
+                <a:effectLst/>
+                <a:latin typeface="Consolas" panose="020B0609020204030204" pitchFamily="49" charset="0"/>
+              </a:rPr>
+              <a:t>;</a:t>
+            </a:r>
+          </a:p>
+          <a:p>
+            <a:r>
+              <a:rPr lang="pt-BR" sz="1050" b="0" dirty="0">
+                <a:solidFill>
+                  <a:srgbClr val="F8F8F2"/>
+                </a:solidFill>
+                <a:effectLst/>
+                <a:latin typeface="Consolas" panose="020B0609020204030204" pitchFamily="49" charset="0"/>
+              </a:rPr>
+              <a:t>    </a:t>
+            </a:r>
+            <a:r>
+              <a:rPr lang="pt-BR" sz="1050" b="0" i="1" dirty="0" err="1">
+                <a:solidFill>
+                  <a:srgbClr val="FD971F"/>
+                </a:solidFill>
+                <a:effectLst/>
+                <a:latin typeface="Consolas" panose="020B0609020204030204" pitchFamily="49" charset="0"/>
+              </a:rPr>
+              <a:t>app</a:t>
+            </a:r>
+            <a:r>
+              <a:rPr lang="pt-BR" sz="1050" b="0" dirty="0" err="1">
+                <a:solidFill>
+                  <a:srgbClr val="F8F8F2"/>
+                </a:solidFill>
+                <a:effectLst/>
+                <a:latin typeface="Consolas" panose="020B0609020204030204" pitchFamily="49" charset="0"/>
+              </a:rPr>
+              <a:t>.</a:t>
+            </a:r>
+            <a:r>
+              <a:rPr lang="pt-BR" sz="1050" b="0" dirty="0" err="1">
+                <a:solidFill>
+                  <a:srgbClr val="A6E22E"/>
+                </a:solidFill>
+                <a:effectLst/>
+                <a:latin typeface="Consolas" panose="020B0609020204030204" pitchFamily="49" charset="0"/>
+              </a:rPr>
+              <a:t>post</a:t>
+            </a:r>
+            <a:r>
+              <a:rPr lang="pt-BR" sz="1050" b="0" dirty="0">
+                <a:solidFill>
+                  <a:srgbClr val="F8F8F2"/>
+                </a:solidFill>
+                <a:effectLst/>
+                <a:latin typeface="Consolas" panose="020B0609020204030204" pitchFamily="49" charset="0"/>
+              </a:rPr>
+              <a:t>(</a:t>
+            </a:r>
+            <a:r>
+              <a:rPr lang="pt-BR" sz="1050" b="0" dirty="0">
+                <a:solidFill>
+                  <a:srgbClr val="E6DB74"/>
+                </a:solidFill>
+                <a:effectLst/>
+                <a:latin typeface="Consolas" panose="020B0609020204030204" pitchFamily="49" charset="0"/>
+              </a:rPr>
+              <a:t>'/autenticar'</a:t>
+            </a:r>
+            <a:r>
+              <a:rPr lang="pt-BR" sz="1050" b="0" dirty="0">
+                <a:solidFill>
+                  <a:srgbClr val="F8F8F2"/>
+                </a:solidFill>
+                <a:effectLst/>
+                <a:latin typeface="Consolas" panose="020B0609020204030204" pitchFamily="49" charset="0"/>
+              </a:rPr>
+              <a:t>, </a:t>
+            </a:r>
+            <a:r>
+              <a:rPr lang="pt-BR" sz="1050" b="0" dirty="0" err="1">
+                <a:solidFill>
+                  <a:srgbClr val="F8F8F2"/>
+                </a:solidFill>
+                <a:effectLst/>
+                <a:latin typeface="Consolas" panose="020B0609020204030204" pitchFamily="49" charset="0"/>
+              </a:rPr>
+              <a:t>api.autentica</a:t>
+            </a:r>
+            <a:r>
+              <a:rPr lang="pt-BR" sz="1050" b="0" dirty="0">
+                <a:solidFill>
+                  <a:srgbClr val="F8F8F2"/>
+                </a:solidFill>
+                <a:effectLst/>
+                <a:latin typeface="Consolas" panose="020B0609020204030204" pitchFamily="49" charset="0"/>
+              </a:rPr>
+              <a:t>);</a:t>
+            </a:r>
+          </a:p>
+          <a:p>
+            <a:pPr marL="285750" indent="-285750">
+              <a:buFontTx/>
+              <a:buChar char="-"/>
+            </a:pPr>
+            <a:r>
+              <a:rPr lang="pt-BR" sz="1400" dirty="0"/>
+              <a:t>App/</a:t>
+            </a:r>
+            <a:r>
+              <a:rPr lang="pt-BR" sz="1400" dirty="0" err="1"/>
+              <a:t>Api</a:t>
+            </a:r>
+            <a:r>
+              <a:rPr lang="pt-BR" sz="1400" dirty="0"/>
+              <a:t>/auth.js</a:t>
+            </a:r>
+          </a:p>
+          <a:p>
+            <a:r>
+              <a:rPr lang="pt-BR" sz="1400" b="0" dirty="0" err="1">
+                <a:solidFill>
+                  <a:srgbClr val="F8F8F2"/>
+                </a:solidFill>
+                <a:effectLst/>
+                <a:latin typeface="Consolas" panose="020B0609020204030204" pitchFamily="49" charset="0"/>
+              </a:rPr>
+              <a:t>api.</a:t>
+            </a:r>
+            <a:r>
+              <a:rPr lang="pt-BR" sz="1400" b="0" dirty="0" err="1">
+                <a:solidFill>
+                  <a:srgbClr val="A6E22E"/>
+                </a:solidFill>
+                <a:effectLst/>
+                <a:latin typeface="Consolas" panose="020B0609020204030204" pitchFamily="49" charset="0"/>
+              </a:rPr>
+              <a:t>autentica</a:t>
+            </a:r>
+            <a:r>
+              <a:rPr lang="pt-BR" sz="1400" b="0" dirty="0">
+                <a:solidFill>
+                  <a:srgbClr val="F8F8F2"/>
+                </a:solidFill>
+                <a:effectLst/>
+                <a:latin typeface="Consolas" panose="020B0609020204030204" pitchFamily="49" charset="0"/>
+              </a:rPr>
+              <a:t> </a:t>
+            </a:r>
+            <a:r>
+              <a:rPr lang="pt-BR" sz="1400" b="0" dirty="0">
+                <a:solidFill>
+                  <a:srgbClr val="F92672"/>
+                </a:solidFill>
+                <a:effectLst/>
+                <a:latin typeface="Consolas" panose="020B0609020204030204" pitchFamily="49" charset="0"/>
+              </a:rPr>
+              <a:t>=</a:t>
+            </a:r>
+            <a:r>
+              <a:rPr lang="pt-BR" sz="1400" b="0" dirty="0">
+                <a:solidFill>
+                  <a:srgbClr val="F8F8F2"/>
+                </a:solidFill>
+                <a:effectLst/>
+                <a:latin typeface="Consolas" panose="020B0609020204030204" pitchFamily="49" charset="0"/>
+              </a:rPr>
+              <a:t> </a:t>
+            </a:r>
+            <a:r>
+              <a:rPr lang="pt-BR" sz="1400" b="0" i="1" dirty="0" err="1">
+                <a:solidFill>
+                  <a:srgbClr val="66D9EF"/>
+                </a:solidFill>
+                <a:effectLst/>
+                <a:latin typeface="Consolas" panose="020B0609020204030204" pitchFamily="49" charset="0"/>
+              </a:rPr>
+              <a:t>function</a:t>
+            </a:r>
+            <a:r>
+              <a:rPr lang="pt-BR" sz="1400" b="0" i="1" dirty="0">
+                <a:solidFill>
+                  <a:srgbClr val="66D9EF"/>
+                </a:solidFill>
+                <a:effectLst/>
+                <a:latin typeface="Consolas" panose="020B0609020204030204" pitchFamily="49" charset="0"/>
+              </a:rPr>
+              <a:t>...</a:t>
+            </a:r>
+            <a:endParaRPr lang="pt-BR" sz="1400" b="0" dirty="0">
+              <a:solidFill>
+                <a:srgbClr val="F8F8F2"/>
+              </a:solidFill>
+              <a:effectLst/>
+              <a:latin typeface="Consolas" panose="020B0609020204030204" pitchFamily="49" charset="0"/>
+            </a:endParaRPr>
+          </a:p>
+          <a:p>
+            <a:pPr marL="285750" indent="-285750">
+              <a:buFontTx/>
+              <a:buChar char="-"/>
+            </a:pPr>
+            <a:endParaRPr lang="pt-BR" sz="1400" dirty="0"/>
+          </a:p>
+        </p:txBody>
+      </p:sp>
+      <p:sp>
+        <p:nvSpPr>
+          <p:cNvPr id="49" name="CaixaDeTexto 48">
+            <a:extLst>
+              <a:ext uri="{FF2B5EF4-FFF2-40B4-BE49-F238E27FC236}">
+                <a16:creationId xmlns:a16="http://schemas.microsoft.com/office/drawing/2014/main" id="{F9746983-1908-4B95-AA00-D87701D136AA}"/>
+              </a:ext>
+            </a:extLst>
+          </p:cNvPr>
+          <p:cNvSpPr txBox="1"/>
+          <p:nvPr/>
+        </p:nvSpPr>
+        <p:spPr>
+          <a:xfrm>
+            <a:off x="2692182" y="2855227"/>
+            <a:ext cx="1880387" cy="369332"/>
+          </a:xfrm>
+          <a:prstGeom prst="rect">
+            <a:avLst/>
+          </a:prstGeom>
+          <a:noFill/>
+        </p:spPr>
+        <p:txBody>
+          <a:bodyPr wrap="none" rtlCol="0">
+            <a:spAutoFit/>
+          </a:bodyPr>
+          <a:lstStyle/>
+          <a:p>
+            <a:r>
+              <a:rPr lang="pt-BR" dirty="0" err="1">
+                <a:highlight>
+                  <a:srgbClr val="FFFF00"/>
+                </a:highlight>
+              </a:rPr>
+              <a:t>Modules.exports</a:t>
+            </a:r>
+            <a:r>
+              <a:rPr lang="pt-BR" dirty="0">
+                <a:highlight>
+                  <a:srgbClr val="FFFF00"/>
+                </a:highlight>
+              </a:rPr>
+              <a:t>: </a:t>
+            </a:r>
+          </a:p>
+        </p:txBody>
+      </p:sp>
     </p:spTree>
     <p:extLst>
       <p:ext uri="{BB962C8B-B14F-4D97-AF65-F5344CB8AC3E}">
         <p14:creationId xmlns:p14="http://schemas.microsoft.com/office/powerpoint/2010/main" val="4113244278"/>
+      </p:ext>
+    </p:extLst>
+  </p:cSld>
+  <p:clrMapOvr>
+    <a:masterClrMapping/>
+  </p:clrMapOvr>
+</p:sld>
+</file>
+
+<file path=ppt/slides/slide2.xml><?xml version="1.0" encoding="utf-8"?>
+<p:sld xmlns:a="http://schemas.openxmlformats.org/drawingml/2006/main" xmlns:r="http://schemas.openxmlformats.org/officeDocument/2006/relationships" xmlns:p="http://schemas.openxmlformats.org/presentationml/2006/main">
+  <p:cSld>
+    <p:spTree>
+      <p:nvGrpSpPr>
+        <p:cNvPr id="1" name=""/>
+        <p:cNvGrpSpPr/>
+        <p:nvPr/>
+      </p:nvGrpSpPr>
+      <p:grpSpPr>
+        <a:xfrm>
+          <a:off x="0" y="0"/>
+          <a:ext cx="0" cy="0"/>
+          <a:chOff x="0" y="0"/>
+          <a:chExt cx="0" cy="0"/>
+        </a:xfrm>
+      </p:grpSpPr>
+      <p:sp>
+        <p:nvSpPr>
+          <p:cNvPr id="2" name="Título 1">
+            <a:extLst>
+              <a:ext uri="{FF2B5EF4-FFF2-40B4-BE49-F238E27FC236}">
+                <a16:creationId xmlns:a16="http://schemas.microsoft.com/office/drawing/2014/main" id="{A62C771F-2C87-42B4-A5A3-D79C112DD726}"/>
+              </a:ext>
+            </a:extLst>
+          </p:cNvPr>
+          <p:cNvSpPr>
+            <a:spLocks noGrp="1"/>
+          </p:cNvSpPr>
+          <p:nvPr>
+            <p:ph type="title"/>
+          </p:nvPr>
+        </p:nvSpPr>
+        <p:spPr/>
+        <p:txBody>
+          <a:bodyPr/>
+          <a:lstStyle/>
+          <a:p>
+            <a:r>
+              <a:rPr lang="pt-BR" dirty="0"/>
+              <a:t>Detalhamento Front </a:t>
+            </a:r>
+            <a:r>
+              <a:rPr lang="pt-BR" dirty="0" err="1"/>
+              <a:t>end</a:t>
+            </a:r>
+            <a:endParaRPr lang="pt-BR" dirty="0"/>
+          </a:p>
+        </p:txBody>
+      </p:sp>
+    </p:spTree>
+    <p:extLst>
+      <p:ext uri="{BB962C8B-B14F-4D97-AF65-F5344CB8AC3E}">
+        <p14:creationId xmlns:p14="http://schemas.microsoft.com/office/powerpoint/2010/main" val="3233396503"/>
+      </p:ext>
+    </p:extLst>
+  </p:cSld>
+  <p:clrMapOvr>
+    <a:masterClrMapping/>
+  </p:clrMapOvr>
+</p:sld>
+</file>
+
+<file path=ppt/slides/slide3.xml><?xml version="1.0" encoding="utf-8"?>
+<p:sld xmlns:a="http://schemas.openxmlformats.org/drawingml/2006/main" xmlns:r="http://schemas.openxmlformats.org/officeDocument/2006/relationships" xmlns:p="http://schemas.openxmlformats.org/presentationml/2006/main">
+  <p:cSld>
+    <p:spTree>
+      <p:nvGrpSpPr>
+        <p:cNvPr id="1" name=""/>
+        <p:cNvGrpSpPr/>
+        <p:nvPr/>
+      </p:nvGrpSpPr>
+      <p:grpSpPr>
+        <a:xfrm>
+          <a:off x="0" y="0"/>
+          <a:ext cx="0" cy="0"/>
+          <a:chOff x="0" y="0"/>
+          <a:chExt cx="0" cy="0"/>
+        </a:xfrm>
+      </p:grpSpPr>
+      <p:sp>
+        <p:nvSpPr>
+          <p:cNvPr id="2" name="Título 1">
+            <a:extLst>
+              <a:ext uri="{FF2B5EF4-FFF2-40B4-BE49-F238E27FC236}">
+                <a16:creationId xmlns:a16="http://schemas.microsoft.com/office/drawing/2014/main" id="{0B834492-8738-4481-8A87-A846D04C12B7}"/>
+              </a:ext>
+            </a:extLst>
+          </p:cNvPr>
+          <p:cNvSpPr>
+            <a:spLocks noGrp="1"/>
+          </p:cNvSpPr>
+          <p:nvPr>
+            <p:ph type="title"/>
+          </p:nvPr>
+        </p:nvSpPr>
+        <p:spPr/>
+        <p:txBody>
+          <a:bodyPr/>
+          <a:lstStyle/>
+          <a:p>
+            <a:r>
+              <a:rPr lang="pt-BR" dirty="0"/>
+              <a:t>Explicação Autenticação.</a:t>
+            </a:r>
+          </a:p>
+        </p:txBody>
+      </p:sp>
+    </p:spTree>
+    <p:extLst>
+      <p:ext uri="{BB962C8B-B14F-4D97-AF65-F5344CB8AC3E}">
+        <p14:creationId xmlns:p14="http://schemas.microsoft.com/office/powerpoint/2010/main" val="2071164285"/>
       </p:ext>
     </p:extLst>
   </p:cSld>

--- a/Documentação/Apresentação.pptx
+++ b/Documentação/Apresentação.pptx
@@ -4768,7 +4768,7 @@
         <p:spPr>
           <a:xfrm>
             <a:off x="9496167" y="2009018"/>
-            <a:ext cx="2031622" cy="1384995"/>
+            <a:ext cx="2031622" cy="1169551"/>
           </a:xfrm>
           <a:prstGeom prst="rect">
             <a:avLst/>
@@ -4802,20 +4802,6 @@
             <a:r>
               <a:rPr lang="pt-BR" sz="1400" dirty="0"/>
               <a:t>.</a:t>
-            </a:r>
-          </a:p>
-          <a:p>
-            <a:pPr marL="285750" indent="-285750">
-              <a:buFontTx/>
-              <a:buChar char="-"/>
-            </a:pPr>
-            <a:r>
-              <a:rPr lang="pt-BR" sz="1400" dirty="0">
-                <a:highlight>
-                  <a:srgbClr val="FFFF00"/>
-                </a:highlight>
-              </a:rPr>
-              <a:t>API. VERIFICA NEXT</a:t>
             </a:r>
           </a:p>
         </p:txBody>
@@ -4836,8 +4822,8 @@
         </p:nvCxnSpPr>
         <p:spPr>
           <a:xfrm>
-            <a:off x="5900367" y="1769973"/>
-            <a:ext cx="2331019" cy="239045"/>
+            <a:off x="5661559" y="1762787"/>
+            <a:ext cx="2502992" cy="611298"/>
           </a:xfrm>
           <a:prstGeom prst="straightConnector1">
             <a:avLst/>
@@ -4897,45 +4883,6 @@
           </a:p>
         </p:txBody>
       </p:sp>
-      <p:sp>
-        <p:nvSpPr>
-          <p:cNvPr id="32" name="CaixaDeTexto 31">
-            <a:extLst>
-              <a:ext uri="{FF2B5EF4-FFF2-40B4-BE49-F238E27FC236}">
-                <a16:creationId xmlns:a16="http://schemas.microsoft.com/office/drawing/2014/main" id="{621A951D-DBFF-42A8-874B-300F7C7CE96B}"/>
-              </a:ext>
-            </a:extLst>
-          </p:cNvPr>
-          <p:cNvSpPr txBox="1"/>
-          <p:nvPr/>
-        </p:nvSpPr>
-        <p:spPr>
-          <a:xfrm>
-            <a:off x="1593682" y="76804"/>
-            <a:ext cx="1192955" cy="369332"/>
-          </a:xfrm>
-          <a:prstGeom prst="rect">
-            <a:avLst/>
-          </a:prstGeom>
-          <a:noFill/>
-        </p:spPr>
-        <p:txBody>
-          <a:bodyPr wrap="none" rtlCol="0">
-            <a:spAutoFit/>
-          </a:bodyPr>
-          <a:lstStyle/>
-          <a:p>
-            <a:r>
-              <a:rPr lang="pt-BR" dirty="0">
-                <a:highlight>
-                  <a:srgbClr val="FFFF00"/>
-                </a:highlight>
-              </a:rPr>
-              <a:t>PENDENTE</a:t>
-            </a:r>
-          </a:p>
-        </p:txBody>
-      </p:sp>
       <p:pic>
         <p:nvPicPr>
           <p:cNvPr id="36" name="Imagem 35" descr="Fundo preto com letras brancas&#10;&#10;Descrição gerada automaticamente">
@@ -5365,53 +5312,47 @@
           </a:p>
         </p:txBody>
       </p:sp>
-      <p:sp>
-        <p:nvSpPr>
-          <p:cNvPr id="49" name="CaixaDeTexto 48">
-            <a:extLst>
-              <a:ext uri="{FF2B5EF4-FFF2-40B4-BE49-F238E27FC236}">
-                <a16:creationId xmlns:a16="http://schemas.microsoft.com/office/drawing/2014/main" id="{F9746983-1908-4B95-AA00-D87701D136AA}"/>
-              </a:ext>
-            </a:extLst>
-          </p:cNvPr>
-          <p:cNvSpPr txBox="1"/>
+      <p:cxnSp>
+        <p:nvCxnSpPr>
+          <p:cNvPr id="29" name="Conector de Seta Reta 28">
+            <a:extLst>
+              <a:ext uri="{FF2B5EF4-FFF2-40B4-BE49-F238E27FC236}">
+                <a16:creationId xmlns:a16="http://schemas.microsoft.com/office/drawing/2014/main" id="{97E9AC79-1A58-44BE-98EA-FDF86387EF6B}"/>
+              </a:ext>
+            </a:extLst>
+          </p:cNvPr>
+          <p:cNvCxnSpPr>
+            <a:cxnSpLocks/>
+          </p:cNvCxnSpPr>
           <p:nvPr/>
-        </p:nvSpPr>
+        </p:nvCxnSpPr>
         <p:spPr>
           <a:xfrm>
-            <a:off x="2692182" y="2855227"/>
-            <a:ext cx="1880387" cy="369332"/>
+            <a:off x="5606952" y="2474270"/>
+            <a:ext cx="2765261" cy="1416097"/>
           </a:xfrm>
-          <a:prstGeom prst="rect">
+          <a:prstGeom prst="straightConnector1">
             <a:avLst/>
           </a:prstGeom>
-          <a:noFill/>
+          <a:ln>
+            <a:tailEnd type="triangle"/>
+          </a:ln>
         </p:spPr>
-        <p:txBody>
-          <a:bodyPr wrap="none" rtlCol="0">
-            <a:spAutoFit/>
-          </a:bodyPr>
-          <a:lstStyle/>
-          <a:p>
-            <a:r>
-              <a:rPr lang="pt-BR" dirty="0" err="1">
-                <a:highlight>
-                  <a:srgbClr val="FFFF00"/>
-                </a:highlight>
-              </a:rPr>
-              <a:t>Modules.exports</a:t>
-            </a:r>
-            <a:r>
-              <a:rPr lang="pt-BR" dirty="0">
-                <a:highlight>
-                  <a:srgbClr val="FFFF00"/>
-                </a:highlight>
-              </a:rPr>
-              <a:t>: </a:t>
-            </a:r>
-          </a:p>
-        </p:txBody>
-      </p:sp>
+        <p:style>
+          <a:lnRef idx="1">
+            <a:schemeClr val="accent1"/>
+          </a:lnRef>
+          <a:fillRef idx="0">
+            <a:schemeClr val="accent1"/>
+          </a:fillRef>
+          <a:effectRef idx="0">
+            <a:schemeClr val="accent1"/>
+          </a:effectRef>
+          <a:fontRef idx="minor">
+            <a:schemeClr val="tx1"/>
+          </a:fontRef>
+        </p:style>
+      </p:cxnSp>
     </p:spTree>
     <p:extLst>
       <p:ext uri="{BB962C8B-B14F-4D97-AF65-F5344CB8AC3E}">
@@ -5442,36 +5383,418 @@
           <a:chExt cx="0" cy="0"/>
         </a:xfrm>
       </p:grpSpPr>
-      <p:sp>
-        <p:nvSpPr>
-          <p:cNvPr id="2" name="Título 1">
-            <a:extLst>
-              <a:ext uri="{FF2B5EF4-FFF2-40B4-BE49-F238E27FC236}">
-                <a16:creationId xmlns:a16="http://schemas.microsoft.com/office/drawing/2014/main" id="{A62C771F-2C87-42B4-A5A3-D79C112DD726}"/>
-              </a:ext>
-            </a:extLst>
-          </p:cNvPr>
-          <p:cNvSpPr>
-            <a:spLocks noGrp="1"/>
-          </p:cNvSpPr>
-          <p:nvPr>
-            <p:ph type="title"/>
-          </p:nvPr>
-        </p:nvSpPr>
-        <p:spPr/>
-        <p:txBody>
-          <a:bodyPr/>
+      <p:pic>
+        <p:nvPicPr>
+          <p:cNvPr id="6" name="Imagem 5" descr="Uma imagem contendo objeto, placa, kit, relógio&#10;&#10;Descrição gerada automaticamente">
+            <a:extLst>
+              <a:ext uri="{FF2B5EF4-FFF2-40B4-BE49-F238E27FC236}">
+                <a16:creationId xmlns:a16="http://schemas.microsoft.com/office/drawing/2014/main" id="{C6203AD9-347B-4AAA-8350-0FE6E12EBA0E}"/>
+              </a:ext>
+            </a:extLst>
+          </p:cNvPr>
+          <p:cNvPicPr>
+            <a:picLocks noChangeAspect="1"/>
+          </p:cNvPicPr>
+          <p:nvPr/>
+        </p:nvPicPr>
+        <p:blipFill>
+          <a:blip r:embed="rId2">
+            <a:extLst>
+              <a:ext uri="{28A0092B-C50C-407E-A947-70E740481C1C}">
+                <a14:useLocalDpi xmlns:a14="http://schemas.microsoft.com/office/drawing/2010/main" val="0"/>
+              </a:ext>
+            </a:extLst>
+          </a:blip>
+          <a:stretch>
+            <a:fillRect/>
+          </a:stretch>
+        </p:blipFill>
+        <p:spPr>
+          <a:xfrm>
+            <a:off x="202511" y="208645"/>
+            <a:ext cx="1588982" cy="1588982"/>
+          </a:xfrm>
+          <a:prstGeom prst="rect">
+            <a:avLst/>
+          </a:prstGeom>
+        </p:spPr>
+      </p:pic>
+      <p:pic>
+        <p:nvPicPr>
+          <p:cNvPr id="8" name="Imagem 7" descr="Fundo preto com letras brancas&#10;&#10;Descrição gerada automaticamente">
+            <a:extLst>
+              <a:ext uri="{FF2B5EF4-FFF2-40B4-BE49-F238E27FC236}">
+                <a16:creationId xmlns:a16="http://schemas.microsoft.com/office/drawing/2014/main" id="{1E456FAE-B0F4-417E-9DCD-6F4DF7B5D51D}"/>
+              </a:ext>
+            </a:extLst>
+          </p:cNvPr>
+          <p:cNvPicPr>
+            <a:picLocks noChangeAspect="1"/>
+          </p:cNvPicPr>
+          <p:nvPr/>
+        </p:nvPicPr>
+        <p:blipFill>
+          <a:blip r:embed="rId3">
+            <a:extLst>
+              <a:ext uri="{28A0092B-C50C-407E-A947-70E740481C1C}">
+                <a14:useLocalDpi xmlns:a14="http://schemas.microsoft.com/office/drawing/2010/main" val="0"/>
+              </a:ext>
+            </a:extLst>
+          </a:blip>
+          <a:stretch>
+            <a:fillRect/>
+          </a:stretch>
+        </p:blipFill>
+        <p:spPr>
+          <a:xfrm>
+            <a:off x="244414" y="2097384"/>
+            <a:ext cx="1331616" cy="1331616"/>
+          </a:xfrm>
+          <a:prstGeom prst="rect">
+            <a:avLst/>
+          </a:prstGeom>
+        </p:spPr>
+      </p:pic>
+      <p:sp>
+        <p:nvSpPr>
+          <p:cNvPr id="10" name="CaixaDeTexto 9">
+            <a:extLst>
+              <a:ext uri="{FF2B5EF4-FFF2-40B4-BE49-F238E27FC236}">
+                <a16:creationId xmlns:a16="http://schemas.microsoft.com/office/drawing/2014/main" id="{55AE2456-B89E-4D2F-848D-A62061B01B97}"/>
+              </a:ext>
+            </a:extLst>
+          </p:cNvPr>
+          <p:cNvSpPr txBox="1"/>
+          <p:nvPr/>
+        </p:nvSpPr>
+        <p:spPr>
+          <a:xfrm>
+            <a:off x="2044543" y="1166070"/>
+            <a:ext cx="1857542" cy="2339102"/>
+          </a:xfrm>
+          <a:prstGeom prst="rect">
+            <a:avLst/>
+          </a:prstGeom>
+          <a:noFill/>
+        </p:spPr>
+        <p:txBody>
+          <a:bodyPr wrap="square" rtlCol="0">
+            <a:spAutoFit/>
+          </a:bodyPr>
           <a:lstStyle/>
           <a:p>
             <a:r>
               <a:rPr lang="pt-BR" dirty="0"/>
-              <a:t>Detalhamento Front </a:t>
-            </a:r>
+              <a:t>Index.html</a:t>
+            </a:r>
+          </a:p>
+          <a:p>
+            <a:r>
+              <a:rPr lang="pt-BR" dirty="0"/>
+              <a:t>-carregar arquivos</a:t>
+            </a:r>
+          </a:p>
+          <a:p>
             <a:r>
               <a:rPr lang="pt-BR" dirty="0" err="1"/>
-              <a:t>end</a:t>
-            </a:r>
-            <a:endParaRPr lang="pt-BR" dirty="0"/>
+              <a:t>Ng-view</a:t>
+            </a:r>
+            <a:r>
+              <a:rPr lang="pt-BR" dirty="0"/>
+              <a:t>: </a:t>
+            </a:r>
+            <a:r>
+              <a:rPr lang="pt-BR" sz="800" dirty="0" err="1"/>
+              <a:t>ngViewé</a:t>
+            </a:r>
+            <a:r>
+              <a:rPr lang="pt-BR" sz="800" dirty="0"/>
+              <a:t> uma diretiva que complementa o serviço $ </a:t>
+            </a:r>
+            <a:r>
+              <a:rPr lang="pt-BR" sz="800" dirty="0" err="1"/>
+              <a:t>route</a:t>
+            </a:r>
+            <a:r>
+              <a:rPr lang="pt-BR" sz="800" dirty="0"/>
+              <a:t> incluindo o modelo </a:t>
+            </a:r>
+            <a:r>
+              <a:rPr lang="pt-BR" sz="800" dirty="0" err="1"/>
+              <a:t>renderizado</a:t>
+            </a:r>
+            <a:r>
+              <a:rPr lang="pt-BR" sz="800" dirty="0"/>
+              <a:t> da rota atual no arquivo layout ( ) principal .</a:t>
+            </a:r>
+          </a:p>
+          <a:p>
+            <a:r>
+              <a:rPr lang="pt-BR" dirty="0" err="1"/>
+              <a:t>Ng-app:</a:t>
+            </a:r>
+            <a:r>
+              <a:rPr lang="pt-BR" sz="800" dirty="0" err="1"/>
+              <a:t>designa</a:t>
+            </a:r>
+            <a:r>
+              <a:rPr lang="pt-BR" sz="800" dirty="0"/>
+              <a:t> o elemento raiz do aplicativo e é normalmente colocada perto do elemento raiz da página</a:t>
+            </a:r>
+          </a:p>
+        </p:txBody>
+      </p:sp>
+      <p:sp>
+        <p:nvSpPr>
+          <p:cNvPr id="12" name="CaixaDeTexto 11">
+            <a:extLst>
+              <a:ext uri="{FF2B5EF4-FFF2-40B4-BE49-F238E27FC236}">
+                <a16:creationId xmlns:a16="http://schemas.microsoft.com/office/drawing/2014/main" id="{2A122444-8107-43B9-A329-814397983BAF}"/>
+              </a:ext>
+            </a:extLst>
+          </p:cNvPr>
+          <p:cNvSpPr txBox="1"/>
+          <p:nvPr/>
+        </p:nvSpPr>
+        <p:spPr>
+          <a:xfrm>
+            <a:off x="51681" y="3913422"/>
+            <a:ext cx="1844232" cy="769441"/>
+          </a:xfrm>
+          <a:prstGeom prst="rect">
+            <a:avLst/>
+          </a:prstGeom>
+          <a:noFill/>
+        </p:spPr>
+        <p:txBody>
+          <a:bodyPr wrap="square">
+            <a:spAutoFit/>
+          </a:bodyPr>
+          <a:lstStyle/>
+          <a:p>
+            <a:r>
+              <a:rPr lang="en-US" sz="1100" b="0" dirty="0" err="1">
+                <a:solidFill>
+                  <a:srgbClr val="F8F8F2"/>
+                </a:solidFill>
+                <a:effectLst/>
+                <a:latin typeface="Consolas" panose="020B0609020204030204" pitchFamily="49" charset="0"/>
+              </a:rPr>
+              <a:t>app.</a:t>
+            </a:r>
+            <a:r>
+              <a:rPr lang="en-US" sz="1100" b="0" dirty="0" err="1">
+                <a:solidFill>
+                  <a:srgbClr val="A6E22E"/>
+                </a:solidFill>
+                <a:effectLst/>
+                <a:latin typeface="Consolas" panose="020B0609020204030204" pitchFamily="49" charset="0"/>
+              </a:rPr>
+              <a:t>use</a:t>
+            </a:r>
+            <a:r>
+              <a:rPr lang="en-US" sz="1100" b="0" dirty="0">
+                <a:solidFill>
+                  <a:srgbClr val="F8F8F2"/>
+                </a:solidFill>
+                <a:effectLst/>
+                <a:latin typeface="Consolas" panose="020B0609020204030204" pitchFamily="49" charset="0"/>
+              </a:rPr>
+              <a:t>(</a:t>
+            </a:r>
+            <a:r>
+              <a:rPr lang="en-US" sz="1100" b="0" dirty="0" err="1">
+                <a:solidFill>
+                  <a:srgbClr val="F8F8F2"/>
+                </a:solidFill>
+                <a:effectLst/>
+                <a:latin typeface="Consolas" panose="020B0609020204030204" pitchFamily="49" charset="0"/>
+              </a:rPr>
+              <a:t>express.</a:t>
+            </a:r>
+            <a:r>
+              <a:rPr lang="en-US" sz="1100" b="0" dirty="0" err="1">
+                <a:solidFill>
+                  <a:srgbClr val="A6E22E"/>
+                </a:solidFill>
+                <a:effectLst/>
+                <a:latin typeface="Consolas" panose="020B0609020204030204" pitchFamily="49" charset="0"/>
+              </a:rPr>
+              <a:t>static</a:t>
+            </a:r>
+            <a:r>
+              <a:rPr lang="en-US" sz="1100" b="0" dirty="0">
+                <a:solidFill>
+                  <a:srgbClr val="F8F8F2"/>
+                </a:solidFill>
+                <a:effectLst/>
+                <a:latin typeface="Consolas" panose="020B0609020204030204" pitchFamily="49" charset="0"/>
+              </a:rPr>
+              <a:t>(</a:t>
+            </a:r>
+            <a:r>
+              <a:rPr lang="en-US" sz="1100" b="0" dirty="0">
+                <a:solidFill>
+                  <a:srgbClr val="E6DB74"/>
+                </a:solidFill>
+                <a:effectLst/>
+                <a:latin typeface="Consolas" panose="020B0609020204030204" pitchFamily="49" charset="0"/>
+              </a:rPr>
+              <a:t>'./public’</a:t>
+            </a:r>
+            <a:r>
+              <a:rPr lang="en-US" sz="1100" b="0" dirty="0">
+                <a:solidFill>
+                  <a:srgbClr val="F8F8F2"/>
+                </a:solidFill>
+                <a:effectLst/>
+                <a:latin typeface="Consolas" panose="020B0609020204030204" pitchFamily="49" charset="0"/>
+              </a:rPr>
+              <a:t>));</a:t>
+            </a:r>
+          </a:p>
+          <a:p>
+            <a:r>
+              <a:rPr lang="en-US" sz="1100" dirty="0">
+                <a:solidFill>
+                  <a:srgbClr val="F8F8F2"/>
+                </a:solidFill>
+                <a:latin typeface="Consolas" panose="020B0609020204030204" pitchFamily="49" charset="0"/>
+              </a:rPr>
+              <a:t>-- </a:t>
+            </a:r>
+            <a:r>
+              <a:rPr lang="en-US" sz="1100" dirty="0" err="1">
+                <a:solidFill>
+                  <a:srgbClr val="F8F8F2"/>
+                </a:solidFill>
+                <a:latin typeface="Consolas" panose="020B0609020204030204" pitchFamily="49" charset="0"/>
+              </a:rPr>
+              <a:t>Carregar</a:t>
+            </a:r>
+            <a:r>
+              <a:rPr lang="en-US" sz="1100" dirty="0">
+                <a:solidFill>
+                  <a:srgbClr val="F8F8F2"/>
+                </a:solidFill>
+                <a:latin typeface="Consolas" panose="020B0609020204030204" pitchFamily="49" charset="0"/>
+              </a:rPr>
+              <a:t> </a:t>
+            </a:r>
+            <a:r>
+              <a:rPr lang="en-US" sz="1100" dirty="0" err="1">
+                <a:solidFill>
+                  <a:srgbClr val="F8F8F2"/>
+                </a:solidFill>
+                <a:latin typeface="Consolas" panose="020B0609020204030204" pitchFamily="49" charset="0"/>
+              </a:rPr>
+              <a:t>Servidor</a:t>
+            </a:r>
+            <a:r>
+              <a:rPr lang="en-US" sz="1100" dirty="0">
+                <a:solidFill>
+                  <a:srgbClr val="F8F8F2"/>
+                </a:solidFill>
+                <a:latin typeface="Consolas" panose="020B0609020204030204" pitchFamily="49" charset="0"/>
+              </a:rPr>
+              <a:t> </a:t>
+            </a:r>
+            <a:r>
+              <a:rPr lang="en-US" sz="1100" dirty="0" err="1">
+                <a:solidFill>
+                  <a:srgbClr val="F8F8F2"/>
+                </a:solidFill>
+                <a:latin typeface="Consolas" panose="020B0609020204030204" pitchFamily="49" charset="0"/>
+              </a:rPr>
+              <a:t>aplicação</a:t>
+            </a:r>
+            <a:r>
+              <a:rPr lang="en-US" sz="1100" dirty="0">
+                <a:solidFill>
+                  <a:srgbClr val="F8F8F2"/>
+                </a:solidFill>
+                <a:latin typeface="Consolas" panose="020B0609020204030204" pitchFamily="49" charset="0"/>
+              </a:rPr>
+              <a:t> AngularJS</a:t>
+            </a:r>
+            <a:endParaRPr lang="en-US" sz="1100" b="0" dirty="0">
+              <a:solidFill>
+                <a:srgbClr val="F8F8F2"/>
+              </a:solidFill>
+              <a:effectLst/>
+              <a:latin typeface="Consolas" panose="020B0609020204030204" pitchFamily="49" charset="0"/>
+            </a:endParaRPr>
+          </a:p>
+        </p:txBody>
+      </p:sp>
+      <p:pic>
+        <p:nvPicPr>
+          <p:cNvPr id="14" name="Imagem 13" descr="Fundo preto com letras brancas&#10;&#10;Descrição gerada automaticamente">
+            <a:extLst>
+              <a:ext uri="{FF2B5EF4-FFF2-40B4-BE49-F238E27FC236}">
+                <a16:creationId xmlns:a16="http://schemas.microsoft.com/office/drawing/2014/main" id="{D8997EE3-1677-4D7C-999D-09E4FE021172}"/>
+              </a:ext>
+            </a:extLst>
+          </p:cNvPr>
+          <p:cNvPicPr>
+            <a:picLocks noChangeAspect="1"/>
+          </p:cNvPicPr>
+          <p:nvPr/>
+        </p:nvPicPr>
+        <p:blipFill>
+          <a:blip r:embed="rId3">
+            <a:extLst>
+              <a:ext uri="{28A0092B-C50C-407E-A947-70E740481C1C}">
+                <a14:useLocalDpi xmlns:a14="http://schemas.microsoft.com/office/drawing/2010/main" val="0"/>
+              </a:ext>
+            </a:extLst>
+          </a:blip>
+          <a:stretch>
+            <a:fillRect/>
+          </a:stretch>
+        </p:blipFill>
+        <p:spPr>
+          <a:xfrm>
+            <a:off x="2015889" y="208645"/>
+            <a:ext cx="957425" cy="957425"/>
+          </a:xfrm>
+          <a:prstGeom prst="rect">
+            <a:avLst/>
+          </a:prstGeom>
+        </p:spPr>
+      </p:pic>
+      <p:sp>
+        <p:nvSpPr>
+          <p:cNvPr id="16" name="CaixaDeTexto 15">
+            <a:extLst>
+              <a:ext uri="{FF2B5EF4-FFF2-40B4-BE49-F238E27FC236}">
+                <a16:creationId xmlns:a16="http://schemas.microsoft.com/office/drawing/2014/main" id="{D3CE3D7B-33B0-48C2-B5BE-867E8746E443}"/>
+              </a:ext>
+            </a:extLst>
+          </p:cNvPr>
+          <p:cNvSpPr txBox="1"/>
+          <p:nvPr/>
+        </p:nvSpPr>
+        <p:spPr>
+          <a:xfrm>
+            <a:off x="603323" y="3696491"/>
+            <a:ext cx="1092158" cy="369332"/>
+          </a:xfrm>
+          <a:prstGeom prst="rect">
+            <a:avLst/>
+          </a:prstGeom>
+          <a:noFill/>
+        </p:spPr>
+        <p:txBody>
+          <a:bodyPr wrap="none" rtlCol="0">
+            <a:spAutoFit/>
+          </a:bodyPr>
+          <a:lstStyle/>
+          <a:p>
+            <a:r>
+              <a:rPr lang="pt-BR" dirty="0"/>
+              <a:t>Express.js</a:t>
+            </a:r>
           </a:p>
         </p:txBody>
       </p:sp>

--- a/Documentação/Apresentação.pptx
+++ b/Documentação/Apresentação.pptx
@@ -4,6 +4,9 @@
   <p:sldMasterIdLst>
     <p:sldMasterId id="2147483648" r:id="rId1"/>
   </p:sldMasterIdLst>
+  <p:notesMasterIdLst>
+    <p:notesMasterId r:id="rId5"/>
+  </p:notesMasterIdLst>
   <p:sldIdLst>
     <p:sldId id="257" r:id="rId2"/>
     <p:sldId id="258" r:id="rId3"/>
@@ -114,6 +117,355 @@
 </p:presentation>
 </file>
 
+<file path=ppt/notesMasters/notesMaster1.xml><?xml version="1.0" encoding="utf-8"?>
+<p:notesMaster xmlns:a="http://schemas.openxmlformats.org/drawingml/2006/main" xmlns:r="http://schemas.openxmlformats.org/officeDocument/2006/relationships" xmlns:p="http://schemas.openxmlformats.org/presentationml/2006/main">
+  <p:cSld>
+    <p:bg>
+      <p:bgRef idx="1001">
+        <a:schemeClr val="bg1"/>
+      </p:bgRef>
+    </p:bg>
+    <p:spTree>
+      <p:nvGrpSpPr>
+        <p:cNvPr id="1" name=""/>
+        <p:cNvGrpSpPr/>
+        <p:nvPr/>
+      </p:nvGrpSpPr>
+      <p:grpSpPr>
+        <a:xfrm>
+          <a:off x="0" y="0"/>
+          <a:ext cx="0" cy="0"/>
+          <a:chOff x="0" y="0"/>
+          <a:chExt cx="0" cy="0"/>
+        </a:xfrm>
+      </p:grpSpPr>
+      <p:sp>
+        <p:nvSpPr>
+          <p:cNvPr id="2" name="Espaço Reservado para Cabeçalho 1"/>
+          <p:cNvSpPr>
+            <a:spLocks noGrp="1"/>
+          </p:cNvSpPr>
+          <p:nvPr>
+            <p:ph type="hdr" sz="quarter"/>
+          </p:nvPr>
+        </p:nvSpPr>
+        <p:spPr>
+          <a:xfrm>
+            <a:off x="0" y="0"/>
+            <a:ext cx="2971800" cy="458788"/>
+          </a:xfrm>
+          <a:prstGeom prst="rect">
+            <a:avLst/>
+          </a:prstGeom>
+        </p:spPr>
+        <p:txBody>
+          <a:bodyPr vert="horz" lIns="91440" tIns="45720" rIns="91440" bIns="45720" rtlCol="0"/>
+          <a:lstStyle>
+            <a:lvl1pPr algn="l">
+              <a:defRPr sz="1200"/>
+            </a:lvl1pPr>
+          </a:lstStyle>
+          <a:p>
+            <a:endParaRPr lang="pt-BR"/>
+          </a:p>
+        </p:txBody>
+      </p:sp>
+      <p:sp>
+        <p:nvSpPr>
+          <p:cNvPr id="3" name="Espaço Reservado para Data 2"/>
+          <p:cNvSpPr>
+            <a:spLocks noGrp="1"/>
+          </p:cNvSpPr>
+          <p:nvPr>
+            <p:ph type="dt" idx="1"/>
+          </p:nvPr>
+        </p:nvSpPr>
+        <p:spPr>
+          <a:xfrm>
+            <a:off x="3884613" y="0"/>
+            <a:ext cx="2971800" cy="458788"/>
+          </a:xfrm>
+          <a:prstGeom prst="rect">
+            <a:avLst/>
+          </a:prstGeom>
+        </p:spPr>
+        <p:txBody>
+          <a:bodyPr vert="horz" lIns="91440" tIns="45720" rIns="91440" bIns="45720" rtlCol="0"/>
+          <a:lstStyle>
+            <a:lvl1pPr algn="r">
+              <a:defRPr sz="1200"/>
+            </a:lvl1pPr>
+          </a:lstStyle>
+          <a:p>
+            <a:fld id="{DEC96947-C5EE-4455-A4C4-996829650C35}" type="datetimeFigureOut">
+              <a:rPr lang="pt-BR" smtClean="0"/>
+              <a:t>16/08/2020</a:t>
+            </a:fld>
+            <a:endParaRPr lang="pt-BR"/>
+          </a:p>
+        </p:txBody>
+      </p:sp>
+      <p:sp>
+        <p:nvSpPr>
+          <p:cNvPr id="4" name="Espaço Reservado para Imagem de Slide 3"/>
+          <p:cNvSpPr>
+            <a:spLocks noGrp="1" noRot="1" noChangeAspect="1"/>
+          </p:cNvSpPr>
+          <p:nvPr>
+            <p:ph type="sldImg" idx="2"/>
+          </p:nvPr>
+        </p:nvSpPr>
+        <p:spPr>
+          <a:xfrm>
+            <a:off x="685800" y="1143000"/>
+            <a:ext cx="5486400" cy="3086100"/>
+          </a:xfrm>
+          <a:prstGeom prst="rect">
+            <a:avLst/>
+          </a:prstGeom>
+          <a:noFill/>
+          <a:ln w="12700">
+            <a:solidFill>
+              <a:prstClr val="black"/>
+            </a:solidFill>
+          </a:ln>
+        </p:spPr>
+        <p:txBody>
+          <a:bodyPr vert="horz" lIns="91440" tIns="45720" rIns="91440" bIns="45720" rtlCol="0" anchor="ctr"/>
+          <a:lstStyle/>
+          <a:p>
+            <a:endParaRPr lang="pt-BR"/>
+          </a:p>
+        </p:txBody>
+      </p:sp>
+      <p:sp>
+        <p:nvSpPr>
+          <p:cNvPr id="5" name="Espaço Reservado para Anotações 4"/>
+          <p:cNvSpPr>
+            <a:spLocks noGrp="1"/>
+          </p:cNvSpPr>
+          <p:nvPr>
+            <p:ph type="body" sz="quarter" idx="3"/>
+          </p:nvPr>
+        </p:nvSpPr>
+        <p:spPr>
+          <a:xfrm>
+            <a:off x="685800" y="4400550"/>
+            <a:ext cx="5486400" cy="3600450"/>
+          </a:xfrm>
+          <a:prstGeom prst="rect">
+            <a:avLst/>
+          </a:prstGeom>
+        </p:spPr>
+        <p:txBody>
+          <a:bodyPr vert="horz" lIns="91440" tIns="45720" rIns="91440" bIns="45720" rtlCol="0"/>
+          <a:lstStyle/>
+          <a:p>
+            <a:pPr lvl="0"/>
+            <a:r>
+              <a:rPr lang="pt-BR"/>
+              <a:t>Clique para editar os estilos de texto Mestres</a:t>
+            </a:r>
+          </a:p>
+          <a:p>
+            <a:pPr lvl="1"/>
+            <a:r>
+              <a:rPr lang="pt-BR"/>
+              <a:t>Segundo nível</a:t>
+            </a:r>
+          </a:p>
+          <a:p>
+            <a:pPr lvl="2"/>
+            <a:r>
+              <a:rPr lang="pt-BR"/>
+              <a:t>Terceiro nível</a:t>
+            </a:r>
+          </a:p>
+          <a:p>
+            <a:pPr lvl="3"/>
+            <a:r>
+              <a:rPr lang="pt-BR"/>
+              <a:t>Quarto nível</a:t>
+            </a:r>
+          </a:p>
+          <a:p>
+            <a:pPr lvl="4"/>
+            <a:r>
+              <a:rPr lang="pt-BR"/>
+              <a:t>Quinto nível</a:t>
+            </a:r>
+          </a:p>
+        </p:txBody>
+      </p:sp>
+      <p:sp>
+        <p:nvSpPr>
+          <p:cNvPr id="6" name="Espaço Reservado para Rodapé 5"/>
+          <p:cNvSpPr>
+            <a:spLocks noGrp="1"/>
+          </p:cNvSpPr>
+          <p:nvPr>
+            <p:ph type="ftr" sz="quarter" idx="4"/>
+          </p:nvPr>
+        </p:nvSpPr>
+        <p:spPr>
+          <a:xfrm>
+            <a:off x="0" y="8685213"/>
+            <a:ext cx="2971800" cy="458787"/>
+          </a:xfrm>
+          <a:prstGeom prst="rect">
+            <a:avLst/>
+          </a:prstGeom>
+        </p:spPr>
+        <p:txBody>
+          <a:bodyPr vert="horz" lIns="91440" tIns="45720" rIns="91440" bIns="45720" rtlCol="0" anchor="b"/>
+          <a:lstStyle>
+            <a:lvl1pPr algn="l">
+              <a:defRPr sz="1200"/>
+            </a:lvl1pPr>
+          </a:lstStyle>
+          <a:p>
+            <a:endParaRPr lang="pt-BR"/>
+          </a:p>
+        </p:txBody>
+      </p:sp>
+      <p:sp>
+        <p:nvSpPr>
+          <p:cNvPr id="7" name="Espaço Reservado para Número de Slide 6"/>
+          <p:cNvSpPr>
+            <a:spLocks noGrp="1"/>
+          </p:cNvSpPr>
+          <p:nvPr>
+            <p:ph type="sldNum" sz="quarter" idx="5"/>
+          </p:nvPr>
+        </p:nvSpPr>
+        <p:spPr>
+          <a:xfrm>
+            <a:off x="3884613" y="8685213"/>
+            <a:ext cx="2971800" cy="458787"/>
+          </a:xfrm>
+          <a:prstGeom prst="rect">
+            <a:avLst/>
+          </a:prstGeom>
+        </p:spPr>
+        <p:txBody>
+          <a:bodyPr vert="horz" lIns="91440" tIns="45720" rIns="91440" bIns="45720" rtlCol="0" anchor="b"/>
+          <a:lstStyle>
+            <a:lvl1pPr algn="r">
+              <a:defRPr sz="1200"/>
+            </a:lvl1pPr>
+          </a:lstStyle>
+          <a:p>
+            <a:fld id="{3D7D2B4F-D167-45D0-81DA-B846726FC151}" type="slidenum">
+              <a:rPr lang="pt-BR" smtClean="0"/>
+              <a:t>‹nº›</a:t>
+            </a:fld>
+            <a:endParaRPr lang="pt-BR"/>
+          </a:p>
+        </p:txBody>
+      </p:sp>
+    </p:spTree>
+    <p:extLst>
+      <p:ext uri="{BB962C8B-B14F-4D97-AF65-F5344CB8AC3E}">
+        <p14:creationId xmlns:p14="http://schemas.microsoft.com/office/powerpoint/2010/main" val="378457582"/>
+      </p:ext>
+    </p:extLst>
+  </p:cSld>
+  <p:clrMap bg1="lt1" tx1="dk1" bg2="lt2" tx2="dk2" accent1="accent1" accent2="accent2" accent3="accent3" accent4="accent4" accent5="accent5" accent6="accent6" hlink="hlink" folHlink="folHlink"/>
+  <p:notesStyle>
+    <a:lvl1pPr marL="0" algn="l" defTabSz="914400" rtl="0" eaLnBrk="1" latinLnBrk="0" hangingPunct="1">
+      <a:defRPr sz="1200" kern="1200">
+        <a:solidFill>
+          <a:schemeClr val="tx1"/>
+        </a:solidFill>
+        <a:latin typeface="+mn-lt"/>
+        <a:ea typeface="+mn-ea"/>
+        <a:cs typeface="+mn-cs"/>
+      </a:defRPr>
+    </a:lvl1pPr>
+    <a:lvl2pPr marL="457200" algn="l" defTabSz="914400" rtl="0" eaLnBrk="1" latinLnBrk="0" hangingPunct="1">
+      <a:defRPr sz="1200" kern="1200">
+        <a:solidFill>
+          <a:schemeClr val="tx1"/>
+        </a:solidFill>
+        <a:latin typeface="+mn-lt"/>
+        <a:ea typeface="+mn-ea"/>
+        <a:cs typeface="+mn-cs"/>
+      </a:defRPr>
+    </a:lvl2pPr>
+    <a:lvl3pPr marL="914400" algn="l" defTabSz="914400" rtl="0" eaLnBrk="1" latinLnBrk="0" hangingPunct="1">
+      <a:defRPr sz="1200" kern="1200">
+        <a:solidFill>
+          <a:schemeClr val="tx1"/>
+        </a:solidFill>
+        <a:latin typeface="+mn-lt"/>
+        <a:ea typeface="+mn-ea"/>
+        <a:cs typeface="+mn-cs"/>
+      </a:defRPr>
+    </a:lvl3pPr>
+    <a:lvl4pPr marL="1371600" algn="l" defTabSz="914400" rtl="0" eaLnBrk="1" latinLnBrk="0" hangingPunct="1">
+      <a:defRPr sz="1200" kern="1200">
+        <a:solidFill>
+          <a:schemeClr val="tx1"/>
+        </a:solidFill>
+        <a:latin typeface="+mn-lt"/>
+        <a:ea typeface="+mn-ea"/>
+        <a:cs typeface="+mn-cs"/>
+      </a:defRPr>
+    </a:lvl4pPr>
+    <a:lvl5pPr marL="1828800" algn="l" defTabSz="914400" rtl="0" eaLnBrk="1" latinLnBrk="0" hangingPunct="1">
+      <a:defRPr sz="1200" kern="1200">
+        <a:solidFill>
+          <a:schemeClr val="tx1"/>
+        </a:solidFill>
+        <a:latin typeface="+mn-lt"/>
+        <a:ea typeface="+mn-ea"/>
+        <a:cs typeface="+mn-cs"/>
+      </a:defRPr>
+    </a:lvl5pPr>
+    <a:lvl6pPr marL="2286000" algn="l" defTabSz="914400" rtl="0" eaLnBrk="1" latinLnBrk="0" hangingPunct="1">
+      <a:defRPr sz="1200" kern="1200">
+        <a:solidFill>
+          <a:schemeClr val="tx1"/>
+        </a:solidFill>
+        <a:latin typeface="+mn-lt"/>
+        <a:ea typeface="+mn-ea"/>
+        <a:cs typeface="+mn-cs"/>
+      </a:defRPr>
+    </a:lvl6pPr>
+    <a:lvl7pPr marL="2743200" algn="l" defTabSz="914400" rtl="0" eaLnBrk="1" latinLnBrk="0" hangingPunct="1">
+      <a:defRPr sz="1200" kern="1200">
+        <a:solidFill>
+          <a:schemeClr val="tx1"/>
+        </a:solidFill>
+        <a:latin typeface="+mn-lt"/>
+        <a:ea typeface="+mn-ea"/>
+        <a:cs typeface="+mn-cs"/>
+      </a:defRPr>
+    </a:lvl7pPr>
+    <a:lvl8pPr marL="3200400" algn="l" defTabSz="914400" rtl="0" eaLnBrk="1" latinLnBrk="0" hangingPunct="1">
+      <a:defRPr sz="1200" kern="1200">
+        <a:solidFill>
+          <a:schemeClr val="tx1"/>
+        </a:solidFill>
+        <a:latin typeface="+mn-lt"/>
+        <a:ea typeface="+mn-ea"/>
+        <a:cs typeface="+mn-cs"/>
+      </a:defRPr>
+    </a:lvl8pPr>
+    <a:lvl9pPr marL="3657600" algn="l" defTabSz="914400" rtl="0" eaLnBrk="1" latinLnBrk="0" hangingPunct="1">
+      <a:defRPr sz="1200" kern="1200">
+        <a:solidFill>
+          <a:schemeClr val="tx1"/>
+        </a:solidFill>
+        <a:latin typeface="+mn-lt"/>
+        <a:ea typeface="+mn-ea"/>
+        <a:cs typeface="+mn-cs"/>
+      </a:defRPr>
+    </a:lvl9pPr>
+  </p:notesStyle>
+</p:notesMaster>
+</file>
+
 <file path=ppt/slideLayouts/slideLayout1.xml><?xml version="1.0" encoding="utf-8"?>
 <p:sldLayout xmlns:a="http://schemas.openxmlformats.org/drawingml/2006/main" xmlns:r="http://schemas.openxmlformats.org/officeDocument/2006/relationships" xmlns:p="http://schemas.openxmlformats.org/presentationml/2006/main" type="title" preserve="1">
   <p:cSld name="Slide de Título">
@@ -261,7 +613,7 @@
           <a:p>
             <a:fld id="{84FF200C-200F-4630-85E4-8C963974AA03}" type="datetimeFigureOut">
               <a:rPr lang="pt-BR" smtClean="0"/>
-              <a:t>15/08/2020</a:t>
+              <a:t>16/08/2020</a:t>
             </a:fld>
             <a:endParaRPr lang="pt-BR"/>
           </a:p>
@@ -459,7 +811,7 @@
           <a:p>
             <a:fld id="{84FF200C-200F-4630-85E4-8C963974AA03}" type="datetimeFigureOut">
               <a:rPr lang="pt-BR" smtClean="0"/>
-              <a:t>15/08/2020</a:t>
+              <a:t>16/08/2020</a:t>
             </a:fld>
             <a:endParaRPr lang="pt-BR"/>
           </a:p>
@@ -667,7 +1019,7 @@
           <a:p>
             <a:fld id="{84FF200C-200F-4630-85E4-8C963974AA03}" type="datetimeFigureOut">
               <a:rPr lang="pt-BR" smtClean="0"/>
-              <a:t>15/08/2020</a:t>
+              <a:t>16/08/2020</a:t>
             </a:fld>
             <a:endParaRPr lang="pt-BR"/>
           </a:p>
@@ -865,7 +1217,7 @@
           <a:p>
             <a:fld id="{84FF200C-200F-4630-85E4-8C963974AA03}" type="datetimeFigureOut">
               <a:rPr lang="pt-BR" smtClean="0"/>
-              <a:t>15/08/2020</a:t>
+              <a:t>16/08/2020</a:t>
             </a:fld>
             <a:endParaRPr lang="pt-BR"/>
           </a:p>
@@ -1140,7 +1492,7 @@
           <a:p>
             <a:fld id="{84FF200C-200F-4630-85E4-8C963974AA03}" type="datetimeFigureOut">
               <a:rPr lang="pt-BR" smtClean="0"/>
-              <a:t>15/08/2020</a:t>
+              <a:t>16/08/2020</a:t>
             </a:fld>
             <a:endParaRPr lang="pt-BR"/>
           </a:p>
@@ -1405,7 +1757,7 @@
           <a:p>
             <a:fld id="{84FF200C-200F-4630-85E4-8C963974AA03}" type="datetimeFigureOut">
               <a:rPr lang="pt-BR" smtClean="0"/>
-              <a:t>15/08/2020</a:t>
+              <a:t>16/08/2020</a:t>
             </a:fld>
             <a:endParaRPr lang="pt-BR"/>
           </a:p>
@@ -1817,7 +2169,7 @@
           <a:p>
             <a:fld id="{84FF200C-200F-4630-85E4-8C963974AA03}" type="datetimeFigureOut">
               <a:rPr lang="pt-BR" smtClean="0"/>
-              <a:t>15/08/2020</a:t>
+              <a:t>16/08/2020</a:t>
             </a:fld>
             <a:endParaRPr lang="pt-BR"/>
           </a:p>
@@ -1958,7 +2310,7 @@
           <a:p>
             <a:fld id="{84FF200C-200F-4630-85E4-8C963974AA03}" type="datetimeFigureOut">
               <a:rPr lang="pt-BR" smtClean="0"/>
-              <a:t>15/08/2020</a:t>
+              <a:t>16/08/2020</a:t>
             </a:fld>
             <a:endParaRPr lang="pt-BR"/>
           </a:p>
@@ -2071,7 +2423,7 @@
           <a:p>
             <a:fld id="{84FF200C-200F-4630-85E4-8C963974AA03}" type="datetimeFigureOut">
               <a:rPr lang="pt-BR" smtClean="0"/>
-              <a:t>15/08/2020</a:t>
+              <a:t>16/08/2020</a:t>
             </a:fld>
             <a:endParaRPr lang="pt-BR"/>
           </a:p>
@@ -2382,7 +2734,7 @@
           <a:p>
             <a:fld id="{84FF200C-200F-4630-85E4-8C963974AA03}" type="datetimeFigureOut">
               <a:rPr lang="pt-BR" smtClean="0"/>
-              <a:t>15/08/2020</a:t>
+              <a:t>16/08/2020</a:t>
             </a:fld>
             <a:endParaRPr lang="pt-BR"/>
           </a:p>
@@ -2670,7 +3022,7 @@
           <a:p>
             <a:fld id="{84FF200C-200F-4630-85E4-8C963974AA03}" type="datetimeFigureOut">
               <a:rPr lang="pt-BR" smtClean="0"/>
-              <a:t>15/08/2020</a:t>
+              <a:t>16/08/2020</a:t>
             </a:fld>
             <a:endParaRPr lang="pt-BR"/>
           </a:p>
@@ -2917,7 +3269,7 @@
           <a:p>
             <a:fld id="{84FF200C-200F-4630-85E4-8C963974AA03}" type="datetimeFigureOut">
               <a:rPr lang="pt-BR" smtClean="0"/>
-              <a:t>15/08/2020</a:t>
+              <a:t>16/08/2020</a:t>
             </a:fld>
             <a:endParaRPr lang="pt-BR"/>
           </a:p>
@@ -3362,7 +3714,7 @@
         </p:blipFill>
         <p:spPr>
           <a:xfrm>
-            <a:off x="202511" y="208645"/>
+            <a:off x="145749" y="785103"/>
             <a:ext cx="1588982" cy="1588982"/>
           </a:xfrm>
           <a:prstGeom prst="rect">
@@ -3398,8 +3750,8 @@
         </p:blipFill>
         <p:spPr>
           <a:xfrm>
-            <a:off x="331194" y="2374085"/>
-            <a:ext cx="1331616" cy="1331616"/>
+            <a:off x="274432" y="2950543"/>
+            <a:ext cx="1054915" cy="1054915"/>
           </a:xfrm>
           <a:prstGeom prst="rect">
             <a:avLst/>
@@ -3420,7 +3772,7 @@
         </p:nvCxnSpPr>
         <p:spPr>
           <a:xfrm>
-            <a:off x="997002" y="1929468"/>
+            <a:off x="940240" y="2505926"/>
             <a:ext cx="0" cy="276837"/>
           </a:xfrm>
           <a:prstGeom prst="straightConnector1">
@@ -3459,7 +3811,7 @@
         </p:nvSpPr>
         <p:spPr>
           <a:xfrm>
-            <a:off x="277110" y="3705701"/>
+            <a:off x="247390" y="4085209"/>
             <a:ext cx="1385700" cy="369332"/>
           </a:xfrm>
           <a:prstGeom prst="rect">
@@ -3509,8 +3861,8 @@
         </p:blipFill>
         <p:spPr>
           <a:xfrm>
-            <a:off x="331194" y="4581788"/>
-            <a:ext cx="1331616" cy="1331616"/>
+            <a:off x="351591" y="4969174"/>
+            <a:ext cx="962284" cy="962284"/>
           </a:xfrm>
           <a:prstGeom prst="rect">
             <a:avLst/>
@@ -3531,7 +3883,7 @@
         </p:nvCxnSpPr>
         <p:spPr>
           <a:xfrm>
-            <a:off x="997002" y="4137171"/>
+            <a:off x="889495" y="3996981"/>
             <a:ext cx="0" cy="276837"/>
           </a:xfrm>
           <a:prstGeom prst="straightConnector1">
@@ -3570,7 +3922,7 @@
         </p:nvSpPr>
         <p:spPr>
           <a:xfrm>
-            <a:off x="514786" y="5913404"/>
+            <a:off x="351591" y="5931458"/>
             <a:ext cx="964431" cy="369332"/>
           </a:xfrm>
           <a:prstGeom prst="rect">
@@ -3605,7 +3957,7 @@
         </p:nvSpPr>
         <p:spPr>
           <a:xfrm>
-            <a:off x="1445936" y="3009524"/>
+            <a:off x="1389174" y="3585982"/>
             <a:ext cx="1092479" cy="276999"/>
           </a:xfrm>
           <a:prstGeom prst="rect">
@@ -3644,7 +3996,7 @@
         </p:nvSpPr>
         <p:spPr>
           <a:xfrm>
-            <a:off x="1581586" y="4675648"/>
+            <a:off x="1338711" y="5074878"/>
             <a:ext cx="2125775" cy="923330"/>
           </a:xfrm>
           <a:prstGeom prst="rect">
@@ -3794,12 +4146,8 @@
           <a:lstStyle/>
           <a:p>
             <a:r>
-              <a:rPr lang="pt-BR" dirty="0" err="1"/>
-              <a:t>Dep</a:t>
-            </a:r>
-            <a:r>
               <a:rPr lang="pt-BR" dirty="0"/>
-              <a:t>:</a:t>
+              <a:t>Principais Dependências:</a:t>
             </a:r>
           </a:p>
           <a:p>
@@ -4548,42 +4896,6 @@
           </a:fontRef>
         </p:style>
       </p:cxnSp>
-      <p:pic>
-        <p:nvPicPr>
-          <p:cNvPr id="4" name="Imagem 3" descr="Fundo preto com letras brancas&#10;&#10;Descrição gerada automaticamente">
-            <a:extLst>
-              <a:ext uri="{FF2B5EF4-FFF2-40B4-BE49-F238E27FC236}">
-                <a16:creationId xmlns:a16="http://schemas.microsoft.com/office/drawing/2014/main" id="{86A77D69-91E0-4395-BD3D-4D7C1AC6B0F7}"/>
-              </a:ext>
-            </a:extLst>
-          </p:cNvPr>
-          <p:cNvPicPr>
-            <a:picLocks noChangeAspect="1"/>
-          </p:cNvPicPr>
-          <p:nvPr/>
-        </p:nvPicPr>
-        <p:blipFill>
-          <a:blip r:embed="rId3">
-            <a:extLst>
-              <a:ext uri="{28A0092B-C50C-407E-A947-70E740481C1C}">
-                <a14:useLocalDpi xmlns:a14="http://schemas.microsoft.com/office/drawing/2010/main" val="0"/>
-              </a:ext>
-            </a:extLst>
-          </a:blip>
-          <a:stretch>
-            <a:fillRect/>
-          </a:stretch>
-        </p:blipFill>
-        <p:spPr>
-          <a:xfrm>
-            <a:off x="8164551" y="239709"/>
-            <a:ext cx="1331616" cy="1331616"/>
-          </a:xfrm>
-          <a:prstGeom prst="rect">
-            <a:avLst/>
-          </a:prstGeom>
-        </p:spPr>
-      </p:pic>
       <p:sp>
         <p:nvSpPr>
           <p:cNvPr id="6" name="CaixaDeTexto 5">
@@ -4598,7 +4910,7 @@
         </p:nvSpPr>
         <p:spPr>
           <a:xfrm>
-            <a:off x="8458616" y="1571325"/>
+            <a:off x="8372213" y="1261545"/>
             <a:ext cx="870751" cy="369332"/>
           </a:xfrm>
           <a:prstGeom prst="rect">
@@ -4631,7 +4943,6 @@
           </p:cNvPr>
           <p:cNvCxnSpPr>
             <a:cxnSpLocks/>
-            <a:endCxn id="4" idx="1"/>
           </p:cNvCxnSpPr>
           <p:nvPr/>
         </p:nvCxnSpPr>
@@ -4717,42 +5028,6 @@
           </a:p>
         </p:txBody>
       </p:sp>
-      <p:pic>
-        <p:nvPicPr>
-          <p:cNvPr id="25" name="Imagem 24" descr="Fundo preto com letras brancas&#10;&#10;Descrição gerada automaticamente">
-            <a:extLst>
-              <a:ext uri="{FF2B5EF4-FFF2-40B4-BE49-F238E27FC236}">
-                <a16:creationId xmlns:a16="http://schemas.microsoft.com/office/drawing/2014/main" id="{C905548F-3BAC-41CF-AAB9-5541ADE453CE}"/>
-              </a:ext>
-            </a:extLst>
-          </p:cNvPr>
-          <p:cNvPicPr>
-            <a:picLocks noChangeAspect="1"/>
-          </p:cNvPicPr>
-          <p:nvPr/>
-        </p:nvPicPr>
-        <p:blipFill>
-          <a:blip r:embed="rId3">
-            <a:extLst>
-              <a:ext uri="{28A0092B-C50C-407E-A947-70E740481C1C}">
-                <a14:useLocalDpi xmlns:a14="http://schemas.microsoft.com/office/drawing/2010/main" val="0"/>
-              </a:ext>
-            </a:extLst>
-          </a:blip>
-          <a:stretch>
-            <a:fillRect/>
-          </a:stretch>
-        </p:blipFill>
-        <p:spPr>
-          <a:xfrm>
-            <a:off x="8164551" y="2086378"/>
-            <a:ext cx="1331616" cy="1331616"/>
-          </a:xfrm>
-          <a:prstGeom prst="rect">
-            <a:avLst/>
-          </a:prstGeom>
-        </p:spPr>
-      </p:pic>
       <p:sp>
         <p:nvSpPr>
           <p:cNvPr id="27" name="CaixaDeTexto 26">
@@ -4861,7 +5136,7 @@
         </p:nvSpPr>
         <p:spPr>
           <a:xfrm>
-            <a:off x="8458616" y="3371039"/>
+            <a:off x="8658992" y="2800661"/>
             <a:ext cx="470000" cy="369332"/>
           </a:xfrm>
           <a:prstGeom prst="rect">
@@ -4883,42 +5158,6 @@
           </a:p>
         </p:txBody>
       </p:sp>
-      <p:pic>
-        <p:nvPicPr>
-          <p:cNvPr id="36" name="Imagem 35" descr="Fundo preto com letras brancas&#10;&#10;Descrição gerada automaticamente">
-            <a:extLst>
-              <a:ext uri="{FF2B5EF4-FFF2-40B4-BE49-F238E27FC236}">
-                <a16:creationId xmlns:a16="http://schemas.microsoft.com/office/drawing/2014/main" id="{E701241B-9A03-46D5-B7C3-5172C1D06306}"/>
-              </a:ext>
-            </a:extLst>
-          </p:cNvPr>
-          <p:cNvPicPr>
-            <a:picLocks noChangeAspect="1"/>
-          </p:cNvPicPr>
-          <p:nvPr/>
-        </p:nvPicPr>
-        <p:blipFill>
-          <a:blip r:embed="rId3">
-            <a:extLst>
-              <a:ext uri="{28A0092B-C50C-407E-A947-70E740481C1C}">
-                <a14:useLocalDpi xmlns:a14="http://schemas.microsoft.com/office/drawing/2010/main" val="0"/>
-              </a:ext>
-            </a:extLst>
-          </a:blip>
-          <a:stretch>
-            <a:fillRect/>
-          </a:stretch>
-        </p:blipFill>
-        <p:spPr>
-          <a:xfrm>
-            <a:off x="8164551" y="3799091"/>
-            <a:ext cx="1331616" cy="1331616"/>
-          </a:xfrm>
-          <a:prstGeom prst="rect">
-            <a:avLst/>
-          </a:prstGeom>
-        </p:spPr>
-      </p:pic>
       <p:sp>
         <p:nvSpPr>
           <p:cNvPr id="40" name="CaixaDeTexto 39">
@@ -4933,7 +5172,7 @@
         </p:nvSpPr>
         <p:spPr>
           <a:xfrm>
-            <a:off x="8458616" y="5083752"/>
+            <a:off x="8560546" y="4397122"/>
             <a:ext cx="784382" cy="369332"/>
           </a:xfrm>
           <a:prstGeom prst="rect">
@@ -5353,6 +5592,166 @@
           </a:fontRef>
         </p:style>
       </p:cxnSp>
+      <p:pic>
+        <p:nvPicPr>
+          <p:cNvPr id="15" name="Imagem 14" descr="Uma imagem contendo desenho&#10;&#10;Descrição gerada automaticamente">
+            <a:extLst>
+              <a:ext uri="{FF2B5EF4-FFF2-40B4-BE49-F238E27FC236}">
+                <a16:creationId xmlns:a16="http://schemas.microsoft.com/office/drawing/2014/main" id="{B15F453D-1697-40AB-BF7D-A558CDDB1B70}"/>
+              </a:ext>
+            </a:extLst>
+          </p:cNvPr>
+          <p:cNvPicPr>
+            <a:picLocks noChangeAspect="1"/>
+          </p:cNvPicPr>
+          <p:nvPr/>
+        </p:nvPicPr>
+        <p:blipFill>
+          <a:blip r:embed="rId4">
+            <a:extLst>
+              <a:ext uri="{28A0092B-C50C-407E-A947-70E740481C1C}">
+                <a14:useLocalDpi xmlns:a14="http://schemas.microsoft.com/office/drawing/2010/main" val="0"/>
+              </a:ext>
+            </a:extLst>
+          </a:blip>
+          <a:stretch>
+            <a:fillRect/>
+          </a:stretch>
+        </p:blipFill>
+        <p:spPr>
+          <a:xfrm>
+            <a:off x="8425214" y="450418"/>
+            <a:ext cx="834054" cy="834054"/>
+          </a:xfrm>
+          <a:prstGeom prst="rect">
+            <a:avLst/>
+          </a:prstGeom>
+        </p:spPr>
+      </p:pic>
+      <p:pic>
+        <p:nvPicPr>
+          <p:cNvPr id="19" name="Imagem 18" descr="Uma imagem contendo desenho&#10;&#10;Descrição gerada automaticamente">
+            <a:extLst>
+              <a:ext uri="{FF2B5EF4-FFF2-40B4-BE49-F238E27FC236}">
+                <a16:creationId xmlns:a16="http://schemas.microsoft.com/office/drawing/2014/main" id="{D0067871-DB07-4610-A73F-B82285C9C26F}"/>
+              </a:ext>
+            </a:extLst>
+          </p:cNvPr>
+          <p:cNvPicPr>
+            <a:picLocks noChangeAspect="1"/>
+          </p:cNvPicPr>
+          <p:nvPr/>
+        </p:nvPicPr>
+        <p:blipFill>
+          <a:blip r:embed="rId4">
+            <a:extLst>
+              <a:ext uri="{28A0092B-C50C-407E-A947-70E740481C1C}">
+                <a14:useLocalDpi xmlns:a14="http://schemas.microsoft.com/office/drawing/2010/main" val="0"/>
+              </a:ext>
+            </a:extLst>
+          </a:blip>
+          <a:stretch>
+            <a:fillRect/>
+          </a:stretch>
+        </p:blipFill>
+        <p:spPr>
+          <a:xfrm>
+            <a:off x="8476965" y="2009018"/>
+            <a:ext cx="834054" cy="834054"/>
+          </a:xfrm>
+          <a:prstGeom prst="rect">
+            <a:avLst/>
+          </a:prstGeom>
+        </p:spPr>
+      </p:pic>
+      <p:pic>
+        <p:nvPicPr>
+          <p:cNvPr id="21" name="Imagem 20" descr="Uma imagem contendo desenho&#10;&#10;Descrição gerada automaticamente">
+            <a:extLst>
+              <a:ext uri="{FF2B5EF4-FFF2-40B4-BE49-F238E27FC236}">
+                <a16:creationId xmlns:a16="http://schemas.microsoft.com/office/drawing/2014/main" id="{CE41BDB8-7964-4CB6-9023-C6738BFF7062}"/>
+              </a:ext>
+            </a:extLst>
+          </p:cNvPr>
+          <p:cNvPicPr>
+            <a:picLocks noChangeAspect="1"/>
+          </p:cNvPicPr>
+          <p:nvPr/>
+        </p:nvPicPr>
+        <p:blipFill>
+          <a:blip r:embed="rId4">
+            <a:extLst>
+              <a:ext uri="{28A0092B-C50C-407E-A947-70E740481C1C}">
+                <a14:useLocalDpi xmlns:a14="http://schemas.microsoft.com/office/drawing/2010/main" val="0"/>
+              </a:ext>
+            </a:extLst>
+          </a:blip>
+          <a:stretch>
+            <a:fillRect/>
+          </a:stretch>
+        </p:blipFill>
+        <p:spPr>
+          <a:xfrm>
+            <a:off x="8535710" y="3579954"/>
+            <a:ext cx="834054" cy="834054"/>
+          </a:xfrm>
+          <a:prstGeom prst="rect">
+            <a:avLst/>
+          </a:prstGeom>
+        </p:spPr>
+      </p:pic>
+      <p:sp>
+        <p:nvSpPr>
+          <p:cNvPr id="24" name="CaixaDeTexto 23">
+            <a:extLst>
+              <a:ext uri="{FF2B5EF4-FFF2-40B4-BE49-F238E27FC236}">
+                <a16:creationId xmlns:a16="http://schemas.microsoft.com/office/drawing/2014/main" id="{45ADF94F-8B89-4F23-9365-25FDED747DB9}"/>
+              </a:ext>
+            </a:extLst>
+          </p:cNvPr>
+          <p:cNvSpPr txBox="1"/>
+          <p:nvPr/>
+        </p:nvSpPr>
+        <p:spPr>
+          <a:xfrm>
+            <a:off x="533918" y="319541"/>
+            <a:ext cx="940442" cy="307777"/>
+          </a:xfrm>
+          <a:prstGeom prst="rect">
+            <a:avLst/>
+          </a:prstGeom>
+          <a:noFill/>
+        </p:spPr>
+        <p:txBody>
+          <a:bodyPr wrap="square" rtlCol="0">
+            <a:spAutoFit/>
+          </a:bodyPr>
+          <a:lstStyle/>
+          <a:p>
+            <a:r>
+              <a:rPr lang="pt-BR" sz="1400" dirty="0">
+                <a:highlight>
+                  <a:srgbClr val="FFFF00"/>
+                </a:highlight>
+              </a:rPr>
+              <a:t>Back-</a:t>
+            </a:r>
+            <a:r>
+              <a:rPr lang="pt-BR" sz="1400" dirty="0" err="1">
+                <a:highlight>
+                  <a:srgbClr val="FFFF00"/>
+                </a:highlight>
+              </a:rPr>
+              <a:t>End</a:t>
+            </a:r>
+            <a:endParaRPr lang="pt-BR" sz="1400" dirty="0">
+              <a:highlight>
+                <a:srgbClr val="FFFF00"/>
+              </a:highlight>
+            </a:endParaRPr>
+          </a:p>
+        </p:txBody>
+      </p:sp>
     </p:spTree>
     <p:extLst>
       <p:ext uri="{BB962C8B-B14F-4D97-AF65-F5344CB8AC3E}">
@@ -5411,44 +5810,8 @@
         </p:blipFill>
         <p:spPr>
           <a:xfrm>
-            <a:off x="202511" y="208645"/>
+            <a:off x="216937" y="1176493"/>
             <a:ext cx="1588982" cy="1588982"/>
-          </a:xfrm>
-          <a:prstGeom prst="rect">
-            <a:avLst/>
-          </a:prstGeom>
-        </p:spPr>
-      </p:pic>
-      <p:pic>
-        <p:nvPicPr>
-          <p:cNvPr id="8" name="Imagem 7" descr="Fundo preto com letras brancas&#10;&#10;Descrição gerada automaticamente">
-            <a:extLst>
-              <a:ext uri="{FF2B5EF4-FFF2-40B4-BE49-F238E27FC236}">
-                <a16:creationId xmlns:a16="http://schemas.microsoft.com/office/drawing/2014/main" id="{1E456FAE-B0F4-417E-9DCD-6F4DF7B5D51D}"/>
-              </a:ext>
-            </a:extLst>
-          </p:cNvPr>
-          <p:cNvPicPr>
-            <a:picLocks noChangeAspect="1"/>
-          </p:cNvPicPr>
-          <p:nvPr/>
-        </p:nvPicPr>
-        <p:blipFill>
-          <a:blip r:embed="rId3">
-            <a:extLst>
-              <a:ext uri="{28A0092B-C50C-407E-A947-70E740481C1C}">
-                <a14:useLocalDpi xmlns:a14="http://schemas.microsoft.com/office/drawing/2010/main" val="0"/>
-              </a:ext>
-            </a:extLst>
-          </a:blip>
-          <a:stretch>
-            <a:fillRect/>
-          </a:stretch>
-        </p:blipFill>
-        <p:spPr>
-          <a:xfrm>
-            <a:off x="244414" y="2097384"/>
-            <a:ext cx="1331616" cy="1331616"/>
           </a:xfrm>
           <a:prstGeom prst="rect">
             <a:avLst/>
@@ -5469,8 +5832,8 @@
         </p:nvSpPr>
         <p:spPr>
           <a:xfrm>
-            <a:off x="2044543" y="1166070"/>
-            <a:ext cx="1857542" cy="2339102"/>
+            <a:off x="81862" y="4887016"/>
+            <a:ext cx="2251522" cy="1815882"/>
           </a:xfrm>
           <a:prstGeom prst="rect">
             <a:avLst/>
@@ -5485,7 +5848,7 @@
           <a:p>
             <a:r>
               <a:rPr lang="pt-BR" dirty="0"/>
-              <a:t>Index.html</a:t>
+              <a:t>       Index.html</a:t>
             </a:r>
           </a:p>
           <a:p>
@@ -5539,7 +5902,7 @@
             </a:r>
             <a:r>
               <a:rPr lang="pt-BR" sz="800" dirty="0"/>
-              <a:t> o elemento raiz do aplicativo e é normalmente colocada perto do elemento raiz da página</a:t>
+              <a:t> o elemento raiz do aplicativo e é normalmente colocada perto do elemento raiz da página (referencia um modulo)</a:t>
             </a:r>
           </a:p>
         </p:txBody>
@@ -5558,8 +5921,8 @@
         </p:nvSpPr>
         <p:spPr>
           <a:xfrm>
-            <a:off x="51681" y="3913422"/>
-            <a:ext cx="1844232" cy="769441"/>
+            <a:off x="99210" y="3656224"/>
+            <a:ext cx="1641186" cy="938719"/>
           </a:xfrm>
           <a:prstGeom prst="rect">
             <a:avLst/>
@@ -5755,8 +6118,8 @@
         </p:blipFill>
         <p:spPr>
           <a:xfrm>
-            <a:off x="2015889" y="208645"/>
-            <a:ext cx="957425" cy="957425"/>
+            <a:off x="35270" y="4727154"/>
+            <a:ext cx="478810" cy="478810"/>
           </a:xfrm>
           <a:prstGeom prst="rect">
             <a:avLst/>
@@ -5777,7 +6140,7 @@
         </p:nvSpPr>
         <p:spPr>
           <a:xfrm>
-            <a:off x="603323" y="3696491"/>
+            <a:off x="472325" y="3194550"/>
             <a:ext cx="1092158" cy="369332"/>
           </a:xfrm>
           <a:prstGeom prst="rect">
@@ -5798,6 +6161,3742 @@
           </a:p>
         </p:txBody>
       </p:sp>
+      <p:sp>
+        <p:nvSpPr>
+          <p:cNvPr id="3" name="CaixaDeTexto 2">
+            <a:extLst>
+              <a:ext uri="{FF2B5EF4-FFF2-40B4-BE49-F238E27FC236}">
+                <a16:creationId xmlns:a16="http://schemas.microsoft.com/office/drawing/2014/main" id="{BE22E2B1-57E9-4304-B17B-F7CA0616A9D1}"/>
+              </a:ext>
+            </a:extLst>
+          </p:cNvPr>
+          <p:cNvSpPr txBox="1"/>
+          <p:nvPr/>
+        </p:nvSpPr>
+        <p:spPr>
+          <a:xfrm>
+            <a:off x="2185369" y="2882114"/>
+            <a:ext cx="4337351" cy="469359"/>
+          </a:xfrm>
+          <a:prstGeom prst="rect">
+            <a:avLst/>
+          </a:prstGeom>
+          <a:noFill/>
+        </p:spPr>
+        <p:txBody>
+          <a:bodyPr wrap="square" rtlCol="0">
+            <a:spAutoFit/>
+          </a:bodyPr>
+          <a:lstStyle/>
+          <a:p>
+            <a:r>
+              <a:rPr lang="pt-BR" sz="1400" dirty="0" err="1"/>
+              <a:t>Controllers</a:t>
+            </a:r>
+            <a:r>
+              <a:rPr lang="pt-BR" sz="1400" dirty="0"/>
+              <a:t>: </a:t>
+            </a:r>
+            <a:r>
+              <a:rPr lang="pt-BR" sz="1050" dirty="0"/>
+              <a:t>Controlam os dados de aplicativos </a:t>
+            </a:r>
+            <a:r>
+              <a:rPr lang="pt-BR" sz="1050" dirty="0" err="1"/>
+              <a:t>AngularJS</a:t>
+            </a:r>
+            <a:r>
+              <a:rPr lang="pt-BR" sz="1050" dirty="0"/>
+              <a:t>. Boa pratica </a:t>
+            </a:r>
+            <a:r>
+              <a:rPr lang="pt-BR" sz="1050" dirty="0" err="1"/>
+              <a:t>noa</a:t>
+            </a:r>
+            <a:r>
+              <a:rPr lang="pt-BR" sz="1050" dirty="0"/>
+              <a:t> manipular o DOM, apenas a logica da aplicação.</a:t>
+            </a:r>
+          </a:p>
+        </p:txBody>
+      </p:sp>
+      <p:sp>
+        <p:nvSpPr>
+          <p:cNvPr id="5" name="CaixaDeTexto 4">
+            <a:extLst>
+              <a:ext uri="{FF2B5EF4-FFF2-40B4-BE49-F238E27FC236}">
+                <a16:creationId xmlns:a16="http://schemas.microsoft.com/office/drawing/2014/main" id="{2CC70A10-1B1C-45C9-A6D7-FB3E706A4A3C}"/>
+              </a:ext>
+            </a:extLst>
+          </p:cNvPr>
+          <p:cNvSpPr txBox="1"/>
+          <p:nvPr/>
+        </p:nvSpPr>
+        <p:spPr>
+          <a:xfrm>
+            <a:off x="5406255" y="539922"/>
+            <a:ext cx="1002582" cy="369332"/>
+          </a:xfrm>
+          <a:prstGeom prst="rect">
+            <a:avLst/>
+          </a:prstGeom>
+          <a:noFill/>
+        </p:spPr>
+        <p:txBody>
+          <a:bodyPr wrap="square" rtlCol="0">
+            <a:spAutoFit/>
+          </a:bodyPr>
+          <a:lstStyle/>
+          <a:p>
+            <a:r>
+              <a:rPr lang="pt-BR" sz="1800" dirty="0"/>
+              <a:t>Diretivas</a:t>
+            </a:r>
+            <a:endParaRPr lang="pt-BR" dirty="0"/>
+          </a:p>
+        </p:txBody>
+      </p:sp>
+      <p:sp>
+        <p:nvSpPr>
+          <p:cNvPr id="7" name="CaixaDeTexto 6">
+            <a:extLst>
+              <a:ext uri="{FF2B5EF4-FFF2-40B4-BE49-F238E27FC236}">
+                <a16:creationId xmlns:a16="http://schemas.microsoft.com/office/drawing/2014/main" id="{BE8E5F65-9F23-4713-B77D-B573AC31B407}"/>
+              </a:ext>
+            </a:extLst>
+          </p:cNvPr>
+          <p:cNvSpPr txBox="1"/>
+          <p:nvPr/>
+        </p:nvSpPr>
+        <p:spPr>
+          <a:xfrm>
+            <a:off x="6254530" y="29459"/>
+            <a:ext cx="5841182" cy="3000821"/>
+          </a:xfrm>
+          <a:prstGeom prst="rect">
+            <a:avLst/>
+          </a:prstGeom>
+          <a:noFill/>
+        </p:spPr>
+        <p:txBody>
+          <a:bodyPr wrap="square" rtlCol="0">
+            <a:spAutoFit/>
+          </a:bodyPr>
+          <a:lstStyle/>
+          <a:p>
+            <a:r>
+              <a:rPr lang="pt-BR" sz="1100" dirty="0" err="1"/>
+              <a:t>Obs</a:t>
+            </a:r>
+            <a:r>
+              <a:rPr lang="pt-BR" sz="1100" dirty="0"/>
+              <a:t>:  no projeto tem um modulo somente para Diretivas. ‘</a:t>
+            </a:r>
+            <a:r>
+              <a:rPr lang="pt-BR" sz="1100" dirty="0" err="1"/>
+              <a:t>MinhasDiretivas</a:t>
+            </a:r>
+            <a:r>
+              <a:rPr lang="pt-BR" sz="1100" dirty="0"/>
+              <a:t>’</a:t>
+            </a:r>
+          </a:p>
+          <a:p>
+            <a:r>
+              <a:rPr lang="pt-BR" sz="1100" dirty="0"/>
+              <a:t>Diretivas: $compile pode corresponder a diretivas com base em nomes de elemento (E), atributos (A), nomes de classe (C) e comentários (M).</a:t>
+            </a:r>
+          </a:p>
+          <a:p>
+            <a:r>
+              <a:rPr lang="pt-BR" sz="1100" dirty="0" err="1"/>
+              <a:t>DDO:Defintion</a:t>
+            </a:r>
+            <a:r>
+              <a:rPr lang="pt-BR" sz="1100" dirty="0"/>
+              <a:t> </a:t>
+            </a:r>
+            <a:r>
+              <a:rPr lang="pt-BR" sz="1100" dirty="0" err="1"/>
+              <a:t>Directive</a:t>
+            </a:r>
+            <a:r>
+              <a:rPr lang="pt-BR" sz="1100" dirty="0"/>
+              <a:t> </a:t>
+            </a:r>
+            <a:r>
+              <a:rPr lang="pt-BR" sz="1100" dirty="0" err="1"/>
+              <a:t>Object</a:t>
+            </a:r>
+            <a:r>
+              <a:rPr lang="pt-BR" sz="1100" dirty="0"/>
+              <a:t>.</a:t>
+            </a:r>
+          </a:p>
+          <a:p>
+            <a:r>
+              <a:rPr lang="pt-BR" sz="1100" dirty="0" err="1"/>
+              <a:t>Exempo</a:t>
+            </a:r>
+            <a:r>
+              <a:rPr lang="pt-BR" sz="1100" dirty="0"/>
+              <a:t>:</a:t>
+            </a:r>
+          </a:p>
+          <a:p>
+            <a:r>
+              <a:rPr lang="pt-BR" sz="800" b="0" dirty="0" err="1">
+                <a:solidFill>
+                  <a:srgbClr val="F8F8F2"/>
+                </a:solidFill>
+                <a:effectLst/>
+                <a:latin typeface="Consolas" panose="020B0609020204030204" pitchFamily="49" charset="0"/>
+              </a:rPr>
+              <a:t>angular.</a:t>
+            </a:r>
+            <a:r>
+              <a:rPr lang="pt-BR" sz="800" b="0" dirty="0" err="1">
+                <a:solidFill>
+                  <a:srgbClr val="A6E22E"/>
+                </a:solidFill>
+                <a:effectLst/>
+                <a:latin typeface="Consolas" panose="020B0609020204030204" pitchFamily="49" charset="0"/>
+              </a:rPr>
+              <a:t>module</a:t>
+            </a:r>
+            <a:r>
+              <a:rPr lang="pt-BR" sz="800" b="0" dirty="0">
+                <a:solidFill>
+                  <a:srgbClr val="F8F8F2"/>
+                </a:solidFill>
+                <a:effectLst/>
+                <a:latin typeface="Consolas" panose="020B0609020204030204" pitchFamily="49" charset="0"/>
+              </a:rPr>
+              <a:t>(</a:t>
+            </a:r>
+            <a:r>
+              <a:rPr lang="pt-BR" sz="800" b="0" dirty="0">
+                <a:solidFill>
+                  <a:srgbClr val="E6DB74"/>
+                </a:solidFill>
+                <a:effectLst/>
+                <a:latin typeface="Consolas" panose="020B0609020204030204" pitchFamily="49" charset="0"/>
+              </a:rPr>
+              <a:t>'</a:t>
+            </a:r>
+            <a:r>
+              <a:rPr lang="pt-BR" sz="800" b="0" dirty="0" err="1">
+                <a:solidFill>
+                  <a:srgbClr val="E6DB74"/>
+                </a:solidFill>
+                <a:effectLst/>
+                <a:latin typeface="Consolas" panose="020B0609020204030204" pitchFamily="49" charset="0"/>
+              </a:rPr>
+              <a:t>minhasDiretivas</a:t>
+            </a:r>
+            <a:r>
+              <a:rPr lang="pt-BR" sz="800" b="0" dirty="0">
+                <a:solidFill>
+                  <a:srgbClr val="E6DB74"/>
+                </a:solidFill>
+                <a:effectLst/>
+                <a:latin typeface="Consolas" panose="020B0609020204030204" pitchFamily="49" charset="0"/>
+              </a:rPr>
+              <a:t>'</a:t>
+            </a:r>
+            <a:r>
+              <a:rPr lang="pt-BR" sz="800" b="0" dirty="0">
+                <a:solidFill>
+                  <a:srgbClr val="F8F8F2"/>
+                </a:solidFill>
+                <a:effectLst/>
+                <a:latin typeface="Consolas" panose="020B0609020204030204" pitchFamily="49" charset="0"/>
+              </a:rPr>
+              <a:t>, [])</a:t>
+            </a:r>
+          </a:p>
+          <a:p>
+            <a:r>
+              <a:rPr lang="pt-BR" sz="800" b="0" dirty="0">
+                <a:solidFill>
+                  <a:srgbClr val="F8F8F2"/>
+                </a:solidFill>
+                <a:effectLst/>
+                <a:latin typeface="Consolas" panose="020B0609020204030204" pitchFamily="49" charset="0"/>
+              </a:rPr>
+              <a:t>    .</a:t>
+            </a:r>
+            <a:r>
+              <a:rPr lang="pt-BR" sz="800" b="0" dirty="0" err="1">
+                <a:solidFill>
+                  <a:srgbClr val="A6E22E"/>
+                </a:solidFill>
+                <a:effectLst/>
+                <a:latin typeface="Consolas" panose="020B0609020204030204" pitchFamily="49" charset="0"/>
+              </a:rPr>
+              <a:t>directive</a:t>
+            </a:r>
+            <a:r>
+              <a:rPr lang="pt-BR" sz="800" b="0" dirty="0">
+                <a:solidFill>
+                  <a:srgbClr val="F8F8F2"/>
+                </a:solidFill>
+                <a:effectLst/>
+                <a:latin typeface="Consolas" panose="020B0609020204030204" pitchFamily="49" charset="0"/>
+              </a:rPr>
+              <a:t>(</a:t>
+            </a:r>
+            <a:r>
+              <a:rPr lang="pt-BR" sz="800" b="0" dirty="0">
+                <a:solidFill>
+                  <a:srgbClr val="E6DB74"/>
+                </a:solidFill>
+                <a:effectLst/>
+                <a:latin typeface="Consolas" panose="020B0609020204030204" pitchFamily="49" charset="0"/>
+              </a:rPr>
+              <a:t>'</a:t>
+            </a:r>
+            <a:r>
+              <a:rPr lang="pt-BR" sz="800" b="0" dirty="0" err="1">
+                <a:solidFill>
+                  <a:srgbClr val="E6DB74"/>
+                </a:solidFill>
+                <a:effectLst/>
+                <a:latin typeface="Consolas" panose="020B0609020204030204" pitchFamily="49" charset="0"/>
+              </a:rPr>
+              <a:t>meuPainel</a:t>
+            </a:r>
+            <a:r>
+              <a:rPr lang="pt-BR" sz="800" b="0" dirty="0">
+                <a:solidFill>
+                  <a:srgbClr val="E6DB74"/>
+                </a:solidFill>
+                <a:effectLst/>
+                <a:latin typeface="Consolas" panose="020B0609020204030204" pitchFamily="49" charset="0"/>
+              </a:rPr>
+              <a:t>'</a:t>
+            </a:r>
+            <a:r>
+              <a:rPr lang="pt-BR" sz="800" b="0" dirty="0">
+                <a:solidFill>
+                  <a:srgbClr val="F8F8F2"/>
+                </a:solidFill>
+                <a:effectLst/>
+                <a:latin typeface="Consolas" panose="020B0609020204030204" pitchFamily="49" charset="0"/>
+              </a:rPr>
+              <a:t>, </a:t>
+            </a:r>
+            <a:r>
+              <a:rPr lang="pt-BR" sz="800" b="0" i="1" dirty="0" err="1">
+                <a:solidFill>
+                  <a:srgbClr val="66D9EF"/>
+                </a:solidFill>
+                <a:effectLst/>
+                <a:latin typeface="Consolas" panose="020B0609020204030204" pitchFamily="49" charset="0"/>
+              </a:rPr>
+              <a:t>function</a:t>
+            </a:r>
+            <a:r>
+              <a:rPr lang="pt-BR" sz="800" b="0" dirty="0">
+                <a:solidFill>
+                  <a:srgbClr val="F8F8F2"/>
+                </a:solidFill>
+                <a:effectLst/>
+                <a:latin typeface="Consolas" panose="020B0609020204030204" pitchFamily="49" charset="0"/>
+              </a:rPr>
+              <a:t>() {</a:t>
+            </a:r>
+          </a:p>
+          <a:p>
+            <a:br>
+              <a:rPr lang="pt-BR" sz="800" b="0" dirty="0">
+                <a:solidFill>
+                  <a:srgbClr val="F8F8F2"/>
+                </a:solidFill>
+                <a:effectLst/>
+                <a:latin typeface="Consolas" panose="020B0609020204030204" pitchFamily="49" charset="0"/>
+              </a:rPr>
+            </a:br>
+            <a:r>
+              <a:rPr lang="pt-BR" sz="800" b="0" dirty="0">
+                <a:solidFill>
+                  <a:srgbClr val="F8F8F2"/>
+                </a:solidFill>
+                <a:effectLst/>
+                <a:latin typeface="Consolas" panose="020B0609020204030204" pitchFamily="49" charset="0"/>
+              </a:rPr>
+              <a:t>        </a:t>
+            </a:r>
+            <a:r>
+              <a:rPr lang="pt-BR" sz="800" b="0" i="1" dirty="0">
+                <a:solidFill>
+                  <a:srgbClr val="66D9EF"/>
+                </a:solidFill>
+                <a:effectLst/>
+                <a:latin typeface="Consolas" panose="020B0609020204030204" pitchFamily="49" charset="0"/>
+              </a:rPr>
+              <a:t>var</a:t>
+            </a:r>
+            <a:r>
+              <a:rPr lang="pt-BR" sz="800" b="0" dirty="0">
+                <a:solidFill>
+                  <a:srgbClr val="F8F8F2"/>
+                </a:solidFill>
+                <a:effectLst/>
+                <a:latin typeface="Consolas" panose="020B0609020204030204" pitchFamily="49" charset="0"/>
+              </a:rPr>
+              <a:t> </a:t>
+            </a:r>
+            <a:r>
+              <a:rPr lang="pt-BR" sz="800" b="0" dirty="0" err="1">
+                <a:solidFill>
+                  <a:srgbClr val="F8F8F2"/>
+                </a:solidFill>
+                <a:effectLst/>
+                <a:latin typeface="Consolas" panose="020B0609020204030204" pitchFamily="49" charset="0"/>
+              </a:rPr>
+              <a:t>ddo</a:t>
+            </a:r>
+            <a:r>
+              <a:rPr lang="pt-BR" sz="800" b="0" dirty="0">
+                <a:solidFill>
+                  <a:srgbClr val="F8F8F2"/>
+                </a:solidFill>
+                <a:effectLst/>
+                <a:latin typeface="Consolas" panose="020B0609020204030204" pitchFamily="49" charset="0"/>
+              </a:rPr>
+              <a:t> </a:t>
+            </a:r>
+            <a:r>
+              <a:rPr lang="pt-BR" sz="800" b="0" dirty="0">
+                <a:solidFill>
+                  <a:srgbClr val="F92672"/>
+                </a:solidFill>
+                <a:effectLst/>
+                <a:latin typeface="Consolas" panose="020B0609020204030204" pitchFamily="49" charset="0"/>
+              </a:rPr>
+              <a:t>=</a:t>
+            </a:r>
+            <a:r>
+              <a:rPr lang="pt-BR" sz="800" b="0" dirty="0">
+                <a:solidFill>
+                  <a:srgbClr val="F8F8F2"/>
+                </a:solidFill>
+                <a:effectLst/>
+                <a:latin typeface="Consolas" panose="020B0609020204030204" pitchFamily="49" charset="0"/>
+              </a:rPr>
+              <a:t> {};</a:t>
+            </a:r>
+          </a:p>
+          <a:p>
+            <a:br>
+              <a:rPr lang="pt-BR" sz="800" b="0" dirty="0">
+                <a:solidFill>
+                  <a:srgbClr val="F8F8F2"/>
+                </a:solidFill>
+                <a:effectLst/>
+                <a:latin typeface="Consolas" panose="020B0609020204030204" pitchFamily="49" charset="0"/>
+              </a:rPr>
+            </a:br>
+            <a:r>
+              <a:rPr lang="pt-BR" sz="800" b="0" dirty="0">
+                <a:solidFill>
+                  <a:srgbClr val="F8F8F2"/>
+                </a:solidFill>
+                <a:effectLst/>
+                <a:latin typeface="Consolas" panose="020B0609020204030204" pitchFamily="49" charset="0"/>
+              </a:rPr>
+              <a:t>        </a:t>
+            </a:r>
+            <a:r>
+              <a:rPr lang="pt-BR" sz="800" b="0" dirty="0" err="1">
+                <a:solidFill>
+                  <a:srgbClr val="F8F8F2"/>
+                </a:solidFill>
+                <a:effectLst/>
+                <a:latin typeface="Consolas" panose="020B0609020204030204" pitchFamily="49" charset="0"/>
+              </a:rPr>
+              <a:t>ddo.restrict</a:t>
+            </a:r>
+            <a:r>
+              <a:rPr lang="pt-BR" sz="800" b="0" dirty="0">
+                <a:solidFill>
+                  <a:srgbClr val="F8F8F2"/>
+                </a:solidFill>
+                <a:effectLst/>
+                <a:latin typeface="Consolas" panose="020B0609020204030204" pitchFamily="49" charset="0"/>
+              </a:rPr>
+              <a:t> </a:t>
+            </a:r>
+            <a:r>
+              <a:rPr lang="pt-BR" sz="800" b="0" dirty="0">
+                <a:solidFill>
+                  <a:srgbClr val="F92672"/>
+                </a:solidFill>
+                <a:effectLst/>
+                <a:latin typeface="Consolas" panose="020B0609020204030204" pitchFamily="49" charset="0"/>
+              </a:rPr>
+              <a:t>=</a:t>
+            </a:r>
+            <a:r>
+              <a:rPr lang="pt-BR" sz="800" b="0" dirty="0">
+                <a:solidFill>
+                  <a:srgbClr val="F8F8F2"/>
+                </a:solidFill>
+                <a:effectLst/>
+                <a:latin typeface="Consolas" panose="020B0609020204030204" pitchFamily="49" charset="0"/>
+              </a:rPr>
+              <a:t> </a:t>
+            </a:r>
+            <a:r>
+              <a:rPr lang="pt-BR" sz="800" b="0" dirty="0">
+                <a:solidFill>
+                  <a:srgbClr val="E6DB74"/>
+                </a:solidFill>
+                <a:effectLst/>
+                <a:latin typeface="Consolas" panose="020B0609020204030204" pitchFamily="49" charset="0"/>
+              </a:rPr>
+              <a:t>"AE"</a:t>
+            </a:r>
+            <a:r>
+              <a:rPr lang="pt-BR" sz="800" b="0" dirty="0">
+                <a:solidFill>
+                  <a:srgbClr val="F8F8F2"/>
+                </a:solidFill>
+                <a:effectLst/>
+                <a:latin typeface="Consolas" panose="020B0609020204030204" pitchFamily="49" charset="0"/>
+              </a:rPr>
+              <a:t>;</a:t>
+            </a:r>
+          </a:p>
+          <a:p>
+            <a:r>
+              <a:rPr lang="pt-BR" sz="800" b="0" dirty="0">
+                <a:solidFill>
+                  <a:srgbClr val="F8F8F2"/>
+                </a:solidFill>
+                <a:effectLst/>
+                <a:latin typeface="Consolas" panose="020B0609020204030204" pitchFamily="49" charset="0"/>
+              </a:rPr>
+              <a:t>        </a:t>
+            </a:r>
+            <a:r>
+              <a:rPr lang="pt-BR" sz="800" b="0" dirty="0" err="1">
+                <a:solidFill>
+                  <a:srgbClr val="F8F8F2"/>
+                </a:solidFill>
+                <a:effectLst/>
+                <a:latin typeface="Consolas" panose="020B0609020204030204" pitchFamily="49" charset="0"/>
+              </a:rPr>
+              <a:t>ddo.transclude</a:t>
+            </a:r>
+            <a:r>
+              <a:rPr lang="pt-BR" sz="800" b="0" dirty="0">
+                <a:solidFill>
+                  <a:srgbClr val="F8F8F2"/>
+                </a:solidFill>
+                <a:effectLst/>
+                <a:latin typeface="Consolas" panose="020B0609020204030204" pitchFamily="49" charset="0"/>
+              </a:rPr>
+              <a:t> </a:t>
+            </a:r>
+            <a:r>
+              <a:rPr lang="pt-BR" sz="800" b="0" dirty="0">
+                <a:solidFill>
+                  <a:srgbClr val="F92672"/>
+                </a:solidFill>
+                <a:effectLst/>
+                <a:latin typeface="Consolas" panose="020B0609020204030204" pitchFamily="49" charset="0"/>
+              </a:rPr>
+              <a:t>=</a:t>
+            </a:r>
+            <a:r>
+              <a:rPr lang="pt-BR" sz="800" b="0" dirty="0">
+                <a:solidFill>
+                  <a:srgbClr val="F8F8F2"/>
+                </a:solidFill>
+                <a:effectLst/>
+                <a:latin typeface="Consolas" panose="020B0609020204030204" pitchFamily="49" charset="0"/>
+              </a:rPr>
+              <a:t> </a:t>
+            </a:r>
+            <a:r>
+              <a:rPr lang="pt-BR" sz="800" b="0" dirty="0" err="1">
+                <a:solidFill>
+                  <a:srgbClr val="AE81FF"/>
+                </a:solidFill>
+                <a:effectLst/>
+                <a:latin typeface="Consolas" panose="020B0609020204030204" pitchFamily="49" charset="0"/>
+              </a:rPr>
+              <a:t>true</a:t>
+            </a:r>
+            <a:r>
+              <a:rPr lang="pt-BR" sz="800" b="0" dirty="0">
+                <a:solidFill>
+                  <a:srgbClr val="F8F8F2"/>
+                </a:solidFill>
+                <a:effectLst/>
+                <a:latin typeface="Consolas" panose="020B0609020204030204" pitchFamily="49" charset="0"/>
+              </a:rPr>
+              <a:t>;</a:t>
+            </a:r>
+          </a:p>
+          <a:p>
+            <a:r>
+              <a:rPr lang="pt-BR" sz="800" b="0" dirty="0">
+                <a:solidFill>
+                  <a:srgbClr val="F8F8F2"/>
+                </a:solidFill>
+                <a:effectLst/>
+                <a:latin typeface="Consolas" panose="020B0609020204030204" pitchFamily="49" charset="0"/>
+              </a:rPr>
+              <a:t>        </a:t>
+            </a:r>
+            <a:r>
+              <a:rPr lang="pt-BR" sz="800" b="0" dirty="0" err="1">
+                <a:solidFill>
+                  <a:srgbClr val="F8F8F2"/>
+                </a:solidFill>
+                <a:effectLst/>
+                <a:latin typeface="Consolas" panose="020B0609020204030204" pitchFamily="49" charset="0"/>
+              </a:rPr>
+              <a:t>ddo.scope</a:t>
+            </a:r>
+            <a:r>
+              <a:rPr lang="pt-BR" sz="800" b="0" dirty="0">
+                <a:solidFill>
+                  <a:srgbClr val="F8F8F2"/>
+                </a:solidFill>
+                <a:effectLst/>
+                <a:latin typeface="Consolas" panose="020B0609020204030204" pitchFamily="49" charset="0"/>
+              </a:rPr>
+              <a:t> </a:t>
+            </a:r>
+            <a:r>
+              <a:rPr lang="pt-BR" sz="800" b="0" dirty="0">
+                <a:solidFill>
+                  <a:srgbClr val="F92672"/>
+                </a:solidFill>
+                <a:effectLst/>
+                <a:latin typeface="Consolas" panose="020B0609020204030204" pitchFamily="49" charset="0"/>
+              </a:rPr>
+              <a:t>=</a:t>
+            </a:r>
+            <a:r>
+              <a:rPr lang="pt-BR" sz="800" b="0" dirty="0">
+                <a:solidFill>
+                  <a:srgbClr val="F8F8F2"/>
+                </a:solidFill>
+                <a:effectLst/>
+                <a:latin typeface="Consolas" panose="020B0609020204030204" pitchFamily="49" charset="0"/>
+              </a:rPr>
+              <a:t> {</a:t>
+            </a:r>
+          </a:p>
+          <a:p>
+            <a:r>
+              <a:rPr lang="pt-BR" sz="800" b="0" dirty="0">
+                <a:solidFill>
+                  <a:srgbClr val="F8F8F2"/>
+                </a:solidFill>
+                <a:effectLst/>
+                <a:latin typeface="Consolas" panose="020B0609020204030204" pitchFamily="49" charset="0"/>
+              </a:rPr>
+              <a:t>            titulo: </a:t>
+            </a:r>
+            <a:r>
+              <a:rPr lang="pt-BR" sz="800" b="0" dirty="0">
+                <a:solidFill>
+                  <a:srgbClr val="E6DB74"/>
+                </a:solidFill>
+                <a:effectLst/>
+                <a:latin typeface="Consolas" panose="020B0609020204030204" pitchFamily="49" charset="0"/>
+              </a:rPr>
+              <a:t>'@'</a:t>
+            </a:r>
+            <a:endParaRPr lang="pt-BR" sz="800" b="0" dirty="0">
+              <a:solidFill>
+                <a:srgbClr val="F8F8F2"/>
+              </a:solidFill>
+              <a:effectLst/>
+              <a:latin typeface="Consolas" panose="020B0609020204030204" pitchFamily="49" charset="0"/>
+            </a:endParaRPr>
+          </a:p>
+          <a:p>
+            <a:r>
+              <a:rPr lang="pt-BR" sz="800" b="0" dirty="0">
+                <a:solidFill>
+                  <a:srgbClr val="F8F8F2"/>
+                </a:solidFill>
+                <a:effectLst/>
+                <a:latin typeface="Consolas" panose="020B0609020204030204" pitchFamily="49" charset="0"/>
+              </a:rPr>
+              <a:t>        };</a:t>
+            </a:r>
+          </a:p>
+          <a:p>
+            <a:br>
+              <a:rPr lang="pt-BR" sz="800" b="0" dirty="0">
+                <a:solidFill>
+                  <a:srgbClr val="F8F8F2"/>
+                </a:solidFill>
+                <a:effectLst/>
+                <a:latin typeface="Consolas" panose="020B0609020204030204" pitchFamily="49" charset="0"/>
+              </a:rPr>
+            </a:br>
+            <a:r>
+              <a:rPr lang="pt-BR" sz="800" b="0" dirty="0">
+                <a:solidFill>
+                  <a:srgbClr val="F8F8F2"/>
+                </a:solidFill>
+                <a:effectLst/>
+                <a:latin typeface="Consolas" panose="020B0609020204030204" pitchFamily="49" charset="0"/>
+              </a:rPr>
+              <a:t>        </a:t>
+            </a:r>
+            <a:r>
+              <a:rPr lang="pt-BR" sz="800" b="0" dirty="0" err="1">
+                <a:solidFill>
+                  <a:srgbClr val="F8F8F2"/>
+                </a:solidFill>
+                <a:effectLst/>
+                <a:latin typeface="Consolas" panose="020B0609020204030204" pitchFamily="49" charset="0"/>
+              </a:rPr>
+              <a:t>ddo.templateUrl</a:t>
+            </a:r>
+            <a:r>
+              <a:rPr lang="pt-BR" sz="800" b="0" dirty="0">
+                <a:solidFill>
+                  <a:srgbClr val="F8F8F2"/>
+                </a:solidFill>
+                <a:effectLst/>
+                <a:latin typeface="Consolas" panose="020B0609020204030204" pitchFamily="49" charset="0"/>
+              </a:rPr>
+              <a:t> </a:t>
+            </a:r>
+            <a:r>
+              <a:rPr lang="pt-BR" sz="800" b="0" dirty="0">
+                <a:solidFill>
+                  <a:srgbClr val="F92672"/>
+                </a:solidFill>
+                <a:effectLst/>
+                <a:latin typeface="Consolas" panose="020B0609020204030204" pitchFamily="49" charset="0"/>
+              </a:rPr>
+              <a:t>=</a:t>
+            </a:r>
+            <a:r>
+              <a:rPr lang="pt-BR" sz="800" b="0" dirty="0">
+                <a:solidFill>
+                  <a:srgbClr val="F8F8F2"/>
+                </a:solidFill>
+                <a:effectLst/>
+                <a:latin typeface="Consolas" panose="020B0609020204030204" pitchFamily="49" charset="0"/>
+              </a:rPr>
+              <a:t> </a:t>
+            </a:r>
+            <a:r>
+              <a:rPr lang="pt-BR" sz="800" b="0" dirty="0">
+                <a:solidFill>
+                  <a:srgbClr val="E6DB74"/>
+                </a:solidFill>
+                <a:effectLst/>
+                <a:latin typeface="Consolas" panose="020B0609020204030204" pitchFamily="49" charset="0"/>
+              </a:rPr>
+              <a:t>'</a:t>
+            </a:r>
+            <a:r>
+              <a:rPr lang="pt-BR" sz="800" b="0" dirty="0" err="1">
+                <a:solidFill>
+                  <a:srgbClr val="E6DB74"/>
+                </a:solidFill>
+                <a:effectLst/>
+                <a:latin typeface="Consolas" panose="020B0609020204030204" pitchFamily="49" charset="0"/>
+              </a:rPr>
+              <a:t>js</a:t>
+            </a:r>
+            <a:r>
+              <a:rPr lang="pt-BR" sz="800" b="0" dirty="0">
+                <a:solidFill>
+                  <a:srgbClr val="E6DB74"/>
+                </a:solidFill>
+                <a:effectLst/>
+                <a:latin typeface="Consolas" panose="020B0609020204030204" pitchFamily="49" charset="0"/>
+              </a:rPr>
+              <a:t>/</a:t>
+            </a:r>
+            <a:r>
+              <a:rPr lang="pt-BR" sz="800" b="0" dirty="0" err="1">
+                <a:solidFill>
+                  <a:srgbClr val="E6DB74"/>
+                </a:solidFill>
+                <a:effectLst/>
+                <a:latin typeface="Consolas" panose="020B0609020204030204" pitchFamily="49" charset="0"/>
+              </a:rPr>
+              <a:t>directives</a:t>
+            </a:r>
+            <a:r>
+              <a:rPr lang="pt-BR" sz="800" b="0" dirty="0">
+                <a:solidFill>
+                  <a:srgbClr val="E6DB74"/>
+                </a:solidFill>
+                <a:effectLst/>
+                <a:latin typeface="Consolas" panose="020B0609020204030204" pitchFamily="49" charset="0"/>
+              </a:rPr>
+              <a:t>/meu-painel.html'</a:t>
+            </a:r>
+            <a:r>
+              <a:rPr lang="pt-BR" sz="800" b="0" dirty="0">
+                <a:solidFill>
+                  <a:srgbClr val="F8F8F2"/>
+                </a:solidFill>
+                <a:effectLst/>
+                <a:latin typeface="Consolas" panose="020B0609020204030204" pitchFamily="49" charset="0"/>
+              </a:rPr>
+              <a:t>;</a:t>
+            </a:r>
+          </a:p>
+          <a:p>
+            <a:br>
+              <a:rPr lang="pt-BR" sz="800" b="0" dirty="0">
+                <a:solidFill>
+                  <a:srgbClr val="F8F8F2"/>
+                </a:solidFill>
+                <a:effectLst/>
+                <a:latin typeface="Consolas" panose="020B0609020204030204" pitchFamily="49" charset="0"/>
+              </a:rPr>
+            </a:br>
+            <a:r>
+              <a:rPr lang="pt-BR" sz="800" b="0" dirty="0">
+                <a:solidFill>
+                  <a:srgbClr val="F8F8F2"/>
+                </a:solidFill>
+                <a:effectLst/>
+                <a:latin typeface="Consolas" panose="020B0609020204030204" pitchFamily="49" charset="0"/>
+              </a:rPr>
+              <a:t>        </a:t>
+            </a:r>
+            <a:r>
+              <a:rPr lang="pt-BR" sz="800" b="0" dirty="0" err="1">
+                <a:solidFill>
+                  <a:srgbClr val="F92672"/>
+                </a:solidFill>
+                <a:effectLst/>
+                <a:latin typeface="Consolas" panose="020B0609020204030204" pitchFamily="49" charset="0"/>
+              </a:rPr>
+              <a:t>return</a:t>
+            </a:r>
+            <a:r>
+              <a:rPr lang="pt-BR" sz="800" b="0" dirty="0">
+                <a:solidFill>
+                  <a:srgbClr val="F8F8F2"/>
+                </a:solidFill>
+                <a:effectLst/>
+                <a:latin typeface="Consolas" panose="020B0609020204030204" pitchFamily="49" charset="0"/>
+              </a:rPr>
+              <a:t> </a:t>
+            </a:r>
+            <a:r>
+              <a:rPr lang="pt-BR" sz="800" b="0" dirty="0" err="1">
+                <a:solidFill>
+                  <a:srgbClr val="F8F8F2"/>
+                </a:solidFill>
+                <a:effectLst/>
+                <a:latin typeface="Consolas" panose="020B0609020204030204" pitchFamily="49" charset="0"/>
+              </a:rPr>
+              <a:t>ddo</a:t>
+            </a:r>
+            <a:r>
+              <a:rPr lang="pt-BR" sz="800" b="0" dirty="0">
+                <a:solidFill>
+                  <a:srgbClr val="F8F8F2"/>
+                </a:solidFill>
+                <a:effectLst/>
+                <a:latin typeface="Consolas" panose="020B0609020204030204" pitchFamily="49" charset="0"/>
+              </a:rPr>
+              <a:t>;</a:t>
+            </a:r>
+          </a:p>
+          <a:p>
+            <a:r>
+              <a:rPr lang="pt-BR" sz="800" b="0" dirty="0">
+                <a:solidFill>
+                  <a:srgbClr val="F8F8F2"/>
+                </a:solidFill>
+                <a:effectLst/>
+                <a:latin typeface="Consolas" panose="020B0609020204030204" pitchFamily="49" charset="0"/>
+              </a:rPr>
+              <a:t>    })</a:t>
+            </a:r>
+          </a:p>
+          <a:p>
+            <a:endParaRPr lang="pt-BR" sz="1400" dirty="0"/>
+          </a:p>
+        </p:txBody>
+      </p:sp>
+      <p:pic>
+        <p:nvPicPr>
+          <p:cNvPr id="19" name="Imagem 18" descr="Uma imagem contendo desenho&#10;&#10;Descrição gerada automaticamente">
+            <a:extLst>
+              <a:ext uri="{FF2B5EF4-FFF2-40B4-BE49-F238E27FC236}">
+                <a16:creationId xmlns:a16="http://schemas.microsoft.com/office/drawing/2014/main" id="{50A44564-3401-4D90-B337-44D3A7A10A3F}"/>
+              </a:ext>
+            </a:extLst>
+          </p:cNvPr>
+          <p:cNvPicPr>
+            <a:picLocks noChangeAspect="1"/>
+          </p:cNvPicPr>
+          <p:nvPr/>
+        </p:nvPicPr>
+        <p:blipFill>
+          <a:blip r:embed="rId4">
+            <a:extLst>
+              <a:ext uri="{28A0092B-C50C-407E-A947-70E740481C1C}">
+                <a14:useLocalDpi xmlns:a14="http://schemas.microsoft.com/office/drawing/2010/main" val="0"/>
+              </a:ext>
+            </a:extLst>
+          </a:blip>
+          <a:stretch>
+            <a:fillRect/>
+          </a:stretch>
+        </p:blipFill>
+        <p:spPr>
+          <a:xfrm>
+            <a:off x="5687165" y="99159"/>
+            <a:ext cx="440763" cy="440763"/>
+          </a:xfrm>
+          <a:prstGeom prst="rect">
+            <a:avLst/>
+          </a:prstGeom>
+        </p:spPr>
+      </p:pic>
+      <p:sp>
+        <p:nvSpPr>
+          <p:cNvPr id="21" name="CaixaDeTexto 20">
+            <a:extLst>
+              <a:ext uri="{FF2B5EF4-FFF2-40B4-BE49-F238E27FC236}">
+                <a16:creationId xmlns:a16="http://schemas.microsoft.com/office/drawing/2014/main" id="{9B2DFAE1-C39E-42DF-9731-3333AACE40CB}"/>
+              </a:ext>
+            </a:extLst>
+          </p:cNvPr>
+          <p:cNvSpPr txBox="1"/>
+          <p:nvPr/>
+        </p:nvSpPr>
+        <p:spPr>
+          <a:xfrm>
+            <a:off x="2212567" y="3466480"/>
+            <a:ext cx="4691010" cy="1384995"/>
+          </a:xfrm>
+          <a:prstGeom prst="rect">
+            <a:avLst/>
+          </a:prstGeom>
+          <a:noFill/>
+        </p:spPr>
+        <p:txBody>
+          <a:bodyPr wrap="square" rtlCol="0">
+            <a:spAutoFit/>
+          </a:bodyPr>
+          <a:lstStyle/>
+          <a:p>
+            <a:r>
+              <a:rPr lang="pt-BR" sz="1800" dirty="0"/>
+              <a:t>Services: </a:t>
+            </a:r>
+          </a:p>
+          <a:p>
+            <a:r>
+              <a:rPr lang="pt-BR" sz="1100" dirty="0"/>
+              <a:t>No projeto foi criado um Service(que depende de </a:t>
+            </a:r>
+            <a:r>
+              <a:rPr lang="pt-BR" sz="1100" dirty="0" err="1"/>
+              <a:t>resource</a:t>
+            </a:r>
+            <a:r>
+              <a:rPr lang="pt-BR" sz="1100" dirty="0"/>
+              <a:t>) recurso para facilitar as alterações do </a:t>
+            </a:r>
+            <a:r>
+              <a:rPr lang="pt-BR" sz="1100" dirty="0" err="1"/>
+              <a:t>endpoint</a:t>
+            </a:r>
+            <a:r>
+              <a:rPr lang="pt-BR" sz="1100" dirty="0"/>
+              <a:t> (</a:t>
+            </a:r>
+            <a:r>
+              <a:rPr lang="pt-BR" sz="1100" dirty="0" err="1"/>
+              <a:t>ng-resource</a:t>
+            </a:r>
+            <a:r>
+              <a:rPr lang="pt-BR" sz="1100" dirty="0"/>
+              <a:t>). Isolando a URL (caso ela mudar. </a:t>
+            </a:r>
+          </a:p>
+          <a:p>
+            <a:r>
+              <a:rPr lang="pt-BR" sz="1100" dirty="0"/>
+              <a:t>Fluxo do servido:  é passado a Foto onde o Servido entende se é inclusão ou edição.</a:t>
+            </a:r>
+          </a:p>
+          <a:p>
+            <a:r>
+              <a:rPr lang="pt-BR" sz="1100" dirty="0"/>
+              <a:t>Um serviço depende de outro:  </a:t>
+            </a:r>
+            <a:r>
+              <a:rPr lang="pt-BR" sz="1100" b="1" dirty="0" err="1"/>
+              <a:t>cadastroDeFotos</a:t>
+            </a:r>
+            <a:r>
+              <a:rPr lang="pt-BR" sz="1100" dirty="0"/>
+              <a:t> depende de </a:t>
+            </a:r>
+            <a:r>
+              <a:rPr lang="pt-BR" sz="1100" b="1" dirty="0" err="1"/>
+              <a:t>recursoFoto</a:t>
+            </a:r>
+            <a:r>
+              <a:rPr lang="pt-BR" sz="1100" dirty="0"/>
+              <a:t>.</a:t>
+            </a:r>
+          </a:p>
+        </p:txBody>
+      </p:sp>
+      <p:cxnSp>
+        <p:nvCxnSpPr>
+          <p:cNvPr id="26" name="Conector de Seta Reta 25">
+            <a:extLst>
+              <a:ext uri="{FF2B5EF4-FFF2-40B4-BE49-F238E27FC236}">
+                <a16:creationId xmlns:a16="http://schemas.microsoft.com/office/drawing/2014/main" id="{A5C45C89-F95D-4349-91D7-50E7B478A277}"/>
+              </a:ext>
+            </a:extLst>
+          </p:cNvPr>
+          <p:cNvCxnSpPr/>
+          <p:nvPr/>
+        </p:nvCxnSpPr>
+        <p:spPr>
+          <a:xfrm>
+            <a:off x="1005628" y="2917713"/>
+            <a:ext cx="0" cy="276837"/>
+          </a:xfrm>
+          <a:prstGeom prst="straightConnector1">
+            <a:avLst/>
+          </a:prstGeom>
+          <a:ln>
+            <a:tailEnd type="triangle"/>
+          </a:ln>
+        </p:spPr>
+        <p:style>
+          <a:lnRef idx="1">
+            <a:schemeClr val="accent1"/>
+          </a:lnRef>
+          <a:fillRef idx="0">
+            <a:schemeClr val="accent1"/>
+          </a:fillRef>
+          <a:effectRef idx="0">
+            <a:schemeClr val="accent1"/>
+          </a:effectRef>
+          <a:fontRef idx="minor">
+            <a:schemeClr val="tx1"/>
+          </a:fontRef>
+        </p:style>
+      </p:cxnSp>
+      <p:pic>
+        <p:nvPicPr>
+          <p:cNvPr id="28" name="Imagem 27" descr="Fundo preto com letras brancas&#10;&#10;Descrição gerada automaticamente">
+            <a:extLst>
+              <a:ext uri="{FF2B5EF4-FFF2-40B4-BE49-F238E27FC236}">
+                <a16:creationId xmlns:a16="http://schemas.microsoft.com/office/drawing/2014/main" id="{00A39F9F-3757-496C-A132-F30909DAA4D0}"/>
+              </a:ext>
+            </a:extLst>
+          </p:cNvPr>
+          <p:cNvPicPr>
+            <a:picLocks noChangeAspect="1"/>
+          </p:cNvPicPr>
+          <p:nvPr/>
+        </p:nvPicPr>
+        <p:blipFill>
+          <a:blip r:embed="rId3">
+            <a:extLst>
+              <a:ext uri="{28A0092B-C50C-407E-A947-70E740481C1C}">
+                <a14:useLocalDpi xmlns:a14="http://schemas.microsoft.com/office/drawing/2010/main" val="0"/>
+              </a:ext>
+            </a:extLst>
+          </a:blip>
+          <a:stretch>
+            <a:fillRect/>
+          </a:stretch>
+        </p:blipFill>
+        <p:spPr>
+          <a:xfrm>
+            <a:off x="96288" y="3139811"/>
+            <a:ext cx="478810" cy="478810"/>
+          </a:xfrm>
+          <a:prstGeom prst="rect">
+            <a:avLst/>
+          </a:prstGeom>
+        </p:spPr>
+      </p:pic>
+      <p:cxnSp>
+        <p:nvCxnSpPr>
+          <p:cNvPr id="29" name="Conector de Seta Reta 28">
+            <a:extLst>
+              <a:ext uri="{FF2B5EF4-FFF2-40B4-BE49-F238E27FC236}">
+                <a16:creationId xmlns:a16="http://schemas.microsoft.com/office/drawing/2014/main" id="{27D7DE70-907F-4F7B-B9EA-F0FFAE8C75AB}"/>
+              </a:ext>
+            </a:extLst>
+          </p:cNvPr>
+          <p:cNvCxnSpPr/>
+          <p:nvPr/>
+        </p:nvCxnSpPr>
+        <p:spPr>
+          <a:xfrm>
+            <a:off x="926340" y="4539098"/>
+            <a:ext cx="0" cy="276837"/>
+          </a:xfrm>
+          <a:prstGeom prst="straightConnector1">
+            <a:avLst/>
+          </a:prstGeom>
+          <a:ln>
+            <a:tailEnd type="triangle"/>
+          </a:ln>
+        </p:spPr>
+        <p:style>
+          <a:lnRef idx="1">
+            <a:schemeClr val="accent1"/>
+          </a:lnRef>
+          <a:fillRef idx="0">
+            <a:schemeClr val="accent1"/>
+          </a:fillRef>
+          <a:effectRef idx="0">
+            <a:schemeClr val="accent1"/>
+          </a:effectRef>
+          <a:fontRef idx="minor">
+            <a:schemeClr val="tx1"/>
+          </a:fontRef>
+        </p:style>
+      </p:cxnSp>
+      <p:pic>
+        <p:nvPicPr>
+          <p:cNvPr id="31" name="Imagem 30" descr="Fundo preto com letras brancas&#10;&#10;Descrição gerada automaticamente">
+            <a:extLst>
+              <a:ext uri="{FF2B5EF4-FFF2-40B4-BE49-F238E27FC236}">
+                <a16:creationId xmlns:a16="http://schemas.microsoft.com/office/drawing/2014/main" id="{53D3BEDD-46F5-496B-9C5F-3AEB6CEA68DC}"/>
+              </a:ext>
+            </a:extLst>
+          </p:cNvPr>
+          <p:cNvPicPr>
+            <a:picLocks noChangeAspect="1"/>
+          </p:cNvPicPr>
+          <p:nvPr/>
+        </p:nvPicPr>
+        <p:blipFill>
+          <a:blip r:embed="rId3">
+            <a:extLst>
+              <a:ext uri="{28A0092B-C50C-407E-A947-70E740481C1C}">
+                <a14:useLocalDpi xmlns:a14="http://schemas.microsoft.com/office/drawing/2010/main" val="0"/>
+              </a:ext>
+            </a:extLst>
+          </a:blip>
+          <a:stretch>
+            <a:fillRect/>
+          </a:stretch>
+        </p:blipFill>
+        <p:spPr>
+          <a:xfrm>
+            <a:off x="1594822" y="247662"/>
+            <a:ext cx="478810" cy="478810"/>
+          </a:xfrm>
+          <a:prstGeom prst="rect">
+            <a:avLst/>
+          </a:prstGeom>
+        </p:spPr>
+      </p:pic>
+      <p:sp>
+        <p:nvSpPr>
+          <p:cNvPr id="35" name="CaixaDeTexto 34">
+            <a:extLst>
+              <a:ext uri="{FF2B5EF4-FFF2-40B4-BE49-F238E27FC236}">
+                <a16:creationId xmlns:a16="http://schemas.microsoft.com/office/drawing/2014/main" id="{EC7707BC-20DB-40E0-B40F-788D15956AC9}"/>
+              </a:ext>
+            </a:extLst>
+          </p:cNvPr>
+          <p:cNvSpPr txBox="1"/>
+          <p:nvPr/>
+        </p:nvSpPr>
+        <p:spPr>
+          <a:xfrm>
+            <a:off x="2113739" y="184080"/>
+            <a:ext cx="3096289" cy="2723823"/>
+          </a:xfrm>
+          <a:prstGeom prst="rect">
+            <a:avLst/>
+          </a:prstGeom>
+          <a:noFill/>
+        </p:spPr>
+        <p:txBody>
+          <a:bodyPr wrap="square" rtlCol="0">
+            <a:spAutoFit/>
+          </a:bodyPr>
+          <a:lstStyle/>
+          <a:p>
+            <a:r>
+              <a:rPr lang="pt-BR" dirty="0"/>
+              <a:t>Main.js</a:t>
+            </a:r>
+          </a:p>
+          <a:p>
+            <a:r>
+              <a:rPr lang="pt-BR" sz="900" dirty="0"/>
+              <a:t>-- módulo é uma coleção de serviços, diretivas, controladores, filtros e informações de configuração.</a:t>
+            </a:r>
+          </a:p>
+          <a:p>
+            <a:r>
+              <a:rPr lang="pt-BR" sz="900" dirty="0"/>
+              <a:t>-- Registro interceptor</a:t>
+            </a:r>
+          </a:p>
+          <a:p>
+            <a:r>
+              <a:rPr lang="pt-BR" sz="900" dirty="0"/>
+              <a:t>-- </a:t>
+            </a:r>
+            <a:r>
+              <a:rPr lang="pt-BR" sz="900" dirty="0" err="1"/>
+              <a:t>config</a:t>
+            </a:r>
+            <a:r>
+              <a:rPr lang="pt-BR" sz="900" dirty="0"/>
+              <a:t>: configuração do modulo.</a:t>
+            </a:r>
+          </a:p>
+          <a:p>
+            <a:r>
+              <a:rPr lang="pt-BR" sz="900" dirty="0"/>
+              <a:t>$</a:t>
+            </a:r>
+            <a:r>
+              <a:rPr lang="pt-BR" sz="900" dirty="0" err="1"/>
+              <a:t>routeProvider:config</a:t>
+            </a:r>
+            <a:r>
+              <a:rPr lang="pt-BR" sz="900" dirty="0"/>
+              <a:t> Rota</a:t>
+            </a:r>
+          </a:p>
+          <a:p>
+            <a:pPr marL="171450" indent="-171450">
+              <a:buFontTx/>
+              <a:buChar char="-"/>
+            </a:pPr>
+            <a:r>
+              <a:rPr lang="pt-BR" sz="900" dirty="0" err="1"/>
+              <a:t>Setar</a:t>
+            </a:r>
+            <a:r>
+              <a:rPr lang="pt-BR" sz="900" dirty="0"/>
+              <a:t> a URI</a:t>
+            </a:r>
+          </a:p>
+          <a:p>
+            <a:pPr marL="171450" indent="-171450">
+              <a:buFontTx/>
+              <a:buChar char="-"/>
+            </a:pPr>
+            <a:r>
+              <a:rPr lang="pt-BR" sz="900" dirty="0" err="1"/>
+              <a:t>Setar</a:t>
+            </a:r>
+            <a:r>
+              <a:rPr lang="pt-BR" sz="900" dirty="0"/>
+              <a:t> </a:t>
+            </a:r>
+            <a:r>
+              <a:rPr lang="pt-BR" sz="900" dirty="0" err="1"/>
+              <a:t>template</a:t>
+            </a:r>
+            <a:r>
+              <a:rPr lang="pt-BR" sz="900" dirty="0"/>
+              <a:t> HTML (contido em </a:t>
+            </a:r>
+            <a:r>
+              <a:rPr lang="pt-BR" sz="900" dirty="0" err="1"/>
+              <a:t>partials</a:t>
+            </a:r>
+            <a:r>
+              <a:rPr lang="pt-BR" sz="900" dirty="0"/>
+              <a:t>).</a:t>
+            </a:r>
+          </a:p>
+          <a:p>
+            <a:pPr marL="171450" indent="-171450">
+              <a:buFontTx/>
+              <a:buChar char="-"/>
+            </a:pPr>
+            <a:r>
+              <a:rPr lang="pt-BR" sz="900" dirty="0" err="1"/>
+              <a:t>Setar</a:t>
+            </a:r>
+            <a:r>
+              <a:rPr lang="pt-BR" sz="900" dirty="0"/>
+              <a:t> </a:t>
+            </a:r>
+            <a:r>
+              <a:rPr lang="pt-BR" sz="900" dirty="0" err="1"/>
+              <a:t>Controller</a:t>
+            </a:r>
+            <a:endParaRPr lang="pt-BR" sz="900" dirty="0"/>
+          </a:p>
+          <a:p>
+            <a:r>
+              <a:rPr lang="pt-BR" sz="900" dirty="0"/>
+              <a:t>Exemplo: </a:t>
+            </a:r>
+          </a:p>
+          <a:p>
+            <a:r>
+              <a:rPr lang="pt-BR" sz="900" b="0" i="1" dirty="0">
+                <a:solidFill>
+                  <a:srgbClr val="FD971F"/>
+                </a:solidFill>
+                <a:effectLst/>
+                <a:latin typeface="Consolas" panose="020B0609020204030204" pitchFamily="49" charset="0"/>
+              </a:rPr>
+              <a:t>$</a:t>
+            </a:r>
+            <a:r>
+              <a:rPr lang="pt-BR" sz="900" b="0" i="1" dirty="0" err="1">
+                <a:solidFill>
+                  <a:srgbClr val="FD971F"/>
+                </a:solidFill>
+                <a:effectLst/>
+                <a:latin typeface="Consolas" panose="020B0609020204030204" pitchFamily="49" charset="0"/>
+              </a:rPr>
+              <a:t>routeProvider</a:t>
+            </a:r>
+            <a:r>
+              <a:rPr lang="pt-BR" sz="900" b="0" dirty="0" err="1">
+                <a:solidFill>
+                  <a:srgbClr val="F8F8F2"/>
+                </a:solidFill>
+                <a:effectLst/>
+                <a:latin typeface="Consolas" panose="020B0609020204030204" pitchFamily="49" charset="0"/>
+              </a:rPr>
+              <a:t>.</a:t>
+            </a:r>
+            <a:r>
+              <a:rPr lang="pt-BR" sz="900" b="0" dirty="0" err="1">
+                <a:solidFill>
+                  <a:srgbClr val="A6E22E"/>
+                </a:solidFill>
+                <a:effectLst/>
+                <a:latin typeface="Consolas" panose="020B0609020204030204" pitchFamily="49" charset="0"/>
+              </a:rPr>
+              <a:t>when</a:t>
+            </a:r>
+            <a:r>
+              <a:rPr lang="pt-BR" sz="900" b="0" dirty="0">
+                <a:solidFill>
+                  <a:srgbClr val="F8F8F2"/>
+                </a:solidFill>
+                <a:effectLst/>
+                <a:latin typeface="Consolas" panose="020B0609020204030204" pitchFamily="49" charset="0"/>
+              </a:rPr>
+              <a:t>(</a:t>
+            </a:r>
+            <a:r>
+              <a:rPr lang="pt-BR" sz="900" b="0" dirty="0">
+                <a:solidFill>
+                  <a:srgbClr val="E6DB74"/>
+                </a:solidFill>
+                <a:effectLst/>
+                <a:latin typeface="Consolas" panose="020B0609020204030204" pitchFamily="49" charset="0"/>
+              </a:rPr>
+              <a:t>'/fotos'</a:t>
+            </a:r>
+            <a:r>
+              <a:rPr lang="pt-BR" sz="900" b="0" dirty="0">
+                <a:solidFill>
+                  <a:srgbClr val="F8F8F2"/>
+                </a:solidFill>
+                <a:effectLst/>
+                <a:latin typeface="Consolas" panose="020B0609020204030204" pitchFamily="49" charset="0"/>
+              </a:rPr>
+              <a:t>, {</a:t>
+            </a:r>
+          </a:p>
+          <a:p>
+            <a:r>
+              <a:rPr lang="pt-BR" sz="900" b="0" dirty="0">
+                <a:solidFill>
+                  <a:srgbClr val="F8F8F2"/>
+                </a:solidFill>
+                <a:effectLst/>
+                <a:latin typeface="Consolas" panose="020B0609020204030204" pitchFamily="49" charset="0"/>
+              </a:rPr>
+              <a:t>   </a:t>
+            </a:r>
+            <a:r>
+              <a:rPr lang="pt-BR" sz="900" b="0" dirty="0" err="1">
+                <a:solidFill>
+                  <a:srgbClr val="F8F8F2"/>
+                </a:solidFill>
+                <a:effectLst/>
+                <a:latin typeface="Consolas" panose="020B0609020204030204" pitchFamily="49" charset="0"/>
+              </a:rPr>
+              <a:t>templateUrl</a:t>
+            </a:r>
+            <a:r>
+              <a:rPr lang="pt-BR" sz="900" b="0" dirty="0">
+                <a:solidFill>
+                  <a:srgbClr val="F8F8F2"/>
+                </a:solidFill>
+                <a:effectLst/>
+                <a:latin typeface="Consolas" panose="020B0609020204030204" pitchFamily="49" charset="0"/>
+              </a:rPr>
+              <a:t>: </a:t>
+            </a:r>
+            <a:r>
+              <a:rPr lang="pt-BR" sz="900" b="0" dirty="0">
+                <a:solidFill>
+                  <a:srgbClr val="E6DB74"/>
+                </a:solidFill>
+                <a:effectLst/>
+                <a:latin typeface="Consolas" panose="020B0609020204030204" pitchFamily="49" charset="0"/>
+              </a:rPr>
+              <a:t>'</a:t>
+            </a:r>
+            <a:r>
+              <a:rPr lang="pt-BR" sz="900" b="0" dirty="0" err="1">
+                <a:solidFill>
+                  <a:srgbClr val="E6DB74"/>
+                </a:solidFill>
+                <a:effectLst/>
+                <a:latin typeface="Consolas" panose="020B0609020204030204" pitchFamily="49" charset="0"/>
+              </a:rPr>
+              <a:t>partials</a:t>
+            </a:r>
+            <a:r>
+              <a:rPr lang="pt-BR" sz="900" b="0" dirty="0">
+                <a:solidFill>
+                  <a:srgbClr val="E6DB74"/>
+                </a:solidFill>
+                <a:effectLst/>
+                <a:latin typeface="Consolas" panose="020B0609020204030204" pitchFamily="49" charset="0"/>
+              </a:rPr>
+              <a:t>/principal.html'</a:t>
+            </a:r>
+            <a:r>
+              <a:rPr lang="pt-BR" sz="900" b="0" dirty="0">
+                <a:solidFill>
+                  <a:srgbClr val="F8F8F2"/>
+                </a:solidFill>
+                <a:effectLst/>
+                <a:latin typeface="Consolas" panose="020B0609020204030204" pitchFamily="49" charset="0"/>
+              </a:rPr>
+              <a:t>,</a:t>
+            </a:r>
+          </a:p>
+          <a:p>
+            <a:r>
+              <a:rPr lang="pt-BR" sz="900" b="0" dirty="0">
+                <a:solidFill>
+                  <a:srgbClr val="F8F8F2"/>
+                </a:solidFill>
+                <a:effectLst/>
+                <a:latin typeface="Consolas" panose="020B0609020204030204" pitchFamily="49" charset="0"/>
+              </a:rPr>
+              <a:t>   </a:t>
+            </a:r>
+            <a:r>
+              <a:rPr lang="pt-BR" sz="900" b="0" dirty="0" err="1">
+                <a:solidFill>
+                  <a:srgbClr val="F8F8F2"/>
+                </a:solidFill>
+                <a:effectLst/>
+                <a:latin typeface="Consolas" panose="020B0609020204030204" pitchFamily="49" charset="0"/>
+              </a:rPr>
+              <a:t>controller</a:t>
+            </a:r>
+            <a:r>
+              <a:rPr lang="pt-BR" sz="900" b="0" dirty="0">
+                <a:solidFill>
+                  <a:srgbClr val="F8F8F2"/>
+                </a:solidFill>
+                <a:effectLst/>
+                <a:latin typeface="Consolas" panose="020B0609020204030204" pitchFamily="49" charset="0"/>
+              </a:rPr>
+              <a:t>: </a:t>
+            </a:r>
+            <a:r>
+              <a:rPr lang="pt-BR" sz="900" b="0" dirty="0">
+                <a:solidFill>
+                  <a:srgbClr val="E6DB74"/>
+                </a:solidFill>
+                <a:effectLst/>
+                <a:latin typeface="Consolas" panose="020B0609020204030204" pitchFamily="49" charset="0"/>
+              </a:rPr>
+              <a:t>'</a:t>
+            </a:r>
+            <a:r>
+              <a:rPr lang="pt-BR" sz="900" b="0" dirty="0" err="1">
+                <a:solidFill>
+                  <a:srgbClr val="E6DB74"/>
+                </a:solidFill>
+                <a:effectLst/>
+                <a:latin typeface="Consolas" panose="020B0609020204030204" pitchFamily="49" charset="0"/>
+              </a:rPr>
+              <a:t>FotosController</a:t>
+            </a:r>
+            <a:r>
+              <a:rPr lang="pt-BR" sz="900" b="0" dirty="0">
+                <a:solidFill>
+                  <a:srgbClr val="E6DB74"/>
+                </a:solidFill>
+                <a:effectLst/>
+                <a:latin typeface="Consolas" panose="020B0609020204030204" pitchFamily="49" charset="0"/>
+              </a:rPr>
+              <a:t>’ </a:t>
+            </a:r>
+            <a:r>
+              <a:rPr lang="pt-BR" sz="900" b="0" dirty="0">
+                <a:solidFill>
+                  <a:srgbClr val="F8F8F2"/>
+                </a:solidFill>
+                <a:effectLst/>
+                <a:latin typeface="Consolas" panose="020B0609020204030204" pitchFamily="49" charset="0"/>
+              </a:rPr>
+              <a:t>});</a:t>
+            </a:r>
+          </a:p>
+          <a:p>
+            <a:r>
+              <a:rPr lang="pt-BR" sz="900" dirty="0">
+                <a:solidFill>
+                  <a:srgbClr val="F8F8F2"/>
+                </a:solidFill>
+                <a:latin typeface="Consolas" panose="020B0609020204030204" pitchFamily="49" charset="0"/>
+              </a:rPr>
+              <a:t>Injeção de dependência:</a:t>
+            </a:r>
+          </a:p>
+          <a:p>
+            <a:r>
+              <a:rPr lang="pt-BR" sz="900" b="0" dirty="0" err="1">
+                <a:solidFill>
+                  <a:srgbClr val="F8F8F2"/>
+                </a:solidFill>
+                <a:effectLst/>
+                <a:latin typeface="Consolas" panose="020B0609020204030204" pitchFamily="49" charset="0"/>
+              </a:rPr>
+              <a:t>ngular.</a:t>
+            </a:r>
+            <a:r>
+              <a:rPr lang="pt-BR" sz="900" b="0" dirty="0" err="1">
+                <a:solidFill>
+                  <a:srgbClr val="A6E22E"/>
+                </a:solidFill>
+                <a:effectLst/>
+                <a:latin typeface="Consolas" panose="020B0609020204030204" pitchFamily="49" charset="0"/>
+              </a:rPr>
+              <a:t>module</a:t>
+            </a:r>
+            <a:r>
+              <a:rPr lang="pt-BR" sz="900" b="0" dirty="0">
+                <a:solidFill>
+                  <a:srgbClr val="F8F8F2"/>
+                </a:solidFill>
+                <a:effectLst/>
+                <a:latin typeface="Consolas" panose="020B0609020204030204" pitchFamily="49" charset="0"/>
+              </a:rPr>
+              <a:t>(</a:t>
+            </a:r>
+            <a:r>
+              <a:rPr lang="pt-BR" sz="900" b="0" dirty="0">
+                <a:solidFill>
+                  <a:srgbClr val="E6DB74"/>
+                </a:solidFill>
+                <a:effectLst/>
+                <a:latin typeface="Consolas" panose="020B0609020204030204" pitchFamily="49" charset="0"/>
+              </a:rPr>
+              <a:t>'</a:t>
+            </a:r>
+            <a:r>
+              <a:rPr lang="pt-BR" sz="900" b="0" dirty="0" err="1">
+                <a:solidFill>
+                  <a:srgbClr val="E6DB74"/>
+                </a:solidFill>
+                <a:effectLst/>
+                <a:latin typeface="Consolas" panose="020B0609020204030204" pitchFamily="49" charset="0"/>
+              </a:rPr>
+              <a:t>alurapic</a:t>
+            </a:r>
+            <a:r>
+              <a:rPr lang="pt-BR" sz="900" b="0" dirty="0">
+                <a:solidFill>
+                  <a:srgbClr val="E6DB74"/>
+                </a:solidFill>
+                <a:effectLst/>
+                <a:latin typeface="Consolas" panose="020B0609020204030204" pitchFamily="49" charset="0"/>
+              </a:rPr>
+              <a:t>'</a:t>
+            </a:r>
+            <a:r>
+              <a:rPr lang="pt-BR" sz="900" b="0" dirty="0">
+                <a:solidFill>
+                  <a:srgbClr val="F8F8F2"/>
+                </a:solidFill>
+                <a:effectLst/>
+                <a:latin typeface="Consolas" panose="020B0609020204030204" pitchFamily="49" charset="0"/>
+              </a:rPr>
+              <a:t>, [</a:t>
+            </a:r>
+            <a:r>
+              <a:rPr lang="pt-BR" sz="900" b="0" dirty="0">
+                <a:solidFill>
+                  <a:srgbClr val="E6DB74"/>
+                </a:solidFill>
+                <a:effectLst/>
+                <a:latin typeface="Consolas" panose="020B0609020204030204" pitchFamily="49" charset="0"/>
+              </a:rPr>
+              <a:t>'</a:t>
+            </a:r>
+            <a:r>
+              <a:rPr lang="pt-BR" sz="900" b="0" dirty="0" err="1">
+                <a:solidFill>
+                  <a:srgbClr val="E6DB74"/>
+                </a:solidFill>
+                <a:effectLst/>
+                <a:latin typeface="Consolas" panose="020B0609020204030204" pitchFamily="49" charset="0"/>
+              </a:rPr>
+              <a:t>minhasDiretivas</a:t>
+            </a:r>
+            <a:r>
+              <a:rPr lang="pt-BR" sz="900" b="0" dirty="0">
+                <a:solidFill>
+                  <a:srgbClr val="E6DB74"/>
+                </a:solidFill>
+                <a:effectLst/>
+                <a:latin typeface="Consolas" panose="020B0609020204030204" pitchFamily="49" charset="0"/>
+              </a:rPr>
+              <a:t>'</a:t>
+            </a:r>
+            <a:r>
+              <a:rPr lang="pt-BR" sz="900" b="0" dirty="0">
+                <a:solidFill>
+                  <a:srgbClr val="F8F8F2"/>
+                </a:solidFill>
+                <a:effectLst/>
+                <a:latin typeface="Consolas" panose="020B0609020204030204" pitchFamily="49" charset="0"/>
+              </a:rPr>
+              <a:t>,</a:t>
+            </a:r>
+            <a:r>
+              <a:rPr lang="pt-BR" sz="900" b="0" dirty="0">
+                <a:solidFill>
+                  <a:srgbClr val="E6DB74"/>
+                </a:solidFill>
+                <a:effectLst/>
+                <a:latin typeface="Consolas" panose="020B0609020204030204" pitchFamily="49" charset="0"/>
+              </a:rPr>
+              <a:t>'</a:t>
+            </a:r>
+            <a:r>
+              <a:rPr lang="pt-BR" sz="900" b="0" dirty="0" err="1">
+                <a:solidFill>
+                  <a:srgbClr val="E6DB74"/>
+                </a:solidFill>
+                <a:effectLst/>
+                <a:latin typeface="Consolas" panose="020B0609020204030204" pitchFamily="49" charset="0"/>
+              </a:rPr>
+              <a:t>ngAnimate</a:t>
+            </a:r>
+            <a:r>
+              <a:rPr lang="pt-BR" sz="900" b="0" dirty="0">
+                <a:solidFill>
+                  <a:srgbClr val="E6DB74"/>
+                </a:solidFill>
+                <a:effectLst/>
+                <a:latin typeface="Consolas" panose="020B0609020204030204" pitchFamily="49" charset="0"/>
+              </a:rPr>
+              <a:t>'</a:t>
+            </a:r>
+            <a:r>
+              <a:rPr lang="pt-BR" sz="900" b="0" dirty="0">
+                <a:solidFill>
+                  <a:srgbClr val="F8F8F2"/>
+                </a:solidFill>
+                <a:effectLst/>
+                <a:latin typeface="Consolas" panose="020B0609020204030204" pitchFamily="49" charset="0"/>
+              </a:rPr>
+              <a:t>, </a:t>
+            </a:r>
+            <a:r>
+              <a:rPr lang="pt-BR" sz="900" b="0" dirty="0">
+                <a:solidFill>
+                  <a:srgbClr val="E6DB74"/>
+                </a:solidFill>
+                <a:effectLst/>
+                <a:latin typeface="Consolas" panose="020B0609020204030204" pitchFamily="49" charset="0"/>
+              </a:rPr>
+              <a:t>'</a:t>
+            </a:r>
+            <a:r>
+              <a:rPr lang="pt-BR" sz="900" b="0" dirty="0" err="1">
+                <a:solidFill>
+                  <a:srgbClr val="E6DB74"/>
+                </a:solidFill>
+                <a:effectLst/>
+                <a:latin typeface="Consolas" panose="020B0609020204030204" pitchFamily="49" charset="0"/>
+              </a:rPr>
+              <a:t>ngRoute</a:t>
+            </a:r>
+            <a:r>
+              <a:rPr lang="pt-BR" sz="900" b="0" dirty="0">
+                <a:solidFill>
+                  <a:srgbClr val="E6DB74"/>
+                </a:solidFill>
+                <a:effectLst/>
+                <a:latin typeface="Consolas" panose="020B0609020204030204" pitchFamily="49" charset="0"/>
+              </a:rPr>
+              <a:t>'</a:t>
+            </a:r>
+            <a:r>
+              <a:rPr lang="pt-BR" sz="900" b="0" dirty="0">
+                <a:solidFill>
+                  <a:srgbClr val="F8F8F2"/>
+                </a:solidFill>
+                <a:effectLst/>
+                <a:latin typeface="Consolas" panose="020B0609020204030204" pitchFamily="49" charset="0"/>
+              </a:rPr>
+              <a:t>, </a:t>
+            </a:r>
+            <a:r>
+              <a:rPr lang="pt-BR" sz="900" b="0" dirty="0">
+                <a:solidFill>
+                  <a:srgbClr val="E6DB74"/>
+                </a:solidFill>
+                <a:effectLst/>
+                <a:latin typeface="Consolas" panose="020B0609020204030204" pitchFamily="49" charset="0"/>
+              </a:rPr>
+              <a:t>'</a:t>
+            </a:r>
+            <a:r>
+              <a:rPr lang="pt-BR" sz="900" b="0" dirty="0" err="1">
+                <a:solidFill>
+                  <a:srgbClr val="E6DB74"/>
+                </a:solidFill>
+                <a:effectLst/>
+                <a:latin typeface="Consolas" panose="020B0609020204030204" pitchFamily="49" charset="0"/>
+              </a:rPr>
+              <a:t>ngResource</a:t>
+            </a:r>
+            <a:r>
+              <a:rPr lang="pt-BR" sz="900" b="0" dirty="0">
+                <a:solidFill>
+                  <a:srgbClr val="E6DB74"/>
+                </a:solidFill>
+                <a:effectLst/>
+                <a:latin typeface="Consolas" panose="020B0609020204030204" pitchFamily="49" charset="0"/>
+              </a:rPr>
+              <a:t>'</a:t>
+            </a:r>
+            <a:r>
+              <a:rPr lang="pt-BR" sz="900" b="0" dirty="0">
+                <a:solidFill>
+                  <a:srgbClr val="F8F8F2"/>
+                </a:solidFill>
+                <a:effectLst/>
+                <a:latin typeface="Consolas" panose="020B0609020204030204" pitchFamily="49" charset="0"/>
+              </a:rPr>
+              <a:t>, </a:t>
+            </a:r>
+            <a:r>
+              <a:rPr lang="pt-BR" sz="900" b="0" dirty="0">
+                <a:solidFill>
+                  <a:srgbClr val="E6DB74"/>
+                </a:solidFill>
+                <a:effectLst/>
+                <a:latin typeface="Consolas" panose="020B0609020204030204" pitchFamily="49" charset="0"/>
+              </a:rPr>
+              <a:t>'</a:t>
+            </a:r>
+            <a:r>
+              <a:rPr lang="pt-BR" sz="900" b="0" dirty="0" err="1">
+                <a:solidFill>
+                  <a:srgbClr val="E6DB74"/>
+                </a:solidFill>
+                <a:effectLst/>
+                <a:latin typeface="Consolas" panose="020B0609020204030204" pitchFamily="49" charset="0"/>
+              </a:rPr>
+              <a:t>meusServicos</a:t>
+            </a:r>
+            <a:r>
+              <a:rPr lang="pt-BR" sz="900" b="0" dirty="0">
+                <a:solidFill>
+                  <a:srgbClr val="E6DB74"/>
+                </a:solidFill>
+                <a:effectLst/>
+                <a:latin typeface="Consolas" panose="020B0609020204030204" pitchFamily="49" charset="0"/>
+              </a:rPr>
+              <a:t>'</a:t>
+            </a:r>
+            <a:r>
+              <a:rPr lang="pt-BR" sz="900" b="0" dirty="0">
+                <a:solidFill>
+                  <a:srgbClr val="F8F8F2"/>
+                </a:solidFill>
+                <a:effectLst/>
+                <a:latin typeface="Consolas" panose="020B0609020204030204" pitchFamily="49" charset="0"/>
+              </a:rPr>
+              <a:t>])</a:t>
+            </a:r>
+          </a:p>
+          <a:p>
+            <a:endParaRPr lang="pt-BR" sz="900" dirty="0"/>
+          </a:p>
+        </p:txBody>
+      </p:sp>
+      <p:pic>
+        <p:nvPicPr>
+          <p:cNvPr id="38" name="Imagem 37" descr="Uma imagem contendo desenho&#10;&#10;Descrição gerada automaticamente">
+            <a:extLst>
+              <a:ext uri="{FF2B5EF4-FFF2-40B4-BE49-F238E27FC236}">
+                <a16:creationId xmlns:a16="http://schemas.microsoft.com/office/drawing/2014/main" id="{C860CD83-68FC-427E-8471-17C65575C810}"/>
+              </a:ext>
+            </a:extLst>
+          </p:cNvPr>
+          <p:cNvPicPr>
+            <a:picLocks noChangeAspect="1"/>
+          </p:cNvPicPr>
+          <p:nvPr/>
+        </p:nvPicPr>
+        <p:blipFill>
+          <a:blip r:embed="rId4">
+            <a:extLst>
+              <a:ext uri="{28A0092B-C50C-407E-A947-70E740481C1C}">
+                <a14:useLocalDpi xmlns:a14="http://schemas.microsoft.com/office/drawing/2010/main" val="0"/>
+              </a:ext>
+            </a:extLst>
+          </a:blip>
+          <a:stretch>
+            <a:fillRect/>
+          </a:stretch>
+        </p:blipFill>
+        <p:spPr>
+          <a:xfrm>
+            <a:off x="1720138" y="2902059"/>
+            <a:ext cx="440763" cy="440763"/>
+          </a:xfrm>
+          <a:prstGeom prst="rect">
+            <a:avLst/>
+          </a:prstGeom>
+        </p:spPr>
+      </p:pic>
+      <p:pic>
+        <p:nvPicPr>
+          <p:cNvPr id="40" name="Imagem 39" descr="Uma imagem contendo desenho&#10;&#10;Descrição gerada automaticamente">
+            <a:extLst>
+              <a:ext uri="{FF2B5EF4-FFF2-40B4-BE49-F238E27FC236}">
+                <a16:creationId xmlns:a16="http://schemas.microsoft.com/office/drawing/2014/main" id="{CD0F9B14-6497-4EF0-B5CA-E0A488C7A5BF}"/>
+              </a:ext>
+            </a:extLst>
+          </p:cNvPr>
+          <p:cNvPicPr>
+            <a:picLocks noChangeAspect="1"/>
+          </p:cNvPicPr>
+          <p:nvPr/>
+        </p:nvPicPr>
+        <p:blipFill>
+          <a:blip r:embed="rId4">
+            <a:extLst>
+              <a:ext uri="{28A0092B-C50C-407E-A947-70E740481C1C}">
+                <a14:useLocalDpi xmlns:a14="http://schemas.microsoft.com/office/drawing/2010/main" val="0"/>
+              </a:ext>
+            </a:extLst>
+          </a:blip>
+          <a:stretch>
+            <a:fillRect/>
+          </a:stretch>
+        </p:blipFill>
+        <p:spPr>
+          <a:xfrm>
+            <a:off x="1783814" y="3528785"/>
+            <a:ext cx="440763" cy="440763"/>
+          </a:xfrm>
+          <a:prstGeom prst="rect">
+            <a:avLst/>
+          </a:prstGeom>
+        </p:spPr>
+      </p:pic>
+      <p:sp>
+        <p:nvSpPr>
+          <p:cNvPr id="42" name="CaixaDeTexto 41">
+            <a:extLst>
+              <a:ext uri="{FF2B5EF4-FFF2-40B4-BE49-F238E27FC236}">
+                <a16:creationId xmlns:a16="http://schemas.microsoft.com/office/drawing/2014/main" id="{002EB3AE-88F2-4E3D-AC97-4B83E32C2EAB}"/>
+              </a:ext>
+            </a:extLst>
+          </p:cNvPr>
+          <p:cNvSpPr txBox="1"/>
+          <p:nvPr/>
+        </p:nvSpPr>
+        <p:spPr>
+          <a:xfrm>
+            <a:off x="6408837" y="2740588"/>
+            <a:ext cx="5747893" cy="1831271"/>
+          </a:xfrm>
+          <a:prstGeom prst="rect">
+            <a:avLst/>
+          </a:prstGeom>
+          <a:noFill/>
+        </p:spPr>
+        <p:txBody>
+          <a:bodyPr wrap="square" rtlCol="0">
+            <a:spAutoFit/>
+          </a:bodyPr>
+          <a:lstStyle/>
+          <a:p>
+            <a:r>
+              <a:rPr lang="pt-BR" sz="1800" dirty="0"/>
+              <a:t>Informações:</a:t>
+            </a:r>
+          </a:p>
+          <a:p>
+            <a:r>
+              <a:rPr lang="pt-BR" sz="1100" dirty="0"/>
+              <a:t>$http permite fazer chamadas assíncronas para se comunicar com seu serviço da web. $</a:t>
+            </a:r>
+            <a:r>
+              <a:rPr lang="pt-BR" sz="1100" dirty="0" err="1"/>
+              <a:t>resourcepermite</a:t>
+            </a:r>
+            <a:r>
+              <a:rPr lang="pt-BR" sz="1100" dirty="0"/>
+              <a:t> que você faça chamadas assíncronas para se comunicar com seu serviço da web RESTFUL.</a:t>
+            </a:r>
+          </a:p>
+          <a:p>
+            <a:r>
+              <a:rPr lang="pt-BR" sz="1100" dirty="0"/>
+              <a:t>Aplicando Filtro no </a:t>
+            </a:r>
+            <a:r>
+              <a:rPr lang="pt-BR" sz="1100" dirty="0" err="1"/>
+              <a:t>AngularJS</a:t>
+            </a:r>
+            <a:r>
+              <a:rPr lang="pt-BR" sz="1100" dirty="0"/>
+              <a:t>:  </a:t>
+            </a:r>
+            <a:r>
+              <a:rPr lang="pt-BR" sz="1100" dirty="0" err="1"/>
+              <a:t>Usad</a:t>
+            </a:r>
+            <a:r>
+              <a:rPr lang="pt-BR" sz="1100" dirty="0"/>
+              <a:t> o | com um diretiva:  (</a:t>
+            </a:r>
+            <a:r>
+              <a:rPr lang="pt-BR" sz="1100" dirty="0" err="1"/>
+              <a:t>grupo.nome</a:t>
+            </a:r>
+            <a:r>
+              <a:rPr lang="pt-BR" sz="1100" dirty="0"/>
+              <a:t> | </a:t>
+            </a:r>
+            <a:r>
+              <a:rPr lang="pt-BR" sz="1100" dirty="0" err="1"/>
+              <a:t>uppercase</a:t>
+            </a:r>
+            <a:r>
+              <a:rPr lang="pt-BR" sz="1100" dirty="0"/>
+              <a:t>)</a:t>
+            </a:r>
+          </a:p>
+          <a:p>
+            <a:r>
+              <a:rPr lang="pt-BR" sz="1100" b="1" dirty="0"/>
+              <a:t>Definição de Service</a:t>
+            </a:r>
+            <a:r>
+              <a:rPr lang="pt-BR" sz="1100" dirty="0"/>
+              <a:t>: </a:t>
+            </a:r>
+            <a:r>
+              <a:rPr lang="pt-BR" sz="1100" b="0" dirty="0" err="1">
+                <a:solidFill>
+                  <a:srgbClr val="F8F8F2"/>
+                </a:solidFill>
+                <a:effectLst/>
+                <a:latin typeface="Consolas" panose="020B0609020204030204" pitchFamily="49" charset="0"/>
+              </a:rPr>
+              <a:t>angular.</a:t>
+            </a:r>
+            <a:r>
+              <a:rPr lang="pt-BR" sz="1100" b="0" dirty="0" err="1">
+                <a:solidFill>
+                  <a:srgbClr val="A6E22E"/>
+                </a:solidFill>
+                <a:effectLst/>
+                <a:latin typeface="Consolas" panose="020B0609020204030204" pitchFamily="49" charset="0"/>
+              </a:rPr>
+              <a:t>module</a:t>
+            </a:r>
+            <a:r>
+              <a:rPr lang="pt-BR" sz="1100" b="0" dirty="0">
+                <a:solidFill>
+                  <a:srgbClr val="F8F8F2"/>
+                </a:solidFill>
+                <a:effectLst/>
+                <a:latin typeface="Consolas" panose="020B0609020204030204" pitchFamily="49" charset="0"/>
+              </a:rPr>
+              <a:t>(</a:t>
+            </a:r>
+            <a:r>
+              <a:rPr lang="pt-BR" sz="1100" b="0" dirty="0">
+                <a:solidFill>
+                  <a:srgbClr val="E6DB74"/>
+                </a:solidFill>
+                <a:effectLst/>
+                <a:latin typeface="Consolas" panose="020B0609020204030204" pitchFamily="49" charset="0"/>
+              </a:rPr>
+              <a:t>'</a:t>
+            </a:r>
+            <a:r>
+              <a:rPr lang="pt-BR" sz="1100" b="0" dirty="0" err="1">
+                <a:solidFill>
+                  <a:srgbClr val="E6DB74"/>
+                </a:solidFill>
+                <a:effectLst/>
+                <a:latin typeface="Consolas" panose="020B0609020204030204" pitchFamily="49" charset="0"/>
+              </a:rPr>
+              <a:t>meusServicos</a:t>
+            </a:r>
+            <a:r>
+              <a:rPr lang="pt-BR" sz="1100" b="0" dirty="0">
+                <a:solidFill>
+                  <a:srgbClr val="E6DB74"/>
+                </a:solidFill>
+                <a:effectLst/>
+                <a:latin typeface="Consolas" panose="020B0609020204030204" pitchFamily="49" charset="0"/>
+              </a:rPr>
+              <a:t>'</a:t>
+            </a:r>
+            <a:r>
+              <a:rPr lang="pt-BR" sz="1100" b="0" dirty="0">
+                <a:solidFill>
+                  <a:srgbClr val="F8F8F2"/>
+                </a:solidFill>
+                <a:effectLst/>
+                <a:latin typeface="Consolas" panose="020B0609020204030204" pitchFamily="49" charset="0"/>
+              </a:rPr>
+              <a:t>, [</a:t>
+            </a:r>
+            <a:r>
+              <a:rPr lang="pt-BR" sz="1100" b="0" dirty="0">
+                <a:solidFill>
+                  <a:srgbClr val="E6DB74"/>
+                </a:solidFill>
+                <a:effectLst/>
+                <a:latin typeface="Consolas" panose="020B0609020204030204" pitchFamily="49" charset="0"/>
+              </a:rPr>
+              <a:t>'</a:t>
+            </a:r>
+            <a:r>
+              <a:rPr lang="pt-BR" sz="1100" b="0" dirty="0" err="1">
+                <a:solidFill>
+                  <a:srgbClr val="E6DB74"/>
+                </a:solidFill>
+                <a:effectLst/>
+                <a:latin typeface="Consolas" panose="020B0609020204030204" pitchFamily="49" charset="0"/>
+              </a:rPr>
+              <a:t>ngResource</a:t>
+            </a:r>
+            <a:r>
+              <a:rPr lang="pt-BR" sz="1100" b="0" dirty="0">
+                <a:solidFill>
+                  <a:srgbClr val="E6DB74"/>
+                </a:solidFill>
+                <a:effectLst/>
+                <a:latin typeface="Consolas" panose="020B0609020204030204" pitchFamily="49" charset="0"/>
+              </a:rPr>
+              <a:t>'</a:t>
+            </a:r>
+            <a:r>
+              <a:rPr lang="pt-BR" sz="1100" b="0" dirty="0">
+                <a:solidFill>
+                  <a:srgbClr val="F8F8F2"/>
+                </a:solidFill>
+                <a:effectLst/>
+                <a:latin typeface="Consolas" panose="020B0609020204030204" pitchFamily="49" charset="0"/>
+              </a:rPr>
+              <a:t>])</a:t>
+            </a:r>
+          </a:p>
+          <a:p>
+            <a:r>
+              <a:rPr lang="pt-BR" sz="1100" b="0" dirty="0">
+                <a:solidFill>
+                  <a:srgbClr val="F8F8F2"/>
+                </a:solidFill>
+                <a:effectLst/>
+                <a:latin typeface="Consolas" panose="020B0609020204030204" pitchFamily="49" charset="0"/>
+              </a:rPr>
+              <a:t>    .</a:t>
+            </a:r>
+            <a:r>
+              <a:rPr lang="pt-BR" sz="1100" b="0" dirty="0" err="1">
+                <a:solidFill>
+                  <a:srgbClr val="A6E22E"/>
+                </a:solidFill>
+                <a:effectLst/>
+                <a:latin typeface="Consolas" panose="020B0609020204030204" pitchFamily="49" charset="0"/>
+              </a:rPr>
+              <a:t>factory</a:t>
+            </a:r>
+            <a:r>
+              <a:rPr lang="pt-BR" sz="1100" b="0" dirty="0">
+                <a:solidFill>
+                  <a:srgbClr val="F8F8F2"/>
+                </a:solidFill>
+                <a:effectLst/>
+                <a:latin typeface="Consolas" panose="020B0609020204030204" pitchFamily="49" charset="0"/>
+              </a:rPr>
+              <a:t>(</a:t>
+            </a:r>
+            <a:r>
+              <a:rPr lang="pt-BR" sz="1100" b="0" dirty="0">
+                <a:solidFill>
+                  <a:srgbClr val="E6DB74"/>
+                </a:solidFill>
+                <a:effectLst/>
+                <a:latin typeface="Consolas" panose="020B0609020204030204" pitchFamily="49" charset="0"/>
+              </a:rPr>
+              <a:t>'</a:t>
+            </a:r>
+            <a:r>
+              <a:rPr lang="pt-BR" sz="1100" b="0" dirty="0" err="1">
+                <a:solidFill>
+                  <a:srgbClr val="E6DB74"/>
+                </a:solidFill>
+                <a:effectLst/>
+                <a:latin typeface="Consolas" panose="020B0609020204030204" pitchFamily="49" charset="0"/>
+              </a:rPr>
+              <a:t>recursoFoto</a:t>
+            </a:r>
+            <a:r>
+              <a:rPr lang="pt-BR" sz="1100" b="0" dirty="0">
+                <a:solidFill>
+                  <a:srgbClr val="E6DB74"/>
+                </a:solidFill>
+                <a:effectLst/>
+                <a:latin typeface="Consolas" panose="020B0609020204030204" pitchFamily="49" charset="0"/>
+              </a:rPr>
+              <a:t>'</a:t>
+            </a:r>
+            <a:r>
+              <a:rPr lang="pt-BR" sz="1100" b="0" dirty="0">
+                <a:solidFill>
+                  <a:srgbClr val="F8F8F2"/>
+                </a:solidFill>
+                <a:effectLst/>
+                <a:latin typeface="Consolas" panose="020B0609020204030204" pitchFamily="49" charset="0"/>
+              </a:rPr>
+              <a:t>, </a:t>
+            </a:r>
+            <a:r>
+              <a:rPr lang="pt-BR" sz="1100" b="0" i="1" dirty="0" err="1">
+                <a:solidFill>
+                  <a:srgbClr val="66D9EF"/>
+                </a:solidFill>
+                <a:effectLst/>
+                <a:latin typeface="Consolas" panose="020B0609020204030204" pitchFamily="49" charset="0"/>
+              </a:rPr>
+              <a:t>function</a:t>
+            </a:r>
+            <a:r>
+              <a:rPr lang="pt-BR" sz="1100" b="0" dirty="0">
+                <a:solidFill>
+                  <a:srgbClr val="F8F8F2"/>
+                </a:solidFill>
+                <a:effectLst/>
+                <a:latin typeface="Consolas" panose="020B0609020204030204" pitchFamily="49" charset="0"/>
+              </a:rPr>
+              <a:t>(</a:t>
+            </a:r>
+            <a:r>
+              <a:rPr lang="pt-BR" sz="1100" b="0" i="1" dirty="0">
+                <a:solidFill>
+                  <a:srgbClr val="FD971F"/>
+                </a:solidFill>
+                <a:effectLst/>
+                <a:latin typeface="Consolas" panose="020B0609020204030204" pitchFamily="49" charset="0"/>
+              </a:rPr>
+              <a:t>$</a:t>
+            </a:r>
+            <a:r>
+              <a:rPr lang="pt-BR" sz="1100" b="0" i="1" dirty="0" err="1">
+                <a:solidFill>
+                  <a:srgbClr val="FD971F"/>
+                </a:solidFill>
+                <a:effectLst/>
+                <a:latin typeface="Consolas" panose="020B0609020204030204" pitchFamily="49" charset="0"/>
+              </a:rPr>
+              <a:t>resource</a:t>
+            </a:r>
+            <a:r>
+              <a:rPr lang="pt-BR" sz="1100" b="0" dirty="0">
+                <a:solidFill>
+                  <a:srgbClr val="F8F8F2"/>
+                </a:solidFill>
+                <a:effectLst/>
+                <a:latin typeface="Consolas" panose="020B0609020204030204" pitchFamily="49" charset="0"/>
+              </a:rPr>
+              <a:t>) {</a:t>
+            </a:r>
+          </a:p>
+          <a:p>
+            <a:endParaRPr lang="pt-BR" sz="1100" dirty="0"/>
+          </a:p>
+          <a:p>
+            <a:endParaRPr lang="pt-BR" dirty="0"/>
+          </a:p>
+        </p:txBody>
+      </p:sp>
+      <p:sp>
+        <p:nvSpPr>
+          <p:cNvPr id="44" name="CaixaDeTexto 43">
+            <a:extLst>
+              <a:ext uri="{FF2B5EF4-FFF2-40B4-BE49-F238E27FC236}">
+                <a16:creationId xmlns:a16="http://schemas.microsoft.com/office/drawing/2014/main" id="{51D76FB2-1BBA-488E-82C2-4CA378660C72}"/>
+              </a:ext>
+            </a:extLst>
+          </p:cNvPr>
+          <p:cNvSpPr txBox="1"/>
+          <p:nvPr/>
+        </p:nvSpPr>
+        <p:spPr>
+          <a:xfrm>
+            <a:off x="533918" y="319541"/>
+            <a:ext cx="940442" cy="307777"/>
+          </a:xfrm>
+          <a:prstGeom prst="rect">
+            <a:avLst/>
+          </a:prstGeom>
+          <a:noFill/>
+        </p:spPr>
+        <p:txBody>
+          <a:bodyPr wrap="square" rtlCol="0">
+            <a:spAutoFit/>
+          </a:bodyPr>
+          <a:lstStyle/>
+          <a:p>
+            <a:r>
+              <a:rPr lang="pt-BR" sz="1400" dirty="0">
+                <a:highlight>
+                  <a:srgbClr val="FFFF00"/>
+                </a:highlight>
+              </a:rPr>
+              <a:t>Front-</a:t>
+            </a:r>
+            <a:r>
+              <a:rPr lang="pt-BR" sz="1400" dirty="0" err="1">
+                <a:highlight>
+                  <a:srgbClr val="FFFF00"/>
+                </a:highlight>
+              </a:rPr>
+              <a:t>End</a:t>
+            </a:r>
+            <a:endParaRPr lang="pt-BR" sz="1400" dirty="0">
+              <a:highlight>
+                <a:srgbClr val="FFFF00"/>
+              </a:highlight>
+            </a:endParaRPr>
+          </a:p>
+        </p:txBody>
+      </p:sp>
+      <p:sp>
+        <p:nvSpPr>
+          <p:cNvPr id="45" name="CaixaDeTexto 44">
+            <a:extLst>
+              <a:ext uri="{FF2B5EF4-FFF2-40B4-BE49-F238E27FC236}">
+                <a16:creationId xmlns:a16="http://schemas.microsoft.com/office/drawing/2014/main" id="{C38F95CA-E91E-4185-80F4-01D669FE71A2}"/>
+              </a:ext>
+            </a:extLst>
+          </p:cNvPr>
+          <p:cNvSpPr txBox="1"/>
+          <p:nvPr/>
+        </p:nvSpPr>
+        <p:spPr>
+          <a:xfrm>
+            <a:off x="2073632" y="4880763"/>
+            <a:ext cx="4688699" cy="1569660"/>
+          </a:xfrm>
+          <a:prstGeom prst="rect">
+            <a:avLst/>
+          </a:prstGeom>
+          <a:noFill/>
+        </p:spPr>
+        <p:txBody>
+          <a:bodyPr wrap="square" rtlCol="0">
+            <a:spAutoFit/>
+          </a:bodyPr>
+          <a:lstStyle/>
+          <a:p>
+            <a:r>
+              <a:rPr lang="pt-BR" sz="1100" b="0" dirty="0">
+                <a:solidFill>
+                  <a:srgbClr val="F8F8F2"/>
+                </a:solidFill>
+                <a:effectLst/>
+                <a:latin typeface="Consolas" panose="020B0609020204030204" pitchFamily="49" charset="0"/>
+              </a:rPr>
+              <a:t>o Serviço retorna um </a:t>
+            </a:r>
+            <a:r>
+              <a:rPr lang="pt-BR" sz="1100" b="0" dirty="0" err="1">
+                <a:solidFill>
+                  <a:srgbClr val="F8F8F2"/>
+                </a:solidFill>
+                <a:effectLst/>
+                <a:latin typeface="Consolas" panose="020B0609020204030204" pitchFamily="49" charset="0"/>
+              </a:rPr>
+              <a:t>Promessi</a:t>
+            </a:r>
+            <a:r>
+              <a:rPr lang="pt-BR" sz="1100" b="0" dirty="0">
+                <a:solidFill>
+                  <a:srgbClr val="F8F8F2"/>
+                </a:solidFill>
+                <a:effectLst/>
+                <a:latin typeface="Consolas" panose="020B0609020204030204" pitchFamily="49" charset="0"/>
+              </a:rPr>
+              <a:t>, o Serviço </a:t>
+            </a:r>
+            <a:r>
+              <a:rPr lang="pt-BR" sz="1100" b="0" dirty="0">
+                <a:solidFill>
+                  <a:srgbClr val="F92672"/>
+                </a:solidFill>
+                <a:effectLst/>
+                <a:latin typeface="Consolas" panose="020B0609020204030204" pitchFamily="49" charset="0"/>
+              </a:rPr>
+              <a:t>do</a:t>
+            </a:r>
+            <a:r>
+              <a:rPr lang="pt-BR" sz="1100" b="0" dirty="0">
+                <a:solidFill>
+                  <a:srgbClr val="F8F8F2"/>
+                </a:solidFill>
+                <a:effectLst/>
+                <a:latin typeface="Consolas" panose="020B0609020204030204" pitchFamily="49" charset="0"/>
+              </a:rPr>
+              <a:t> </a:t>
+            </a:r>
+            <a:r>
+              <a:rPr lang="pt-BR" sz="1100" b="0" dirty="0" err="1">
+                <a:solidFill>
+                  <a:srgbClr val="A6E22E"/>
+                </a:solidFill>
+                <a:effectLst/>
+                <a:latin typeface="Consolas" panose="020B0609020204030204" pitchFamily="49" charset="0"/>
+              </a:rPr>
+              <a:t>AngularJS</a:t>
+            </a:r>
+            <a:r>
+              <a:rPr lang="pt-BR" sz="1100" b="0" dirty="0">
+                <a:solidFill>
+                  <a:srgbClr val="F8F8F2"/>
+                </a:solidFill>
+                <a:effectLst/>
+                <a:latin typeface="Consolas" panose="020B0609020204030204" pitchFamily="49" charset="0"/>
+              </a:rPr>
+              <a:t> ( $q) permiti criar uma </a:t>
+            </a:r>
+            <a:r>
+              <a:rPr lang="pt-BR" sz="1100" b="0" dirty="0" err="1">
+                <a:solidFill>
+                  <a:srgbClr val="F8F8F2"/>
+                </a:solidFill>
+                <a:effectLst/>
+                <a:latin typeface="Consolas" panose="020B0609020204030204" pitchFamily="49" charset="0"/>
+              </a:rPr>
+              <a:t>Promessi</a:t>
+            </a:r>
+            <a:r>
+              <a:rPr lang="pt-BR" sz="1100" b="0" dirty="0">
+                <a:solidFill>
+                  <a:srgbClr val="F8F8F2"/>
+                </a:solidFill>
+                <a:effectLst/>
+                <a:latin typeface="Consolas" panose="020B0609020204030204" pitchFamily="49" charset="0"/>
+              </a:rPr>
+              <a:t>.</a:t>
+            </a:r>
+          </a:p>
+          <a:p>
+            <a:r>
+              <a:rPr lang="pt-BR" sz="1100" dirty="0">
+                <a:solidFill>
+                  <a:srgbClr val="F8F8F2"/>
+                </a:solidFill>
+                <a:latin typeface="Consolas" panose="020B0609020204030204" pitchFamily="49" charset="0"/>
+              </a:rPr>
+              <a:t> </a:t>
+            </a:r>
+            <a:endParaRPr lang="pt-BR" sz="1100" b="0" dirty="0">
+              <a:solidFill>
+                <a:srgbClr val="F8F8F2"/>
+              </a:solidFill>
+              <a:effectLst/>
+              <a:latin typeface="Consolas" panose="020B0609020204030204" pitchFamily="49" charset="0"/>
+            </a:endParaRPr>
+          </a:p>
+          <a:p>
+            <a:r>
+              <a:rPr lang="pt-BR" b="0" dirty="0">
+                <a:solidFill>
+                  <a:srgbClr val="F8F8F2"/>
+                </a:solidFill>
+                <a:effectLst/>
+                <a:latin typeface="Consolas" panose="020B0609020204030204" pitchFamily="49" charset="0"/>
+              </a:rPr>
+              <a:t> </a:t>
+            </a:r>
+            <a:r>
+              <a:rPr lang="pt-BR" sz="900" b="0" dirty="0">
+                <a:solidFill>
+                  <a:srgbClr val="F8F8F2"/>
+                </a:solidFill>
+                <a:effectLst/>
+                <a:latin typeface="Consolas" panose="020B0609020204030204" pitchFamily="49" charset="0"/>
+              </a:rPr>
+              <a:t>   .</a:t>
+            </a:r>
+            <a:r>
+              <a:rPr lang="pt-BR" sz="900" b="0" dirty="0" err="1">
+                <a:solidFill>
+                  <a:srgbClr val="A6E22E"/>
+                </a:solidFill>
+                <a:effectLst/>
+                <a:latin typeface="Consolas" panose="020B0609020204030204" pitchFamily="49" charset="0"/>
+              </a:rPr>
+              <a:t>factory</a:t>
+            </a:r>
+            <a:r>
+              <a:rPr lang="pt-BR" sz="900" b="0" dirty="0">
+                <a:solidFill>
+                  <a:srgbClr val="F8F8F2"/>
+                </a:solidFill>
+                <a:effectLst/>
+                <a:latin typeface="Consolas" panose="020B0609020204030204" pitchFamily="49" charset="0"/>
+              </a:rPr>
+              <a:t>(</a:t>
+            </a:r>
+            <a:r>
+              <a:rPr lang="pt-BR" sz="900" b="0" dirty="0">
+                <a:solidFill>
+                  <a:srgbClr val="E6DB74"/>
+                </a:solidFill>
+                <a:effectLst/>
+                <a:latin typeface="Consolas" panose="020B0609020204030204" pitchFamily="49" charset="0"/>
+              </a:rPr>
+              <a:t>"</a:t>
+            </a:r>
+            <a:r>
+              <a:rPr lang="pt-BR" sz="900" b="0" dirty="0" err="1">
+                <a:solidFill>
+                  <a:srgbClr val="E6DB74"/>
+                </a:solidFill>
+                <a:effectLst/>
+                <a:latin typeface="Consolas" panose="020B0609020204030204" pitchFamily="49" charset="0"/>
+              </a:rPr>
+              <a:t>cadastroDeFotos</a:t>
+            </a:r>
+            <a:r>
+              <a:rPr lang="pt-BR" sz="900" b="0" dirty="0">
+                <a:solidFill>
+                  <a:srgbClr val="E6DB74"/>
+                </a:solidFill>
+                <a:effectLst/>
+                <a:latin typeface="Consolas" panose="020B0609020204030204" pitchFamily="49" charset="0"/>
+              </a:rPr>
+              <a:t>"</a:t>
+            </a:r>
+            <a:r>
+              <a:rPr lang="pt-BR" sz="900" b="0" dirty="0">
+                <a:solidFill>
+                  <a:srgbClr val="F8F8F2"/>
+                </a:solidFill>
+                <a:effectLst/>
+                <a:latin typeface="Consolas" panose="020B0609020204030204" pitchFamily="49" charset="0"/>
+              </a:rPr>
+              <a:t>, </a:t>
+            </a:r>
+            <a:r>
+              <a:rPr lang="pt-BR" sz="900" b="0" i="1" dirty="0" err="1">
+                <a:solidFill>
+                  <a:srgbClr val="66D9EF"/>
+                </a:solidFill>
+                <a:effectLst/>
+                <a:latin typeface="Consolas" panose="020B0609020204030204" pitchFamily="49" charset="0"/>
+              </a:rPr>
+              <a:t>function</a:t>
+            </a:r>
+            <a:r>
+              <a:rPr lang="pt-BR" sz="900" b="0" dirty="0">
+                <a:solidFill>
+                  <a:srgbClr val="F8F8F2"/>
+                </a:solidFill>
+                <a:effectLst/>
+                <a:latin typeface="Consolas" panose="020B0609020204030204" pitchFamily="49" charset="0"/>
+              </a:rPr>
+              <a:t>(</a:t>
+            </a:r>
+            <a:r>
+              <a:rPr lang="pt-BR" sz="900" b="0" i="1" dirty="0" err="1">
+                <a:solidFill>
+                  <a:srgbClr val="FD971F"/>
+                </a:solidFill>
+                <a:effectLst/>
+                <a:latin typeface="Consolas" panose="020B0609020204030204" pitchFamily="49" charset="0"/>
+              </a:rPr>
+              <a:t>recursoFoto</a:t>
+            </a:r>
+            <a:r>
+              <a:rPr lang="pt-BR" sz="900" b="0" dirty="0">
+                <a:solidFill>
+                  <a:srgbClr val="F8F8F2"/>
+                </a:solidFill>
+                <a:effectLst/>
+                <a:latin typeface="Consolas" panose="020B0609020204030204" pitchFamily="49" charset="0"/>
+              </a:rPr>
+              <a:t>, </a:t>
+            </a:r>
+            <a:r>
+              <a:rPr lang="pt-BR" sz="900" b="0" i="1" dirty="0">
+                <a:solidFill>
+                  <a:srgbClr val="FD971F"/>
+                </a:solidFill>
+                <a:effectLst/>
+                <a:latin typeface="Consolas" panose="020B0609020204030204" pitchFamily="49" charset="0"/>
+              </a:rPr>
+              <a:t>$q</a:t>
+            </a:r>
+            <a:r>
+              <a:rPr lang="pt-BR" sz="900" b="0" dirty="0">
+                <a:solidFill>
+                  <a:srgbClr val="F8F8F2"/>
+                </a:solidFill>
+                <a:effectLst/>
+                <a:latin typeface="Consolas" panose="020B0609020204030204" pitchFamily="49" charset="0"/>
+              </a:rPr>
+              <a:t>) {</a:t>
+            </a:r>
+            <a:r>
+              <a:rPr lang="pt-BR" sz="900" b="0" dirty="0">
+                <a:solidFill>
+                  <a:srgbClr val="88846F"/>
+                </a:solidFill>
+                <a:effectLst/>
+                <a:latin typeface="Consolas" panose="020B0609020204030204" pitchFamily="49" charset="0"/>
+              </a:rPr>
+              <a:t> </a:t>
+            </a:r>
+            <a:endParaRPr lang="pt-BR" sz="900" b="0" dirty="0">
+              <a:solidFill>
+                <a:srgbClr val="F8F8F2"/>
+              </a:solidFill>
+              <a:effectLst/>
+              <a:latin typeface="Consolas" panose="020B0609020204030204" pitchFamily="49" charset="0"/>
+            </a:endParaRPr>
+          </a:p>
+          <a:p>
+            <a:r>
+              <a:rPr lang="pt-BR" sz="900" b="0" dirty="0">
+                <a:solidFill>
+                  <a:srgbClr val="F8F8F2"/>
+                </a:solidFill>
+                <a:effectLst/>
+                <a:latin typeface="Consolas" panose="020B0609020204030204" pitchFamily="49" charset="0"/>
+              </a:rPr>
+              <a:t>        </a:t>
+            </a:r>
+            <a:r>
+              <a:rPr lang="pt-BR" sz="900" b="0" i="1" dirty="0">
+                <a:solidFill>
+                  <a:srgbClr val="66D9EF"/>
+                </a:solidFill>
+                <a:effectLst/>
+                <a:latin typeface="Consolas" panose="020B0609020204030204" pitchFamily="49" charset="0"/>
+              </a:rPr>
+              <a:t>var</a:t>
+            </a:r>
+            <a:r>
+              <a:rPr lang="pt-BR" sz="900" b="0" dirty="0">
+                <a:solidFill>
+                  <a:srgbClr val="F8F8F2"/>
+                </a:solidFill>
+                <a:effectLst/>
+                <a:latin typeface="Consolas" panose="020B0609020204030204" pitchFamily="49" charset="0"/>
+              </a:rPr>
+              <a:t> </a:t>
+            </a:r>
+            <a:r>
+              <a:rPr lang="pt-BR" sz="900" b="0" dirty="0" err="1">
+                <a:solidFill>
+                  <a:srgbClr val="F8F8F2"/>
+                </a:solidFill>
+                <a:effectLst/>
+                <a:latin typeface="Consolas" panose="020B0609020204030204" pitchFamily="49" charset="0"/>
+              </a:rPr>
+              <a:t>service</a:t>
+            </a:r>
+            <a:r>
+              <a:rPr lang="pt-BR" sz="900" b="0" dirty="0">
+                <a:solidFill>
+                  <a:srgbClr val="F8F8F2"/>
+                </a:solidFill>
+                <a:effectLst/>
+                <a:latin typeface="Consolas" panose="020B0609020204030204" pitchFamily="49" charset="0"/>
+              </a:rPr>
+              <a:t> </a:t>
+            </a:r>
+            <a:r>
+              <a:rPr lang="pt-BR" sz="900" b="0" dirty="0">
+                <a:solidFill>
+                  <a:srgbClr val="F92672"/>
+                </a:solidFill>
+                <a:effectLst/>
+                <a:latin typeface="Consolas" panose="020B0609020204030204" pitchFamily="49" charset="0"/>
+              </a:rPr>
+              <a:t>=</a:t>
+            </a:r>
+            <a:r>
+              <a:rPr lang="pt-BR" sz="900" b="0" dirty="0">
+                <a:solidFill>
+                  <a:srgbClr val="F8F8F2"/>
+                </a:solidFill>
+                <a:effectLst/>
+                <a:latin typeface="Consolas" panose="020B0609020204030204" pitchFamily="49" charset="0"/>
+              </a:rPr>
+              <a:t> {};                                   </a:t>
+            </a:r>
+          </a:p>
+          <a:p>
+            <a:r>
+              <a:rPr lang="pt-BR" sz="900" b="0" dirty="0">
+                <a:solidFill>
+                  <a:srgbClr val="F8F8F2"/>
+                </a:solidFill>
+                <a:effectLst/>
+                <a:latin typeface="Consolas" panose="020B0609020204030204" pitchFamily="49" charset="0"/>
+              </a:rPr>
+              <a:t>        </a:t>
+            </a:r>
+            <a:r>
+              <a:rPr lang="pt-BR" sz="900" b="0" dirty="0" err="1">
+                <a:solidFill>
+                  <a:srgbClr val="F8F8F2"/>
+                </a:solidFill>
+                <a:effectLst/>
+                <a:latin typeface="Consolas" panose="020B0609020204030204" pitchFamily="49" charset="0"/>
+              </a:rPr>
+              <a:t>service.</a:t>
+            </a:r>
+            <a:r>
+              <a:rPr lang="pt-BR" sz="900" b="0" dirty="0" err="1">
+                <a:solidFill>
+                  <a:srgbClr val="A6E22E"/>
+                </a:solidFill>
+                <a:effectLst/>
+                <a:latin typeface="Consolas" panose="020B0609020204030204" pitchFamily="49" charset="0"/>
+              </a:rPr>
+              <a:t>cadastrar</a:t>
+            </a:r>
+            <a:r>
+              <a:rPr lang="pt-BR" sz="900" b="0" dirty="0">
+                <a:solidFill>
+                  <a:srgbClr val="F8F8F2"/>
+                </a:solidFill>
+                <a:effectLst/>
+                <a:latin typeface="Consolas" panose="020B0609020204030204" pitchFamily="49" charset="0"/>
+              </a:rPr>
+              <a:t> </a:t>
+            </a:r>
+            <a:r>
+              <a:rPr lang="pt-BR" sz="900" b="0" dirty="0">
+                <a:solidFill>
+                  <a:srgbClr val="F92672"/>
+                </a:solidFill>
+                <a:effectLst/>
+                <a:latin typeface="Consolas" panose="020B0609020204030204" pitchFamily="49" charset="0"/>
+              </a:rPr>
+              <a:t>=</a:t>
+            </a:r>
+            <a:r>
+              <a:rPr lang="pt-BR" sz="900" b="0" dirty="0">
+                <a:solidFill>
+                  <a:srgbClr val="F8F8F2"/>
+                </a:solidFill>
+                <a:effectLst/>
+                <a:latin typeface="Consolas" panose="020B0609020204030204" pitchFamily="49" charset="0"/>
+              </a:rPr>
+              <a:t> </a:t>
+            </a:r>
+            <a:r>
+              <a:rPr lang="pt-BR" sz="900" b="0" i="1" dirty="0" err="1">
+                <a:solidFill>
+                  <a:srgbClr val="66D9EF"/>
+                </a:solidFill>
+                <a:effectLst/>
+                <a:latin typeface="Consolas" panose="020B0609020204030204" pitchFamily="49" charset="0"/>
+              </a:rPr>
+              <a:t>function</a:t>
+            </a:r>
+            <a:r>
+              <a:rPr lang="pt-BR" sz="900" b="0" dirty="0">
+                <a:solidFill>
+                  <a:srgbClr val="F8F8F2"/>
+                </a:solidFill>
+                <a:effectLst/>
+                <a:latin typeface="Consolas" panose="020B0609020204030204" pitchFamily="49" charset="0"/>
+              </a:rPr>
+              <a:t>(</a:t>
+            </a:r>
+            <a:r>
+              <a:rPr lang="pt-BR" sz="900" b="0" i="1" dirty="0">
+                <a:solidFill>
+                  <a:srgbClr val="FD971F"/>
+                </a:solidFill>
+                <a:effectLst/>
+                <a:latin typeface="Consolas" panose="020B0609020204030204" pitchFamily="49" charset="0"/>
+              </a:rPr>
+              <a:t>foto</a:t>
+            </a:r>
+            <a:r>
+              <a:rPr lang="pt-BR" sz="900" b="0" dirty="0">
+                <a:solidFill>
+                  <a:srgbClr val="F8F8F2"/>
+                </a:solidFill>
+                <a:effectLst/>
+                <a:latin typeface="Consolas" panose="020B0609020204030204" pitchFamily="49" charset="0"/>
+              </a:rPr>
+              <a:t>) {</a:t>
+            </a:r>
+          </a:p>
+          <a:p>
+            <a:r>
+              <a:rPr lang="pt-BR" sz="900" b="0" dirty="0">
+                <a:solidFill>
+                  <a:srgbClr val="F8F8F2"/>
+                </a:solidFill>
+                <a:effectLst/>
+                <a:latin typeface="Consolas" panose="020B0609020204030204" pitchFamily="49" charset="0"/>
+              </a:rPr>
+              <a:t>            </a:t>
+            </a:r>
+            <a:r>
+              <a:rPr lang="pt-BR" sz="900" b="0" dirty="0" err="1">
+                <a:solidFill>
+                  <a:srgbClr val="F92672"/>
+                </a:solidFill>
+                <a:effectLst/>
+                <a:latin typeface="Consolas" panose="020B0609020204030204" pitchFamily="49" charset="0"/>
+              </a:rPr>
+              <a:t>return</a:t>
+            </a:r>
+            <a:r>
+              <a:rPr lang="pt-BR" sz="900" b="0" dirty="0">
+                <a:solidFill>
+                  <a:srgbClr val="F8F8F2"/>
+                </a:solidFill>
+                <a:effectLst/>
+                <a:latin typeface="Consolas" panose="020B0609020204030204" pitchFamily="49" charset="0"/>
+              </a:rPr>
+              <a:t> </a:t>
+            </a:r>
+            <a:r>
+              <a:rPr lang="pt-BR" sz="900" b="0" dirty="0">
+                <a:solidFill>
+                  <a:srgbClr val="A6E22E"/>
+                </a:solidFill>
+                <a:effectLst/>
+                <a:latin typeface="Consolas" panose="020B0609020204030204" pitchFamily="49" charset="0"/>
+              </a:rPr>
+              <a:t>$q</a:t>
+            </a:r>
+            <a:r>
+              <a:rPr lang="pt-BR" sz="900" b="0" dirty="0">
+                <a:solidFill>
+                  <a:srgbClr val="F8F8F2"/>
+                </a:solidFill>
+                <a:effectLst/>
+                <a:latin typeface="Consolas" panose="020B0609020204030204" pitchFamily="49" charset="0"/>
+              </a:rPr>
+              <a:t>(</a:t>
+            </a:r>
+            <a:r>
+              <a:rPr lang="pt-BR" sz="900" b="0" i="1" dirty="0" err="1">
+                <a:solidFill>
+                  <a:srgbClr val="66D9EF"/>
+                </a:solidFill>
+                <a:effectLst/>
+                <a:latin typeface="Consolas" panose="020B0609020204030204" pitchFamily="49" charset="0"/>
+              </a:rPr>
+              <a:t>function</a:t>
+            </a:r>
+            <a:r>
+              <a:rPr lang="pt-BR" sz="900" b="0" dirty="0">
+                <a:solidFill>
+                  <a:srgbClr val="F8F8F2"/>
+                </a:solidFill>
+                <a:effectLst/>
+                <a:latin typeface="Consolas" panose="020B0609020204030204" pitchFamily="49" charset="0"/>
+              </a:rPr>
+              <a:t>(</a:t>
+            </a:r>
+            <a:r>
+              <a:rPr lang="pt-BR" sz="900" b="0" i="1" dirty="0">
+                <a:solidFill>
+                  <a:srgbClr val="FD971F"/>
+                </a:solidFill>
+                <a:effectLst/>
+                <a:latin typeface="Consolas" panose="020B0609020204030204" pitchFamily="49" charset="0"/>
+              </a:rPr>
+              <a:t>resolve</a:t>
+            </a:r>
+            <a:r>
+              <a:rPr lang="pt-BR" sz="900" b="0" dirty="0">
+                <a:solidFill>
+                  <a:srgbClr val="F8F8F2"/>
+                </a:solidFill>
+                <a:effectLst/>
+                <a:latin typeface="Consolas" panose="020B0609020204030204" pitchFamily="49" charset="0"/>
+              </a:rPr>
+              <a:t>, </a:t>
+            </a:r>
+            <a:r>
+              <a:rPr lang="pt-BR" sz="900" b="0" i="1" dirty="0" err="1">
+                <a:solidFill>
+                  <a:srgbClr val="FD971F"/>
+                </a:solidFill>
+                <a:effectLst/>
+                <a:latin typeface="Consolas" panose="020B0609020204030204" pitchFamily="49" charset="0"/>
+              </a:rPr>
+              <a:t>reject</a:t>
+            </a:r>
+            <a:r>
+              <a:rPr lang="pt-BR" sz="900" b="0" dirty="0">
+                <a:solidFill>
+                  <a:srgbClr val="F8F8F2"/>
+                </a:solidFill>
+                <a:effectLst/>
+                <a:latin typeface="Consolas" panose="020B0609020204030204" pitchFamily="49" charset="0"/>
+              </a:rPr>
+              <a:t>) {</a:t>
+            </a:r>
+          </a:p>
+          <a:p>
+            <a:r>
+              <a:rPr lang="pt-BR" dirty="0"/>
+              <a:t>	</a:t>
+            </a:r>
+          </a:p>
+        </p:txBody>
+      </p:sp>
+      <p:sp>
+        <p:nvSpPr>
+          <p:cNvPr id="47" name="CaixaDeTexto 46">
+            <a:extLst>
+              <a:ext uri="{FF2B5EF4-FFF2-40B4-BE49-F238E27FC236}">
+                <a16:creationId xmlns:a16="http://schemas.microsoft.com/office/drawing/2014/main" id="{4024472A-E797-4C83-975A-1F0E6AB03975}"/>
+              </a:ext>
+            </a:extLst>
+          </p:cNvPr>
+          <p:cNvSpPr txBox="1"/>
+          <p:nvPr/>
+        </p:nvSpPr>
+        <p:spPr>
+          <a:xfrm>
+            <a:off x="6655459" y="4286190"/>
+            <a:ext cx="5254647" cy="2246769"/>
+          </a:xfrm>
+          <a:prstGeom prst="rect">
+            <a:avLst/>
+          </a:prstGeom>
+          <a:noFill/>
+        </p:spPr>
+        <p:txBody>
+          <a:bodyPr wrap="square">
+            <a:spAutoFit/>
+          </a:bodyPr>
+          <a:lstStyle/>
+          <a:p>
+            <a:r>
+              <a:rPr lang="pt-BR" sz="1000" b="0" dirty="0">
+                <a:solidFill>
+                  <a:srgbClr val="F8F8F2"/>
+                </a:solidFill>
+                <a:effectLst/>
+                <a:latin typeface="Consolas" panose="020B0609020204030204" pitchFamily="49" charset="0"/>
+              </a:rPr>
+              <a:t>-- Uso do Service:</a:t>
+            </a:r>
+          </a:p>
+          <a:p>
+            <a:r>
+              <a:rPr lang="pt-BR" sz="1000" b="0" dirty="0">
+                <a:solidFill>
+                  <a:srgbClr val="F8F8F2"/>
+                </a:solidFill>
+                <a:effectLst/>
+                <a:latin typeface="Consolas" panose="020B0609020204030204" pitchFamily="49" charset="0"/>
+              </a:rPr>
+              <a:t>        </a:t>
+            </a:r>
+            <a:r>
+              <a:rPr lang="pt-BR" sz="1000" b="0" i="1" dirty="0">
+                <a:solidFill>
+                  <a:srgbClr val="FD971F"/>
+                </a:solidFill>
+                <a:effectLst/>
+                <a:latin typeface="Consolas" panose="020B0609020204030204" pitchFamily="49" charset="0"/>
+              </a:rPr>
+              <a:t>$</a:t>
+            </a:r>
+            <a:r>
+              <a:rPr lang="pt-BR" sz="1000" b="0" i="1" dirty="0" err="1">
+                <a:solidFill>
+                  <a:srgbClr val="FD971F"/>
+                </a:solidFill>
+                <a:effectLst/>
+                <a:latin typeface="Consolas" panose="020B0609020204030204" pitchFamily="49" charset="0"/>
+              </a:rPr>
+              <a:t>scope</a:t>
+            </a:r>
+            <a:r>
+              <a:rPr lang="pt-BR" sz="1000" b="0" dirty="0" err="1">
+                <a:solidFill>
+                  <a:srgbClr val="F8F8F2"/>
+                </a:solidFill>
+                <a:effectLst/>
+                <a:latin typeface="Consolas" panose="020B0609020204030204" pitchFamily="49" charset="0"/>
+              </a:rPr>
+              <a:t>.</a:t>
+            </a:r>
+            <a:r>
+              <a:rPr lang="pt-BR" sz="1000" b="0" dirty="0" err="1">
+                <a:solidFill>
+                  <a:srgbClr val="A6E22E"/>
+                </a:solidFill>
+                <a:effectLst/>
+                <a:latin typeface="Consolas" panose="020B0609020204030204" pitchFamily="49" charset="0"/>
+              </a:rPr>
+              <a:t>submeter</a:t>
+            </a:r>
+            <a:r>
+              <a:rPr lang="pt-BR" sz="1000" b="0" dirty="0">
+                <a:solidFill>
+                  <a:srgbClr val="F8F8F2"/>
+                </a:solidFill>
+                <a:effectLst/>
+                <a:latin typeface="Consolas" panose="020B0609020204030204" pitchFamily="49" charset="0"/>
+              </a:rPr>
+              <a:t> </a:t>
+            </a:r>
+            <a:r>
+              <a:rPr lang="pt-BR" sz="1000" b="0" dirty="0">
+                <a:solidFill>
+                  <a:srgbClr val="F92672"/>
+                </a:solidFill>
+                <a:effectLst/>
+                <a:latin typeface="Consolas" panose="020B0609020204030204" pitchFamily="49" charset="0"/>
+              </a:rPr>
+              <a:t>=</a:t>
+            </a:r>
+            <a:r>
+              <a:rPr lang="pt-BR" sz="1000" b="0" dirty="0">
+                <a:solidFill>
+                  <a:srgbClr val="F8F8F2"/>
+                </a:solidFill>
+                <a:effectLst/>
+                <a:latin typeface="Consolas" panose="020B0609020204030204" pitchFamily="49" charset="0"/>
+              </a:rPr>
+              <a:t> </a:t>
+            </a:r>
+            <a:r>
+              <a:rPr lang="pt-BR" sz="1000" b="0" i="1" dirty="0" err="1">
+                <a:solidFill>
+                  <a:srgbClr val="66D9EF"/>
+                </a:solidFill>
+                <a:effectLst/>
+                <a:latin typeface="Consolas" panose="020B0609020204030204" pitchFamily="49" charset="0"/>
+              </a:rPr>
+              <a:t>function</a:t>
+            </a:r>
+            <a:r>
+              <a:rPr lang="pt-BR" sz="1000" b="0" dirty="0">
+                <a:solidFill>
+                  <a:srgbClr val="F8F8F2"/>
+                </a:solidFill>
+                <a:effectLst/>
+                <a:latin typeface="Consolas" panose="020B0609020204030204" pitchFamily="49" charset="0"/>
+              </a:rPr>
+              <a:t>() {</a:t>
+            </a:r>
+          </a:p>
+          <a:p>
+            <a:r>
+              <a:rPr lang="pt-BR" sz="1000" b="0" dirty="0">
+                <a:solidFill>
+                  <a:srgbClr val="F8F8F2"/>
+                </a:solidFill>
+                <a:effectLst/>
+                <a:latin typeface="Consolas" panose="020B0609020204030204" pitchFamily="49" charset="0"/>
+              </a:rPr>
+              <a:t>            </a:t>
+            </a:r>
+            <a:r>
+              <a:rPr lang="pt-BR" sz="1000" b="0" dirty="0" err="1">
+                <a:solidFill>
+                  <a:srgbClr val="F92672"/>
+                </a:solidFill>
+                <a:effectLst/>
+                <a:latin typeface="Consolas" panose="020B0609020204030204" pitchFamily="49" charset="0"/>
+              </a:rPr>
+              <a:t>if</a:t>
+            </a:r>
+            <a:r>
+              <a:rPr lang="pt-BR" sz="1000" b="0" dirty="0">
+                <a:solidFill>
+                  <a:srgbClr val="F8F8F2"/>
+                </a:solidFill>
+                <a:effectLst/>
+                <a:latin typeface="Consolas" panose="020B0609020204030204" pitchFamily="49" charset="0"/>
+              </a:rPr>
+              <a:t> (</a:t>
+            </a:r>
+            <a:r>
+              <a:rPr lang="pt-BR" sz="1000" b="0" i="1" dirty="0">
+                <a:solidFill>
+                  <a:srgbClr val="FD971F"/>
+                </a:solidFill>
+                <a:effectLst/>
+                <a:latin typeface="Consolas" panose="020B0609020204030204" pitchFamily="49" charset="0"/>
+              </a:rPr>
+              <a:t>$scope</a:t>
+            </a:r>
+            <a:r>
+              <a:rPr lang="pt-BR" sz="1000" b="0" dirty="0">
+                <a:solidFill>
+                  <a:srgbClr val="F8F8F2"/>
+                </a:solidFill>
+                <a:effectLst/>
+                <a:latin typeface="Consolas" panose="020B0609020204030204" pitchFamily="49" charset="0"/>
+              </a:rPr>
+              <a:t>.</a:t>
+            </a:r>
+            <a:r>
+              <a:rPr lang="pt-BR" sz="1000" b="0" dirty="0" err="1">
+                <a:solidFill>
+                  <a:srgbClr val="F8F8F2"/>
+                </a:solidFill>
+                <a:effectLst/>
+                <a:latin typeface="Consolas" panose="020B0609020204030204" pitchFamily="49" charset="0"/>
+              </a:rPr>
+              <a:t>formulario</a:t>
+            </a:r>
+            <a:r>
+              <a:rPr lang="pt-BR" sz="1000" b="0" dirty="0">
+                <a:solidFill>
+                  <a:srgbClr val="F8F8F2"/>
+                </a:solidFill>
+                <a:effectLst/>
+                <a:latin typeface="Consolas" panose="020B0609020204030204" pitchFamily="49" charset="0"/>
+              </a:rPr>
+              <a:t>.$</a:t>
+            </a:r>
+            <a:r>
+              <a:rPr lang="pt-BR" sz="1000" b="0" dirty="0" err="1">
+                <a:solidFill>
+                  <a:srgbClr val="F8F8F2"/>
+                </a:solidFill>
+                <a:effectLst/>
+                <a:latin typeface="Consolas" panose="020B0609020204030204" pitchFamily="49" charset="0"/>
+              </a:rPr>
+              <a:t>valid</a:t>
+            </a:r>
+            <a:r>
+              <a:rPr lang="pt-BR" sz="1000" b="0" dirty="0">
+                <a:solidFill>
+                  <a:srgbClr val="F8F8F2"/>
+                </a:solidFill>
+                <a:effectLst/>
+                <a:latin typeface="Consolas" panose="020B0609020204030204" pitchFamily="49" charset="0"/>
+              </a:rPr>
+              <a:t>) {</a:t>
+            </a:r>
+          </a:p>
+          <a:p>
+            <a:r>
+              <a:rPr lang="pt-BR" sz="1000" b="0" dirty="0">
+                <a:solidFill>
+                  <a:srgbClr val="F8F8F2"/>
+                </a:solidFill>
+                <a:effectLst/>
+                <a:latin typeface="Consolas" panose="020B0609020204030204" pitchFamily="49" charset="0"/>
+              </a:rPr>
+              <a:t>                </a:t>
+            </a:r>
+            <a:r>
+              <a:rPr lang="pt-BR" sz="1000" b="0" i="1" dirty="0" err="1">
+                <a:solidFill>
+                  <a:srgbClr val="FD971F"/>
+                </a:solidFill>
+                <a:effectLst/>
+                <a:latin typeface="Consolas" panose="020B0609020204030204" pitchFamily="49" charset="0"/>
+              </a:rPr>
+              <a:t>cadastroDeFotos</a:t>
+            </a:r>
+            <a:r>
+              <a:rPr lang="pt-BR" sz="1000" b="0" dirty="0" err="1">
+                <a:solidFill>
+                  <a:srgbClr val="F8F8F2"/>
+                </a:solidFill>
+                <a:effectLst/>
+                <a:latin typeface="Consolas" panose="020B0609020204030204" pitchFamily="49" charset="0"/>
+              </a:rPr>
+              <a:t>.</a:t>
+            </a:r>
+            <a:r>
+              <a:rPr lang="pt-BR" sz="1000" b="0" dirty="0" err="1">
+                <a:solidFill>
+                  <a:srgbClr val="A6E22E"/>
+                </a:solidFill>
+                <a:effectLst/>
+                <a:latin typeface="Consolas" panose="020B0609020204030204" pitchFamily="49" charset="0"/>
+              </a:rPr>
+              <a:t>cadastrar</a:t>
+            </a:r>
+            <a:r>
+              <a:rPr lang="pt-BR" sz="1000" b="0" dirty="0">
+                <a:solidFill>
+                  <a:srgbClr val="F8F8F2"/>
+                </a:solidFill>
+                <a:effectLst/>
+                <a:latin typeface="Consolas" panose="020B0609020204030204" pitchFamily="49" charset="0"/>
+              </a:rPr>
+              <a:t>(</a:t>
+            </a:r>
+            <a:r>
+              <a:rPr lang="pt-BR" sz="1000" b="0" i="1" dirty="0">
+                <a:solidFill>
+                  <a:srgbClr val="FD971F"/>
+                </a:solidFill>
+                <a:effectLst/>
+                <a:latin typeface="Consolas" panose="020B0609020204030204" pitchFamily="49" charset="0"/>
+              </a:rPr>
+              <a:t>$</a:t>
+            </a:r>
+            <a:r>
+              <a:rPr lang="pt-BR" sz="1000" b="0" i="1" dirty="0" err="1">
+                <a:solidFill>
+                  <a:srgbClr val="FD971F"/>
+                </a:solidFill>
+                <a:effectLst/>
+                <a:latin typeface="Consolas" panose="020B0609020204030204" pitchFamily="49" charset="0"/>
+              </a:rPr>
+              <a:t>scope</a:t>
+            </a:r>
+            <a:r>
+              <a:rPr lang="pt-BR" sz="1000" b="0" dirty="0" err="1">
+                <a:solidFill>
+                  <a:srgbClr val="F8F8F2"/>
+                </a:solidFill>
+                <a:effectLst/>
+                <a:latin typeface="Consolas" panose="020B0609020204030204" pitchFamily="49" charset="0"/>
+              </a:rPr>
+              <a:t>.foto</a:t>
+            </a:r>
+            <a:r>
+              <a:rPr lang="pt-BR" sz="1000" b="0" dirty="0">
+                <a:solidFill>
+                  <a:srgbClr val="F8F8F2"/>
+                </a:solidFill>
+                <a:effectLst/>
+                <a:latin typeface="Consolas" panose="020B0609020204030204" pitchFamily="49" charset="0"/>
+              </a:rPr>
+              <a:t>)</a:t>
+            </a:r>
+          </a:p>
+          <a:p>
+            <a:r>
+              <a:rPr lang="pt-BR" sz="1000" b="0" dirty="0">
+                <a:solidFill>
+                  <a:srgbClr val="F8F8F2"/>
+                </a:solidFill>
+                <a:effectLst/>
+                <a:latin typeface="Consolas" panose="020B0609020204030204" pitchFamily="49" charset="0"/>
+              </a:rPr>
+              <a:t>                .</a:t>
+            </a:r>
+            <a:r>
+              <a:rPr lang="pt-BR" sz="1000" b="0" dirty="0" err="1">
+                <a:solidFill>
+                  <a:srgbClr val="A6E22E"/>
+                </a:solidFill>
+                <a:effectLst/>
+                <a:latin typeface="Consolas" panose="020B0609020204030204" pitchFamily="49" charset="0"/>
+              </a:rPr>
+              <a:t>then</a:t>
+            </a:r>
+            <a:r>
+              <a:rPr lang="pt-BR" sz="1000" b="0" dirty="0">
+                <a:solidFill>
+                  <a:srgbClr val="F8F8F2"/>
+                </a:solidFill>
+                <a:effectLst/>
+                <a:latin typeface="Consolas" panose="020B0609020204030204" pitchFamily="49" charset="0"/>
+              </a:rPr>
+              <a:t>(</a:t>
+            </a:r>
+            <a:r>
+              <a:rPr lang="pt-BR" sz="1000" b="0" i="1" dirty="0" err="1">
+                <a:solidFill>
+                  <a:srgbClr val="66D9EF"/>
+                </a:solidFill>
+                <a:effectLst/>
+                <a:latin typeface="Consolas" panose="020B0609020204030204" pitchFamily="49" charset="0"/>
+              </a:rPr>
+              <a:t>function</a:t>
+            </a:r>
+            <a:r>
+              <a:rPr lang="pt-BR" sz="1000" b="0" dirty="0">
+                <a:solidFill>
+                  <a:srgbClr val="F8F8F2"/>
+                </a:solidFill>
+                <a:effectLst/>
+                <a:latin typeface="Consolas" panose="020B0609020204030204" pitchFamily="49" charset="0"/>
+              </a:rPr>
+              <a:t>(</a:t>
+            </a:r>
+            <a:r>
+              <a:rPr lang="pt-BR" sz="1000" b="0" i="1" dirty="0">
+                <a:solidFill>
+                  <a:srgbClr val="FD971F"/>
+                </a:solidFill>
+                <a:effectLst/>
+                <a:latin typeface="Consolas" panose="020B0609020204030204" pitchFamily="49" charset="0"/>
+              </a:rPr>
+              <a:t>dados</a:t>
+            </a:r>
+            <a:r>
+              <a:rPr lang="pt-BR" sz="1000" b="0" dirty="0">
+                <a:solidFill>
+                  <a:srgbClr val="F8F8F2"/>
+                </a:solidFill>
+                <a:effectLst/>
+                <a:latin typeface="Consolas" panose="020B0609020204030204" pitchFamily="49" charset="0"/>
+              </a:rPr>
+              <a:t>) {</a:t>
+            </a:r>
+          </a:p>
+          <a:p>
+            <a:r>
+              <a:rPr lang="pt-BR" sz="1000" b="0" dirty="0">
+                <a:solidFill>
+                  <a:srgbClr val="F8F8F2"/>
+                </a:solidFill>
+                <a:effectLst/>
+                <a:latin typeface="Consolas" panose="020B0609020204030204" pitchFamily="49" charset="0"/>
+              </a:rPr>
+              <a:t>                    </a:t>
+            </a:r>
+            <a:r>
+              <a:rPr lang="pt-BR" sz="1000" b="0" i="1" dirty="0">
+                <a:solidFill>
+                  <a:srgbClr val="FD971F"/>
+                </a:solidFill>
+                <a:effectLst/>
+                <a:latin typeface="Consolas" panose="020B0609020204030204" pitchFamily="49" charset="0"/>
+              </a:rPr>
+              <a:t>$</a:t>
+            </a:r>
+            <a:r>
+              <a:rPr lang="pt-BR" sz="1000" b="0" i="1" dirty="0" err="1">
+                <a:solidFill>
+                  <a:srgbClr val="FD971F"/>
+                </a:solidFill>
+                <a:effectLst/>
+                <a:latin typeface="Consolas" panose="020B0609020204030204" pitchFamily="49" charset="0"/>
+              </a:rPr>
+              <a:t>scope</a:t>
+            </a:r>
+            <a:r>
+              <a:rPr lang="pt-BR" sz="1000" b="0" dirty="0" err="1">
+                <a:solidFill>
+                  <a:srgbClr val="F8F8F2"/>
+                </a:solidFill>
+                <a:effectLst/>
+                <a:latin typeface="Consolas" panose="020B0609020204030204" pitchFamily="49" charset="0"/>
+              </a:rPr>
+              <a:t>.mensagem</a:t>
+            </a:r>
+            <a:r>
+              <a:rPr lang="pt-BR" sz="1000" b="0" dirty="0">
+                <a:solidFill>
+                  <a:srgbClr val="F8F8F2"/>
+                </a:solidFill>
+                <a:effectLst/>
+                <a:latin typeface="Consolas" panose="020B0609020204030204" pitchFamily="49" charset="0"/>
+              </a:rPr>
+              <a:t> </a:t>
+            </a:r>
+            <a:r>
+              <a:rPr lang="pt-BR" sz="1000" b="0" dirty="0">
+                <a:solidFill>
+                  <a:srgbClr val="F92672"/>
+                </a:solidFill>
+                <a:effectLst/>
+                <a:latin typeface="Consolas" panose="020B0609020204030204" pitchFamily="49" charset="0"/>
+              </a:rPr>
+              <a:t>=</a:t>
+            </a:r>
+            <a:r>
+              <a:rPr lang="pt-BR" sz="1000" b="0" dirty="0">
+                <a:solidFill>
+                  <a:srgbClr val="F8F8F2"/>
+                </a:solidFill>
+                <a:effectLst/>
+                <a:latin typeface="Consolas" panose="020B0609020204030204" pitchFamily="49" charset="0"/>
+              </a:rPr>
+              <a:t> </a:t>
+            </a:r>
+            <a:r>
+              <a:rPr lang="pt-BR" sz="1000" b="0" i="1" dirty="0" err="1">
+                <a:solidFill>
+                  <a:srgbClr val="FD971F"/>
+                </a:solidFill>
+                <a:effectLst/>
+                <a:latin typeface="Consolas" panose="020B0609020204030204" pitchFamily="49" charset="0"/>
+              </a:rPr>
+              <a:t>dados</a:t>
+            </a:r>
+            <a:r>
+              <a:rPr lang="pt-BR" sz="1000" b="0" dirty="0" err="1">
+                <a:solidFill>
+                  <a:srgbClr val="F8F8F2"/>
+                </a:solidFill>
+                <a:effectLst/>
+                <a:latin typeface="Consolas" panose="020B0609020204030204" pitchFamily="49" charset="0"/>
+              </a:rPr>
+              <a:t>.mensagem</a:t>
+            </a:r>
+            <a:r>
+              <a:rPr lang="pt-BR" sz="1000" b="0" dirty="0">
+                <a:solidFill>
+                  <a:srgbClr val="F8F8F2"/>
+                </a:solidFill>
+                <a:effectLst/>
+                <a:latin typeface="Consolas" panose="020B0609020204030204" pitchFamily="49" charset="0"/>
+              </a:rPr>
+              <a:t>;</a:t>
+            </a:r>
+          </a:p>
+          <a:p>
+            <a:r>
+              <a:rPr lang="pt-BR" sz="1000" b="0" dirty="0">
+                <a:solidFill>
+                  <a:srgbClr val="F8F8F2"/>
+                </a:solidFill>
+                <a:effectLst/>
+                <a:latin typeface="Consolas" panose="020B0609020204030204" pitchFamily="49" charset="0"/>
+              </a:rPr>
+              <a:t>                    </a:t>
+            </a:r>
+            <a:r>
+              <a:rPr lang="pt-BR" sz="1000" b="0" dirty="0" err="1">
+                <a:solidFill>
+                  <a:srgbClr val="F92672"/>
+                </a:solidFill>
+                <a:effectLst/>
+                <a:latin typeface="Consolas" panose="020B0609020204030204" pitchFamily="49" charset="0"/>
+              </a:rPr>
+              <a:t>if</a:t>
+            </a:r>
+            <a:r>
+              <a:rPr lang="pt-BR" sz="1000" b="0" dirty="0">
+                <a:solidFill>
+                  <a:srgbClr val="F8F8F2"/>
+                </a:solidFill>
+                <a:effectLst/>
+                <a:latin typeface="Consolas" panose="020B0609020204030204" pitchFamily="49" charset="0"/>
+              </a:rPr>
+              <a:t> (</a:t>
+            </a:r>
+            <a:r>
+              <a:rPr lang="pt-BR" sz="1000" b="0" i="1" dirty="0" err="1">
+                <a:solidFill>
+                  <a:srgbClr val="FD971F"/>
+                </a:solidFill>
+                <a:effectLst/>
+                <a:latin typeface="Consolas" panose="020B0609020204030204" pitchFamily="49" charset="0"/>
+              </a:rPr>
+              <a:t>dados</a:t>
+            </a:r>
+            <a:r>
+              <a:rPr lang="pt-BR" sz="1000" b="0" dirty="0" err="1">
+                <a:solidFill>
+                  <a:srgbClr val="F8F8F2"/>
+                </a:solidFill>
+                <a:effectLst/>
+                <a:latin typeface="Consolas" panose="020B0609020204030204" pitchFamily="49" charset="0"/>
+              </a:rPr>
+              <a:t>.inclusao</a:t>
+            </a:r>
+            <a:r>
+              <a:rPr lang="pt-BR" sz="1000" b="0" dirty="0">
+                <a:solidFill>
+                  <a:srgbClr val="F8F8F2"/>
+                </a:solidFill>
+                <a:effectLst/>
+                <a:latin typeface="Consolas" panose="020B0609020204030204" pitchFamily="49" charset="0"/>
+              </a:rPr>
+              <a:t>) </a:t>
+            </a:r>
+            <a:r>
+              <a:rPr lang="pt-BR" sz="1000" b="0" i="1" dirty="0">
+                <a:solidFill>
+                  <a:srgbClr val="FD971F"/>
+                </a:solidFill>
+                <a:effectLst/>
+                <a:latin typeface="Consolas" panose="020B0609020204030204" pitchFamily="49" charset="0"/>
+              </a:rPr>
+              <a:t>$</a:t>
+            </a:r>
+            <a:r>
+              <a:rPr lang="pt-BR" sz="1000" b="0" i="1" dirty="0" err="1">
+                <a:solidFill>
+                  <a:srgbClr val="FD971F"/>
+                </a:solidFill>
+                <a:effectLst/>
+                <a:latin typeface="Consolas" panose="020B0609020204030204" pitchFamily="49" charset="0"/>
+              </a:rPr>
+              <a:t>scope</a:t>
+            </a:r>
+            <a:r>
+              <a:rPr lang="pt-BR" sz="1000" b="0" dirty="0" err="1">
+                <a:solidFill>
+                  <a:srgbClr val="F8F8F2"/>
+                </a:solidFill>
+                <a:effectLst/>
+                <a:latin typeface="Consolas" panose="020B0609020204030204" pitchFamily="49" charset="0"/>
+              </a:rPr>
+              <a:t>.foto</a:t>
+            </a:r>
+            <a:r>
+              <a:rPr lang="pt-BR" sz="1000" b="0" dirty="0">
+                <a:solidFill>
+                  <a:srgbClr val="F8F8F2"/>
+                </a:solidFill>
+                <a:effectLst/>
+                <a:latin typeface="Consolas" panose="020B0609020204030204" pitchFamily="49" charset="0"/>
+              </a:rPr>
+              <a:t> </a:t>
+            </a:r>
+            <a:r>
+              <a:rPr lang="pt-BR" sz="1000" b="0" dirty="0">
+                <a:solidFill>
+                  <a:srgbClr val="F92672"/>
+                </a:solidFill>
+                <a:effectLst/>
+                <a:latin typeface="Consolas" panose="020B0609020204030204" pitchFamily="49" charset="0"/>
+              </a:rPr>
+              <a:t>=</a:t>
+            </a:r>
+            <a:r>
+              <a:rPr lang="pt-BR" sz="1000" b="0" dirty="0">
+                <a:solidFill>
+                  <a:srgbClr val="F8F8F2"/>
+                </a:solidFill>
+                <a:effectLst/>
+                <a:latin typeface="Consolas" panose="020B0609020204030204" pitchFamily="49" charset="0"/>
+              </a:rPr>
+              <a:t> {};</a:t>
+            </a:r>
+          </a:p>
+          <a:p>
+            <a:r>
+              <a:rPr lang="pt-BR" sz="1000" b="0" dirty="0">
+                <a:solidFill>
+                  <a:srgbClr val="F8F8F2"/>
+                </a:solidFill>
+                <a:effectLst/>
+                <a:latin typeface="Consolas" panose="020B0609020204030204" pitchFamily="49" charset="0"/>
+              </a:rPr>
+              <a:t>                })</a:t>
+            </a:r>
+          </a:p>
+          <a:p>
+            <a:r>
+              <a:rPr lang="pt-BR" sz="1000" b="0" dirty="0">
+                <a:solidFill>
+                  <a:srgbClr val="F8F8F2"/>
+                </a:solidFill>
+                <a:effectLst/>
+                <a:latin typeface="Consolas" panose="020B0609020204030204" pitchFamily="49" charset="0"/>
+              </a:rPr>
+              <a:t>                .</a:t>
+            </a:r>
+            <a:r>
+              <a:rPr lang="pt-BR" sz="1000" b="0" dirty="0">
+                <a:solidFill>
+                  <a:srgbClr val="A6E22E"/>
+                </a:solidFill>
+                <a:effectLst/>
+                <a:latin typeface="Consolas" panose="020B0609020204030204" pitchFamily="49" charset="0"/>
+              </a:rPr>
+              <a:t>catch</a:t>
+            </a:r>
+            <a:r>
+              <a:rPr lang="pt-BR" sz="1000" b="0" dirty="0">
+                <a:solidFill>
+                  <a:srgbClr val="F8F8F2"/>
+                </a:solidFill>
+                <a:effectLst/>
+                <a:latin typeface="Consolas" panose="020B0609020204030204" pitchFamily="49" charset="0"/>
+              </a:rPr>
+              <a:t>(</a:t>
+            </a:r>
+            <a:r>
+              <a:rPr lang="pt-BR" sz="1000" b="0" i="1" dirty="0" err="1">
+                <a:solidFill>
+                  <a:srgbClr val="66D9EF"/>
+                </a:solidFill>
+                <a:effectLst/>
+                <a:latin typeface="Consolas" panose="020B0609020204030204" pitchFamily="49" charset="0"/>
+              </a:rPr>
+              <a:t>function</a:t>
+            </a:r>
+            <a:r>
+              <a:rPr lang="pt-BR" sz="1000" b="0" dirty="0">
+                <a:solidFill>
+                  <a:srgbClr val="F8F8F2"/>
+                </a:solidFill>
+                <a:effectLst/>
+                <a:latin typeface="Consolas" panose="020B0609020204030204" pitchFamily="49" charset="0"/>
+              </a:rPr>
+              <a:t>(</a:t>
+            </a:r>
+            <a:r>
+              <a:rPr lang="pt-BR" sz="1000" b="0" i="1" dirty="0">
+                <a:solidFill>
+                  <a:srgbClr val="FD971F"/>
+                </a:solidFill>
+                <a:effectLst/>
+                <a:latin typeface="Consolas" panose="020B0609020204030204" pitchFamily="49" charset="0"/>
+              </a:rPr>
+              <a:t>erro</a:t>
+            </a:r>
+            <a:r>
+              <a:rPr lang="pt-BR" sz="1000" b="0" dirty="0">
+                <a:solidFill>
+                  <a:srgbClr val="F8F8F2"/>
+                </a:solidFill>
+                <a:effectLst/>
+                <a:latin typeface="Consolas" panose="020B0609020204030204" pitchFamily="49" charset="0"/>
+              </a:rPr>
+              <a:t>) {</a:t>
+            </a:r>
+          </a:p>
+          <a:p>
+            <a:r>
+              <a:rPr lang="pt-BR" sz="1000" b="0" dirty="0">
+                <a:solidFill>
+                  <a:srgbClr val="F8F8F2"/>
+                </a:solidFill>
+                <a:effectLst/>
+                <a:latin typeface="Consolas" panose="020B0609020204030204" pitchFamily="49" charset="0"/>
+              </a:rPr>
+              <a:t>                    </a:t>
+            </a:r>
+            <a:r>
+              <a:rPr lang="pt-BR" sz="1000" b="0" i="1" dirty="0">
+                <a:solidFill>
+                  <a:srgbClr val="FD971F"/>
+                </a:solidFill>
+                <a:effectLst/>
+                <a:latin typeface="Consolas" panose="020B0609020204030204" pitchFamily="49" charset="0"/>
+              </a:rPr>
+              <a:t>$</a:t>
+            </a:r>
+            <a:r>
+              <a:rPr lang="pt-BR" sz="1000" b="0" i="1" dirty="0" err="1">
+                <a:solidFill>
+                  <a:srgbClr val="FD971F"/>
+                </a:solidFill>
+                <a:effectLst/>
+                <a:latin typeface="Consolas" panose="020B0609020204030204" pitchFamily="49" charset="0"/>
+              </a:rPr>
+              <a:t>scope</a:t>
+            </a:r>
+            <a:r>
+              <a:rPr lang="pt-BR" sz="1000" b="0" dirty="0" err="1">
+                <a:solidFill>
+                  <a:srgbClr val="F8F8F2"/>
+                </a:solidFill>
+                <a:effectLst/>
+                <a:latin typeface="Consolas" panose="020B0609020204030204" pitchFamily="49" charset="0"/>
+              </a:rPr>
+              <a:t>.mensagem</a:t>
+            </a:r>
+            <a:r>
+              <a:rPr lang="pt-BR" sz="1000" b="0" dirty="0">
+                <a:solidFill>
+                  <a:srgbClr val="F8F8F2"/>
+                </a:solidFill>
+                <a:effectLst/>
+                <a:latin typeface="Consolas" panose="020B0609020204030204" pitchFamily="49" charset="0"/>
+              </a:rPr>
+              <a:t> </a:t>
+            </a:r>
+            <a:r>
+              <a:rPr lang="pt-BR" sz="1000" b="0" dirty="0">
+                <a:solidFill>
+                  <a:srgbClr val="F92672"/>
+                </a:solidFill>
+                <a:effectLst/>
+                <a:latin typeface="Consolas" panose="020B0609020204030204" pitchFamily="49" charset="0"/>
+              </a:rPr>
+              <a:t>=</a:t>
+            </a:r>
+            <a:r>
+              <a:rPr lang="pt-BR" sz="1000" b="0" dirty="0">
+                <a:solidFill>
+                  <a:srgbClr val="F8F8F2"/>
+                </a:solidFill>
+                <a:effectLst/>
+                <a:latin typeface="Consolas" panose="020B0609020204030204" pitchFamily="49" charset="0"/>
+              </a:rPr>
+              <a:t> </a:t>
+            </a:r>
+            <a:r>
+              <a:rPr lang="pt-BR" sz="1000" b="0" i="1" dirty="0" err="1">
+                <a:solidFill>
+                  <a:srgbClr val="FD971F"/>
+                </a:solidFill>
+                <a:effectLst/>
+                <a:latin typeface="Consolas" panose="020B0609020204030204" pitchFamily="49" charset="0"/>
+              </a:rPr>
+              <a:t>erro</a:t>
+            </a:r>
+            <a:r>
+              <a:rPr lang="pt-BR" sz="1000" b="0" dirty="0" err="1">
+                <a:solidFill>
+                  <a:srgbClr val="F8F8F2"/>
+                </a:solidFill>
+                <a:effectLst/>
+                <a:latin typeface="Consolas" panose="020B0609020204030204" pitchFamily="49" charset="0"/>
+              </a:rPr>
+              <a:t>.mensagem</a:t>
+            </a:r>
+            <a:r>
+              <a:rPr lang="pt-BR" sz="1000" b="0" dirty="0">
+                <a:solidFill>
+                  <a:srgbClr val="F8F8F2"/>
+                </a:solidFill>
+                <a:effectLst/>
+                <a:latin typeface="Consolas" panose="020B0609020204030204" pitchFamily="49" charset="0"/>
+              </a:rPr>
+              <a:t>;</a:t>
+            </a:r>
+          </a:p>
+          <a:p>
+            <a:r>
+              <a:rPr lang="pt-BR" sz="1000" b="0" dirty="0">
+                <a:solidFill>
+                  <a:srgbClr val="F8F8F2"/>
+                </a:solidFill>
+                <a:effectLst/>
+                <a:latin typeface="Consolas" panose="020B0609020204030204" pitchFamily="49" charset="0"/>
+              </a:rPr>
+              <a:t>                });</a:t>
+            </a:r>
+          </a:p>
+          <a:p>
+            <a:r>
+              <a:rPr lang="pt-BR" sz="1000" b="0" dirty="0">
+                <a:solidFill>
+                  <a:srgbClr val="F8F8F2"/>
+                </a:solidFill>
+                <a:effectLst/>
+                <a:latin typeface="Consolas" panose="020B0609020204030204" pitchFamily="49" charset="0"/>
+              </a:rPr>
+              <a:t>            }</a:t>
+            </a:r>
+          </a:p>
+          <a:p>
+            <a:r>
+              <a:rPr lang="pt-BR" sz="1000" b="0" dirty="0">
+                <a:solidFill>
+                  <a:srgbClr val="F8F8F2"/>
+                </a:solidFill>
+                <a:effectLst/>
+                <a:latin typeface="Consolas" panose="020B0609020204030204" pitchFamily="49" charset="0"/>
+              </a:rPr>
+              <a:t>        };</a:t>
+            </a:r>
+          </a:p>
+          <a:p>
+            <a:endParaRPr lang="pt-BR" sz="1000" b="0" dirty="0">
+              <a:solidFill>
+                <a:srgbClr val="F8F8F2"/>
+              </a:solidFill>
+              <a:effectLst/>
+              <a:latin typeface="Consolas" panose="020B0609020204030204" pitchFamily="49" charset="0"/>
+            </a:endParaRPr>
+          </a:p>
+        </p:txBody>
+      </p:sp>
+      <p:cxnSp>
+        <p:nvCxnSpPr>
+          <p:cNvPr id="49" name="Conector reto 48">
+            <a:extLst>
+              <a:ext uri="{FF2B5EF4-FFF2-40B4-BE49-F238E27FC236}">
+                <a16:creationId xmlns:a16="http://schemas.microsoft.com/office/drawing/2014/main" id="{1CDDDEFA-7052-4FB9-BEA7-865E14892BB1}"/>
+              </a:ext>
+            </a:extLst>
+          </p:cNvPr>
+          <p:cNvCxnSpPr/>
+          <p:nvPr/>
+        </p:nvCxnSpPr>
+        <p:spPr>
+          <a:xfrm flipV="1">
+            <a:off x="6762331" y="4171183"/>
+            <a:ext cx="5147775" cy="32471"/>
+          </a:xfrm>
+          <a:prstGeom prst="line">
+            <a:avLst/>
+          </a:prstGeom>
+        </p:spPr>
+        <p:style>
+          <a:lnRef idx="1">
+            <a:schemeClr val="accent1"/>
+          </a:lnRef>
+          <a:fillRef idx="0">
+            <a:schemeClr val="accent1"/>
+          </a:fillRef>
+          <a:effectRef idx="0">
+            <a:schemeClr val="accent1"/>
+          </a:effectRef>
+          <a:fontRef idx="minor">
+            <a:schemeClr val="tx1"/>
+          </a:fontRef>
+        </p:style>
+      </p:cxnSp>
     </p:spTree>
     <p:extLst>
       <p:ext uri="{BB962C8B-B14F-4D97-AF65-F5344CB8AC3E}">
@@ -5830,28 +9929,1324 @@
       </p:grpSpPr>
       <p:sp>
         <p:nvSpPr>
-          <p:cNvPr id="2" name="Título 1">
-            <a:extLst>
-              <a:ext uri="{FF2B5EF4-FFF2-40B4-BE49-F238E27FC236}">
-                <a16:creationId xmlns:a16="http://schemas.microsoft.com/office/drawing/2014/main" id="{0B834492-8738-4481-8A87-A846D04C12B7}"/>
-              </a:ext>
-            </a:extLst>
-          </p:cNvPr>
-          <p:cNvSpPr>
-            <a:spLocks noGrp="1"/>
-          </p:cNvSpPr>
-          <p:nvPr>
-            <p:ph type="title"/>
-          </p:nvPr>
+          <p:cNvPr id="6" name="CaixaDeTexto 5">
+            <a:extLst>
+              <a:ext uri="{FF2B5EF4-FFF2-40B4-BE49-F238E27FC236}">
+                <a16:creationId xmlns:a16="http://schemas.microsoft.com/office/drawing/2014/main" id="{FECC5F99-4B88-4CD7-80BD-67CCF7C72519}"/>
+              </a:ext>
+            </a:extLst>
+          </p:cNvPr>
+          <p:cNvSpPr txBox="1"/>
+          <p:nvPr/>
         </p:nvSpPr>
-        <p:spPr/>
+        <p:spPr>
+          <a:xfrm>
+            <a:off x="0" y="84315"/>
+            <a:ext cx="1717576" cy="307777"/>
+          </a:xfrm>
+          <a:prstGeom prst="rect">
+            <a:avLst/>
+          </a:prstGeom>
+          <a:noFill/>
+        </p:spPr>
         <p:txBody>
-          <a:bodyPr/>
+          <a:bodyPr wrap="square" rtlCol="0">
+            <a:spAutoFit/>
+          </a:bodyPr>
           <a:lstStyle/>
           <a:p>
             <a:r>
+              <a:rPr lang="pt-BR" sz="1400" dirty="0">
+                <a:highlight>
+                  <a:srgbClr val="FFFF00"/>
+                </a:highlight>
+              </a:rPr>
+              <a:t>Autenticação Login:</a:t>
+            </a:r>
+          </a:p>
+        </p:txBody>
+      </p:sp>
+      <p:pic>
+        <p:nvPicPr>
+          <p:cNvPr id="8" name="Imagem 7" descr="Placa de sinalização de trânsito&#10;&#10;Descrição gerada automaticamente">
+            <a:extLst>
+              <a:ext uri="{FF2B5EF4-FFF2-40B4-BE49-F238E27FC236}">
+                <a16:creationId xmlns:a16="http://schemas.microsoft.com/office/drawing/2014/main" id="{9FC61838-C972-4665-87C7-0D01F5B484B1}"/>
+              </a:ext>
+            </a:extLst>
+          </p:cNvPr>
+          <p:cNvPicPr>
+            <a:picLocks noChangeAspect="1"/>
+          </p:cNvPicPr>
+          <p:nvPr/>
+        </p:nvPicPr>
+        <p:blipFill>
+          <a:blip r:embed="rId2">
+            <a:extLst>
+              <a:ext uri="{28A0092B-C50C-407E-A947-70E740481C1C}">
+                <a14:useLocalDpi xmlns:a14="http://schemas.microsoft.com/office/drawing/2010/main" val="0"/>
+              </a:ext>
+            </a:extLst>
+          </a:blip>
+          <a:stretch>
+            <a:fillRect/>
+          </a:stretch>
+        </p:blipFill>
+        <p:spPr>
+          <a:xfrm>
+            <a:off x="3085914" y="320060"/>
+            <a:ext cx="1063952" cy="1063952"/>
+          </a:xfrm>
+          <a:prstGeom prst="rect">
+            <a:avLst/>
+          </a:prstGeom>
+        </p:spPr>
+      </p:pic>
+      <p:sp>
+        <p:nvSpPr>
+          <p:cNvPr id="9" name="CaixaDeTexto 8">
+            <a:extLst>
+              <a:ext uri="{FF2B5EF4-FFF2-40B4-BE49-F238E27FC236}">
+                <a16:creationId xmlns:a16="http://schemas.microsoft.com/office/drawing/2014/main" id="{408C0D96-094D-4E8D-955E-66A6BF6DE7AD}"/>
+              </a:ext>
+            </a:extLst>
+          </p:cNvPr>
+          <p:cNvSpPr txBox="1"/>
+          <p:nvPr/>
+        </p:nvSpPr>
+        <p:spPr>
+          <a:xfrm>
+            <a:off x="2534099" y="1384012"/>
+            <a:ext cx="2935419" cy="707886"/>
+          </a:xfrm>
+          <a:prstGeom prst="rect">
+            <a:avLst/>
+          </a:prstGeom>
+          <a:noFill/>
+        </p:spPr>
+        <p:txBody>
+          <a:bodyPr wrap="none" rtlCol="0">
+            <a:spAutoFit/>
+          </a:bodyPr>
+          <a:lstStyle/>
+          <a:p>
+            <a:r>
+              <a:rPr lang="pt-BR" sz="1000" dirty="0"/>
+              <a:t>Na tela de Login é chamado a função autentica.</a:t>
+            </a:r>
+          </a:p>
+          <a:p>
+            <a:r>
+              <a:rPr lang="pt-BR" sz="1000" dirty="0"/>
+              <a:t>Aplicação envia Post (usuário e senha)</a:t>
+            </a:r>
+          </a:p>
+          <a:p>
+            <a:r>
+              <a:rPr lang="pt-BR" sz="1000" dirty="0"/>
+              <a:t>A cada requisição é verificado o </a:t>
+            </a:r>
+            <a:r>
+              <a:rPr lang="pt-BR" sz="1000" dirty="0" err="1"/>
+              <a:t>headers</a:t>
+            </a:r>
+            <a:r>
+              <a:rPr lang="pt-BR" sz="1000" dirty="0"/>
+              <a:t>.</a:t>
+            </a:r>
+          </a:p>
+          <a:p>
+            <a:r>
+              <a:rPr lang="pt-BR" sz="1000" b="0" dirty="0">
+                <a:solidFill>
+                  <a:srgbClr val="F8F8F2"/>
+                </a:solidFill>
+                <a:effectLst/>
+                <a:latin typeface="Consolas" panose="020B0609020204030204" pitchFamily="49" charset="0"/>
+              </a:rPr>
+              <a:t> </a:t>
+            </a:r>
+            <a:r>
+              <a:rPr lang="pt-BR" sz="1000" b="0" i="1" dirty="0" err="1">
+                <a:solidFill>
+                  <a:srgbClr val="FD971F"/>
+                </a:solidFill>
+                <a:effectLst/>
+                <a:latin typeface="Consolas" panose="020B0609020204030204" pitchFamily="49" charset="0"/>
+              </a:rPr>
+              <a:t>config</a:t>
+            </a:r>
+            <a:r>
+              <a:rPr lang="pt-BR" sz="1000" b="0" dirty="0" err="1">
+                <a:solidFill>
+                  <a:srgbClr val="F8F8F2"/>
+                </a:solidFill>
+                <a:effectLst/>
+                <a:latin typeface="Consolas" panose="020B0609020204030204" pitchFamily="49" charset="0"/>
+              </a:rPr>
+              <a:t>.headers</a:t>
+            </a:r>
+            <a:r>
+              <a:rPr lang="pt-BR" sz="1000" b="0" dirty="0">
+                <a:solidFill>
+                  <a:srgbClr val="F8F8F2"/>
+                </a:solidFill>
+                <a:effectLst/>
+                <a:latin typeface="Consolas" panose="020B0609020204030204" pitchFamily="49" charset="0"/>
+              </a:rPr>
+              <a:t> </a:t>
+            </a:r>
+            <a:r>
+              <a:rPr lang="pt-BR" sz="1000" b="0" dirty="0">
+                <a:solidFill>
+                  <a:srgbClr val="F92672"/>
+                </a:solidFill>
+                <a:effectLst/>
+                <a:latin typeface="Consolas" panose="020B0609020204030204" pitchFamily="49" charset="0"/>
+              </a:rPr>
+              <a:t>=</a:t>
+            </a:r>
+            <a:r>
+              <a:rPr lang="pt-BR" sz="1000" b="0" dirty="0">
+                <a:solidFill>
+                  <a:srgbClr val="F8F8F2"/>
+                </a:solidFill>
+                <a:effectLst/>
+                <a:latin typeface="Consolas" panose="020B0609020204030204" pitchFamily="49" charset="0"/>
+              </a:rPr>
+              <a:t> </a:t>
+            </a:r>
+            <a:r>
+              <a:rPr lang="pt-BR" sz="1000" b="0" i="1" dirty="0" err="1">
+                <a:solidFill>
+                  <a:srgbClr val="FD971F"/>
+                </a:solidFill>
+                <a:effectLst/>
+                <a:latin typeface="Consolas" panose="020B0609020204030204" pitchFamily="49" charset="0"/>
+              </a:rPr>
+              <a:t>config</a:t>
+            </a:r>
+            <a:r>
+              <a:rPr lang="pt-BR" sz="1000" b="0" dirty="0" err="1">
+                <a:solidFill>
+                  <a:srgbClr val="F8F8F2"/>
+                </a:solidFill>
+                <a:effectLst/>
+                <a:latin typeface="Consolas" panose="020B0609020204030204" pitchFamily="49" charset="0"/>
+              </a:rPr>
+              <a:t>.headers</a:t>
+            </a:r>
+            <a:r>
+              <a:rPr lang="pt-BR" sz="1000" b="0" dirty="0">
+                <a:solidFill>
+                  <a:srgbClr val="F8F8F2"/>
+                </a:solidFill>
+                <a:effectLst/>
+                <a:latin typeface="Consolas" panose="020B0609020204030204" pitchFamily="49" charset="0"/>
+              </a:rPr>
+              <a:t> </a:t>
+            </a:r>
+            <a:r>
+              <a:rPr lang="pt-BR" sz="1000" b="0" dirty="0">
+                <a:solidFill>
+                  <a:srgbClr val="F92672"/>
+                </a:solidFill>
+                <a:effectLst/>
+                <a:latin typeface="Consolas" panose="020B0609020204030204" pitchFamily="49" charset="0"/>
+              </a:rPr>
+              <a:t>||</a:t>
+            </a:r>
+            <a:r>
+              <a:rPr lang="pt-BR" sz="1000" b="0" dirty="0">
+                <a:solidFill>
+                  <a:srgbClr val="F8F8F2"/>
+                </a:solidFill>
+                <a:effectLst/>
+                <a:latin typeface="Consolas" panose="020B0609020204030204" pitchFamily="49" charset="0"/>
+              </a:rPr>
+              <a:t> {};</a:t>
+            </a:r>
+          </a:p>
+        </p:txBody>
+      </p:sp>
+      <p:cxnSp>
+        <p:nvCxnSpPr>
+          <p:cNvPr id="11" name="Conector de Seta Reta 10">
+            <a:extLst>
+              <a:ext uri="{FF2B5EF4-FFF2-40B4-BE49-F238E27FC236}">
+                <a16:creationId xmlns:a16="http://schemas.microsoft.com/office/drawing/2014/main" id="{DA0709E5-C85A-450E-B3A8-80A3DC234643}"/>
+              </a:ext>
+            </a:extLst>
+          </p:cNvPr>
+          <p:cNvCxnSpPr/>
+          <p:nvPr/>
+        </p:nvCxnSpPr>
+        <p:spPr>
+          <a:xfrm>
+            <a:off x="4446166" y="679508"/>
+            <a:ext cx="2667699" cy="0"/>
+          </a:xfrm>
+          <a:prstGeom prst="straightConnector1">
+            <a:avLst/>
+          </a:prstGeom>
+          <a:ln>
+            <a:tailEnd type="triangle"/>
+          </a:ln>
+        </p:spPr>
+        <p:style>
+          <a:lnRef idx="1">
+            <a:schemeClr val="accent1"/>
+          </a:lnRef>
+          <a:fillRef idx="0">
+            <a:schemeClr val="accent1"/>
+          </a:fillRef>
+          <a:effectRef idx="0">
+            <a:schemeClr val="accent1"/>
+          </a:effectRef>
+          <a:fontRef idx="minor">
+            <a:schemeClr val="tx1"/>
+          </a:fontRef>
+        </p:style>
+      </p:cxnSp>
+      <p:pic>
+        <p:nvPicPr>
+          <p:cNvPr id="13" name="Imagem 12" descr="Uma imagem contendo placa, laranja, rua, grande&#10;&#10;Descrição gerada automaticamente">
+            <a:extLst>
+              <a:ext uri="{FF2B5EF4-FFF2-40B4-BE49-F238E27FC236}">
+                <a16:creationId xmlns:a16="http://schemas.microsoft.com/office/drawing/2014/main" id="{73BAD778-BCBD-4B8A-8CF7-0AB8D2947847}"/>
+              </a:ext>
+            </a:extLst>
+          </p:cNvPr>
+          <p:cNvPicPr>
+            <a:picLocks noChangeAspect="1"/>
+          </p:cNvPicPr>
+          <p:nvPr/>
+        </p:nvPicPr>
+        <p:blipFill>
+          <a:blip r:embed="rId3">
+            <a:extLst>
+              <a:ext uri="{28A0092B-C50C-407E-A947-70E740481C1C}">
+                <a14:useLocalDpi xmlns:a14="http://schemas.microsoft.com/office/drawing/2010/main" val="0"/>
+              </a:ext>
+            </a:extLst>
+          </a:blip>
+          <a:stretch>
+            <a:fillRect/>
+          </a:stretch>
+        </p:blipFill>
+        <p:spPr>
+          <a:xfrm>
+            <a:off x="7443721" y="320060"/>
+            <a:ext cx="1018582" cy="1018582"/>
+          </a:xfrm>
+          <a:prstGeom prst="rect">
+            <a:avLst/>
+          </a:prstGeom>
+        </p:spPr>
+      </p:pic>
+      <p:sp>
+        <p:nvSpPr>
+          <p:cNvPr id="15" name="CaixaDeTexto 14">
+            <a:extLst>
+              <a:ext uri="{FF2B5EF4-FFF2-40B4-BE49-F238E27FC236}">
+                <a16:creationId xmlns:a16="http://schemas.microsoft.com/office/drawing/2014/main" id="{A95F638E-D901-44D8-BC81-B102E909DD82}"/>
+              </a:ext>
+            </a:extLst>
+          </p:cNvPr>
+          <p:cNvSpPr txBox="1"/>
+          <p:nvPr/>
+        </p:nvSpPr>
+        <p:spPr>
+          <a:xfrm>
+            <a:off x="6214879" y="1260901"/>
+            <a:ext cx="4372027" cy="1015663"/>
+          </a:xfrm>
+          <a:prstGeom prst="rect">
+            <a:avLst/>
+          </a:prstGeom>
+          <a:noFill/>
+        </p:spPr>
+        <p:txBody>
+          <a:bodyPr wrap="square" rtlCol="0">
+            <a:spAutoFit/>
+          </a:bodyPr>
+          <a:lstStyle/>
+          <a:p>
+            <a:r>
+              <a:rPr lang="pt-BR" sz="1000" dirty="0" err="1"/>
+              <a:t>Backend</a:t>
+            </a:r>
+            <a:r>
+              <a:rPr lang="pt-BR" sz="1000" dirty="0"/>
+              <a:t> autentica e envia token no </a:t>
+            </a:r>
+            <a:r>
+              <a:rPr lang="pt-BR" sz="1000" dirty="0" err="1"/>
+              <a:t>reponse</a:t>
+            </a:r>
+            <a:r>
+              <a:rPr lang="pt-BR" sz="1000" dirty="0"/>
+              <a:t> pelo header: x-</a:t>
+            </a:r>
+            <a:r>
+              <a:rPr lang="pt-BR" sz="1000" dirty="0" err="1"/>
+              <a:t>access</a:t>
+            </a:r>
+            <a:r>
+              <a:rPr lang="pt-BR" sz="1000" dirty="0"/>
+              <a:t>-token</a:t>
+            </a:r>
+          </a:p>
+          <a:p>
+            <a:r>
+              <a:rPr lang="pt-BR" sz="1000" b="0" dirty="0">
+                <a:solidFill>
+                  <a:srgbClr val="F8F8F2"/>
+                </a:solidFill>
+                <a:effectLst/>
+                <a:latin typeface="Consolas" panose="020B0609020204030204" pitchFamily="49" charset="0"/>
+              </a:rPr>
+              <a:t>      </a:t>
+            </a:r>
+            <a:r>
+              <a:rPr lang="pt-BR" sz="1000" b="0" u="sng" dirty="0" err="1">
+                <a:solidFill>
+                  <a:srgbClr val="A6E22E"/>
+                </a:solidFill>
+                <a:effectLst/>
+                <a:latin typeface="Consolas" panose="020B0609020204030204" pitchFamily="49" charset="0"/>
+              </a:rPr>
+              <a:t>model</a:t>
+            </a:r>
+            <a:r>
+              <a:rPr lang="pt-BR" sz="1000" b="0" dirty="0" err="1">
+                <a:solidFill>
+                  <a:srgbClr val="F8F8F2"/>
+                </a:solidFill>
+                <a:effectLst/>
+                <a:latin typeface="Consolas" panose="020B0609020204030204" pitchFamily="49" charset="0"/>
+              </a:rPr>
+              <a:t>.</a:t>
+            </a:r>
+            <a:r>
+              <a:rPr lang="pt-BR" sz="1000" b="0" dirty="0" err="1">
+                <a:solidFill>
+                  <a:srgbClr val="A6E22E"/>
+                </a:solidFill>
+                <a:effectLst/>
+                <a:latin typeface="Consolas" panose="020B0609020204030204" pitchFamily="49" charset="0"/>
+              </a:rPr>
+              <a:t>findOne</a:t>
+            </a:r>
+            <a:r>
+              <a:rPr lang="pt-BR" sz="1000" b="0" dirty="0">
+                <a:solidFill>
+                  <a:srgbClr val="F8F8F2"/>
+                </a:solidFill>
+                <a:effectLst/>
+                <a:latin typeface="Consolas" panose="020B0609020204030204" pitchFamily="49" charset="0"/>
+              </a:rPr>
+              <a:t>({</a:t>
+            </a:r>
+          </a:p>
+          <a:p>
+            <a:r>
+              <a:rPr lang="pt-BR" sz="1000" b="0" dirty="0">
+                <a:solidFill>
+                  <a:srgbClr val="F8F8F2"/>
+                </a:solidFill>
+                <a:effectLst/>
+                <a:latin typeface="Consolas" panose="020B0609020204030204" pitchFamily="49" charset="0"/>
+              </a:rPr>
+              <a:t>             login: </a:t>
+            </a:r>
+            <a:r>
+              <a:rPr lang="pt-BR" sz="1000" b="0" i="1" dirty="0" err="1">
+                <a:solidFill>
+                  <a:srgbClr val="FD971F"/>
+                </a:solidFill>
+                <a:effectLst/>
+                <a:latin typeface="Consolas" panose="020B0609020204030204" pitchFamily="49" charset="0"/>
+              </a:rPr>
+              <a:t>req</a:t>
+            </a:r>
+            <a:r>
+              <a:rPr lang="pt-BR" sz="1000" b="0" dirty="0" err="1">
+                <a:solidFill>
+                  <a:srgbClr val="F8F8F2"/>
+                </a:solidFill>
+                <a:effectLst/>
+                <a:latin typeface="Consolas" panose="020B0609020204030204" pitchFamily="49" charset="0"/>
+              </a:rPr>
+              <a:t>.body.login</a:t>
+            </a:r>
+            <a:r>
+              <a:rPr lang="pt-BR" sz="1000" b="0" dirty="0">
+                <a:solidFill>
+                  <a:srgbClr val="F8F8F2"/>
+                </a:solidFill>
+                <a:effectLst/>
+                <a:latin typeface="Consolas" panose="020B0609020204030204" pitchFamily="49" charset="0"/>
+              </a:rPr>
+              <a:t>,</a:t>
+            </a:r>
+          </a:p>
+          <a:p>
+            <a:r>
+              <a:rPr lang="pt-BR" sz="1000" b="0" dirty="0">
+                <a:solidFill>
+                  <a:srgbClr val="F8F8F2"/>
+                </a:solidFill>
+                <a:effectLst/>
+                <a:latin typeface="Consolas" panose="020B0609020204030204" pitchFamily="49" charset="0"/>
+              </a:rPr>
+              <a:t>             senha: </a:t>
+            </a:r>
+            <a:r>
+              <a:rPr lang="pt-BR" sz="1000" b="0" i="1" dirty="0" err="1">
+                <a:solidFill>
+                  <a:srgbClr val="FD971F"/>
+                </a:solidFill>
+                <a:effectLst/>
+                <a:latin typeface="Consolas" panose="020B0609020204030204" pitchFamily="49" charset="0"/>
+              </a:rPr>
+              <a:t>req</a:t>
+            </a:r>
+            <a:r>
+              <a:rPr lang="pt-BR" sz="1000" b="0" dirty="0" err="1">
+                <a:solidFill>
+                  <a:srgbClr val="F8F8F2"/>
+                </a:solidFill>
+                <a:effectLst/>
+                <a:latin typeface="Consolas" panose="020B0609020204030204" pitchFamily="49" charset="0"/>
+              </a:rPr>
+              <a:t>.body.senha</a:t>
+            </a:r>
+            <a:endParaRPr lang="pt-BR" sz="1000" b="0" dirty="0">
+              <a:solidFill>
+                <a:srgbClr val="F8F8F2"/>
+              </a:solidFill>
+              <a:effectLst/>
+              <a:latin typeface="Consolas" panose="020B0609020204030204" pitchFamily="49" charset="0"/>
+            </a:endParaRPr>
+          </a:p>
+          <a:p>
+            <a:r>
+              <a:rPr lang="pt-BR" sz="1000" b="0" dirty="0">
+                <a:solidFill>
+                  <a:srgbClr val="F8F8F2"/>
+                </a:solidFill>
+                <a:effectLst/>
+                <a:latin typeface="Consolas" panose="020B0609020204030204" pitchFamily="49" charset="0"/>
+              </a:rPr>
+              <a:t>         })</a:t>
+            </a:r>
+          </a:p>
+          <a:p>
+            <a:endParaRPr lang="pt-BR" sz="1000" dirty="0"/>
+          </a:p>
+        </p:txBody>
+      </p:sp>
+      <p:sp>
+        <p:nvSpPr>
+          <p:cNvPr id="16" name="CaixaDeTexto 15">
+            <a:extLst>
+              <a:ext uri="{FF2B5EF4-FFF2-40B4-BE49-F238E27FC236}">
+                <a16:creationId xmlns:a16="http://schemas.microsoft.com/office/drawing/2014/main" id="{23BBD133-FA98-4439-9C11-FA3CB4EF876F}"/>
+              </a:ext>
+            </a:extLst>
+          </p:cNvPr>
+          <p:cNvSpPr txBox="1"/>
+          <p:nvPr/>
+        </p:nvSpPr>
+        <p:spPr>
+          <a:xfrm>
+            <a:off x="352431" y="644685"/>
+            <a:ext cx="1012713" cy="369332"/>
+          </a:xfrm>
+          <a:prstGeom prst="rect">
+            <a:avLst/>
+          </a:prstGeom>
+          <a:noFill/>
+        </p:spPr>
+        <p:txBody>
+          <a:bodyPr wrap="none" rtlCol="0">
+            <a:spAutoFit/>
+          </a:bodyPr>
+          <a:lstStyle/>
+          <a:p>
+            <a:r>
+              <a:rPr lang="pt-BR" dirty="0">
+                <a:highlight>
+                  <a:srgbClr val="FFFF00"/>
+                </a:highlight>
+              </a:rPr>
+              <a:t>1 ° Etapa</a:t>
+            </a:r>
+          </a:p>
+        </p:txBody>
+      </p:sp>
+      <p:pic>
+        <p:nvPicPr>
+          <p:cNvPr id="17" name="Imagem 16" descr="Placa de sinalização de trânsito&#10;&#10;Descrição gerada automaticamente">
+            <a:extLst>
+              <a:ext uri="{FF2B5EF4-FFF2-40B4-BE49-F238E27FC236}">
+                <a16:creationId xmlns:a16="http://schemas.microsoft.com/office/drawing/2014/main" id="{879CBBE0-050E-4688-A79B-7C8185267ED0}"/>
+              </a:ext>
+            </a:extLst>
+          </p:cNvPr>
+          <p:cNvPicPr>
+            <a:picLocks noChangeAspect="1"/>
+          </p:cNvPicPr>
+          <p:nvPr/>
+        </p:nvPicPr>
+        <p:blipFill>
+          <a:blip r:embed="rId2">
+            <a:extLst>
+              <a:ext uri="{28A0092B-C50C-407E-A947-70E740481C1C}">
+                <a14:useLocalDpi xmlns:a14="http://schemas.microsoft.com/office/drawing/2010/main" val="0"/>
+              </a:ext>
+            </a:extLst>
+          </a:blip>
+          <a:stretch>
+            <a:fillRect/>
+          </a:stretch>
+        </p:blipFill>
+        <p:spPr>
+          <a:xfrm>
+            <a:off x="3085914" y="2153453"/>
+            <a:ext cx="1063952" cy="1063952"/>
+          </a:xfrm>
+          <a:prstGeom prst="rect">
+            <a:avLst/>
+          </a:prstGeom>
+        </p:spPr>
+      </p:pic>
+      <p:sp>
+        <p:nvSpPr>
+          <p:cNvPr id="18" name="CaixaDeTexto 17">
+            <a:extLst>
+              <a:ext uri="{FF2B5EF4-FFF2-40B4-BE49-F238E27FC236}">
+                <a16:creationId xmlns:a16="http://schemas.microsoft.com/office/drawing/2014/main" id="{835C39E3-05A8-44B8-B6BE-B7DD265DAC48}"/>
+              </a:ext>
+            </a:extLst>
+          </p:cNvPr>
+          <p:cNvSpPr txBox="1"/>
+          <p:nvPr/>
+        </p:nvSpPr>
+        <p:spPr>
+          <a:xfrm>
+            <a:off x="2534099" y="3217405"/>
+            <a:ext cx="3422732" cy="246221"/>
+          </a:xfrm>
+          <a:prstGeom prst="rect">
+            <a:avLst/>
+          </a:prstGeom>
+          <a:noFill/>
+        </p:spPr>
+        <p:txBody>
+          <a:bodyPr wrap="none" rtlCol="0">
+            <a:spAutoFit/>
+          </a:bodyPr>
+          <a:lstStyle/>
+          <a:p>
+            <a:r>
+              <a:rPr lang="pt-BR" sz="1000" dirty="0"/>
+              <a:t>O </a:t>
+            </a:r>
+            <a:r>
+              <a:rPr lang="pt-BR" sz="1000" dirty="0" err="1"/>
+              <a:t>TokenInterceptor</a:t>
+            </a:r>
+            <a:r>
+              <a:rPr lang="pt-BR" sz="1000" dirty="0"/>
+              <a:t> captura e salva o token no </a:t>
+            </a:r>
+            <a:r>
+              <a:rPr lang="pt-BR" sz="1000" dirty="0" err="1"/>
+              <a:t>SessionStorage</a:t>
+            </a:r>
+            <a:endParaRPr lang="pt-BR" sz="1000" b="0" dirty="0">
+              <a:solidFill>
+                <a:srgbClr val="F8F8F2"/>
+              </a:solidFill>
+              <a:effectLst/>
+              <a:latin typeface="Consolas" panose="020B0609020204030204" pitchFamily="49" charset="0"/>
+            </a:endParaRPr>
+          </a:p>
+        </p:txBody>
+      </p:sp>
+      <p:cxnSp>
+        <p:nvCxnSpPr>
+          <p:cNvPr id="19" name="Conector de Seta Reta 18">
+            <a:extLst>
+              <a:ext uri="{FF2B5EF4-FFF2-40B4-BE49-F238E27FC236}">
+                <a16:creationId xmlns:a16="http://schemas.microsoft.com/office/drawing/2014/main" id="{5D838A23-AC75-459B-94CE-0775AE57E2FA}"/>
+              </a:ext>
+            </a:extLst>
+          </p:cNvPr>
+          <p:cNvCxnSpPr>
+            <a:cxnSpLocks/>
+          </p:cNvCxnSpPr>
+          <p:nvPr/>
+        </p:nvCxnSpPr>
+        <p:spPr>
+          <a:xfrm flipH="1">
+            <a:off x="4701681" y="2667699"/>
+            <a:ext cx="2368625" cy="0"/>
+          </a:xfrm>
+          <a:prstGeom prst="straightConnector1">
+            <a:avLst/>
+          </a:prstGeom>
+          <a:ln>
+            <a:tailEnd type="triangle"/>
+          </a:ln>
+        </p:spPr>
+        <p:style>
+          <a:lnRef idx="1">
+            <a:schemeClr val="accent1"/>
+          </a:lnRef>
+          <a:fillRef idx="0">
+            <a:schemeClr val="accent1"/>
+          </a:fillRef>
+          <a:effectRef idx="0">
+            <a:schemeClr val="accent1"/>
+          </a:effectRef>
+          <a:fontRef idx="minor">
+            <a:schemeClr val="tx1"/>
+          </a:fontRef>
+        </p:style>
+      </p:cxnSp>
+      <p:pic>
+        <p:nvPicPr>
+          <p:cNvPr id="20" name="Imagem 19" descr="Uma imagem contendo placa, laranja, rua, grande&#10;&#10;Descrição gerada automaticamente">
+            <a:extLst>
+              <a:ext uri="{FF2B5EF4-FFF2-40B4-BE49-F238E27FC236}">
+                <a16:creationId xmlns:a16="http://schemas.microsoft.com/office/drawing/2014/main" id="{1FBA9668-1BA9-4DF8-A1F3-3379DC195090}"/>
+              </a:ext>
+            </a:extLst>
+          </p:cNvPr>
+          <p:cNvPicPr>
+            <a:picLocks noChangeAspect="1"/>
+          </p:cNvPicPr>
+          <p:nvPr/>
+        </p:nvPicPr>
+        <p:blipFill>
+          <a:blip r:embed="rId3">
+            <a:extLst>
+              <a:ext uri="{28A0092B-C50C-407E-A947-70E740481C1C}">
+                <a14:useLocalDpi xmlns:a14="http://schemas.microsoft.com/office/drawing/2010/main" val="0"/>
+              </a:ext>
+            </a:extLst>
+          </a:blip>
+          <a:stretch>
+            <a:fillRect/>
+          </a:stretch>
+        </p:blipFill>
+        <p:spPr>
+          <a:xfrm>
+            <a:off x="7443721" y="2153453"/>
+            <a:ext cx="1018582" cy="1018582"/>
+          </a:xfrm>
+          <a:prstGeom prst="rect">
+            <a:avLst/>
+          </a:prstGeom>
+        </p:spPr>
+      </p:pic>
+      <p:sp>
+        <p:nvSpPr>
+          <p:cNvPr id="21" name="CaixaDeTexto 20">
+            <a:extLst>
+              <a:ext uri="{FF2B5EF4-FFF2-40B4-BE49-F238E27FC236}">
+                <a16:creationId xmlns:a16="http://schemas.microsoft.com/office/drawing/2014/main" id="{7DFCBD41-7DCC-471A-B3FE-63FE4DC0F9F0}"/>
+              </a:ext>
+            </a:extLst>
+          </p:cNvPr>
+          <p:cNvSpPr txBox="1"/>
+          <p:nvPr/>
+        </p:nvSpPr>
+        <p:spPr>
+          <a:xfrm>
+            <a:off x="6894388" y="3217405"/>
+            <a:ext cx="2576782" cy="400110"/>
+          </a:xfrm>
+          <a:prstGeom prst="rect">
+            <a:avLst/>
+          </a:prstGeom>
+          <a:noFill/>
+        </p:spPr>
+        <p:txBody>
+          <a:bodyPr wrap="square" rtlCol="0">
+            <a:spAutoFit/>
+          </a:bodyPr>
+          <a:lstStyle/>
+          <a:p>
+            <a:r>
+              <a:rPr lang="pt-BR" sz="1000" dirty="0"/>
+              <a:t>Envio do Token no Header do Response.</a:t>
+            </a:r>
+            <a:endParaRPr lang="pt-BR" sz="1000" b="0" dirty="0">
+              <a:solidFill>
+                <a:srgbClr val="F8F8F2"/>
+              </a:solidFill>
+              <a:effectLst/>
+              <a:latin typeface="Consolas" panose="020B0609020204030204" pitchFamily="49" charset="0"/>
+            </a:endParaRPr>
+          </a:p>
+          <a:p>
+            <a:endParaRPr lang="pt-BR" sz="1000" dirty="0"/>
+          </a:p>
+        </p:txBody>
+      </p:sp>
+      <p:sp>
+        <p:nvSpPr>
+          <p:cNvPr id="25" name="Cilindro 24">
+            <a:extLst>
+              <a:ext uri="{FF2B5EF4-FFF2-40B4-BE49-F238E27FC236}">
+                <a16:creationId xmlns:a16="http://schemas.microsoft.com/office/drawing/2014/main" id="{DC5B4765-B06C-4F36-8F3B-3E56ACEA6FEB}"/>
+              </a:ext>
+            </a:extLst>
+          </p:cNvPr>
+          <p:cNvSpPr/>
+          <p:nvPr/>
+        </p:nvSpPr>
+        <p:spPr>
+          <a:xfrm>
+            <a:off x="192947" y="2881618"/>
+            <a:ext cx="768364" cy="914400"/>
+          </a:xfrm>
+          <a:prstGeom prst="can">
+            <a:avLst/>
+          </a:prstGeom>
+        </p:spPr>
+        <p:style>
+          <a:lnRef idx="2">
+            <a:schemeClr val="accent1">
+              <a:shade val="50000"/>
+            </a:schemeClr>
+          </a:lnRef>
+          <a:fillRef idx="1">
+            <a:schemeClr val="accent1"/>
+          </a:fillRef>
+          <a:effectRef idx="0">
+            <a:schemeClr val="accent1"/>
+          </a:effectRef>
+          <a:fontRef idx="minor">
+            <a:schemeClr val="lt1"/>
+          </a:fontRef>
+        </p:style>
+        <p:txBody>
+          <a:bodyPr rtlCol="0" anchor="ctr"/>
+          <a:lstStyle/>
+          <a:p>
+            <a:pPr algn="ctr"/>
+            <a:endParaRPr lang="pt-BR"/>
+          </a:p>
+        </p:txBody>
+      </p:sp>
+      <p:cxnSp>
+        <p:nvCxnSpPr>
+          <p:cNvPr id="26" name="Conector de Seta Reta 25">
+            <a:extLst>
+              <a:ext uri="{FF2B5EF4-FFF2-40B4-BE49-F238E27FC236}">
+                <a16:creationId xmlns:a16="http://schemas.microsoft.com/office/drawing/2014/main" id="{18270A38-BF6C-4FA3-932E-CBD8F452576C}"/>
+              </a:ext>
+            </a:extLst>
+          </p:cNvPr>
+          <p:cNvCxnSpPr>
+            <a:cxnSpLocks/>
+          </p:cNvCxnSpPr>
+          <p:nvPr/>
+        </p:nvCxnSpPr>
+        <p:spPr>
+          <a:xfrm flipH="1">
+            <a:off x="1129370" y="3338818"/>
+            <a:ext cx="1202769" cy="0"/>
+          </a:xfrm>
+          <a:prstGeom prst="straightConnector1">
+            <a:avLst/>
+          </a:prstGeom>
+          <a:ln>
+            <a:tailEnd type="triangle"/>
+          </a:ln>
+        </p:spPr>
+        <p:style>
+          <a:lnRef idx="1">
+            <a:schemeClr val="accent1"/>
+          </a:lnRef>
+          <a:fillRef idx="0">
+            <a:schemeClr val="accent1"/>
+          </a:fillRef>
+          <a:effectRef idx="0">
+            <a:schemeClr val="accent1"/>
+          </a:effectRef>
+          <a:fontRef idx="minor">
+            <a:schemeClr val="tx1"/>
+          </a:fontRef>
+        </p:style>
+      </p:cxnSp>
+      <p:sp>
+        <p:nvSpPr>
+          <p:cNvPr id="28" name="CaixaDeTexto 27">
+            <a:extLst>
+              <a:ext uri="{FF2B5EF4-FFF2-40B4-BE49-F238E27FC236}">
+                <a16:creationId xmlns:a16="http://schemas.microsoft.com/office/drawing/2014/main" id="{1973107B-59E9-4EA9-8BBF-9BBBE500CD73}"/>
+              </a:ext>
+            </a:extLst>
+          </p:cNvPr>
+          <p:cNvSpPr txBox="1"/>
+          <p:nvPr/>
+        </p:nvSpPr>
+        <p:spPr>
+          <a:xfrm>
+            <a:off x="5195561" y="275353"/>
+            <a:ext cx="900439" cy="369332"/>
+          </a:xfrm>
+          <a:prstGeom prst="rect">
+            <a:avLst/>
+          </a:prstGeom>
+          <a:noFill/>
+        </p:spPr>
+        <p:txBody>
+          <a:bodyPr wrap="none" rtlCol="0">
+            <a:spAutoFit/>
+          </a:bodyPr>
+          <a:lstStyle/>
+          <a:p>
+            <a:r>
+              <a:rPr lang="pt-BR" dirty="0" err="1"/>
+              <a:t>request</a:t>
+            </a:r>
+            <a:endParaRPr lang="pt-BR" dirty="0"/>
+          </a:p>
+        </p:txBody>
+      </p:sp>
+      <p:sp>
+        <p:nvSpPr>
+          <p:cNvPr id="30" name="CaixaDeTexto 29">
+            <a:extLst>
+              <a:ext uri="{FF2B5EF4-FFF2-40B4-BE49-F238E27FC236}">
+                <a16:creationId xmlns:a16="http://schemas.microsoft.com/office/drawing/2014/main" id="{5603C8DA-C0A2-45F0-AEA4-FD7E5D13496A}"/>
+              </a:ext>
+            </a:extLst>
+          </p:cNvPr>
+          <p:cNvSpPr txBox="1"/>
+          <p:nvPr/>
+        </p:nvSpPr>
+        <p:spPr>
+          <a:xfrm>
+            <a:off x="5478642" y="2278945"/>
+            <a:ext cx="1037656" cy="369332"/>
+          </a:xfrm>
+          <a:prstGeom prst="rect">
+            <a:avLst/>
+          </a:prstGeom>
+          <a:noFill/>
+        </p:spPr>
+        <p:txBody>
+          <a:bodyPr wrap="none" rtlCol="0">
+            <a:spAutoFit/>
+          </a:bodyPr>
+          <a:lstStyle/>
+          <a:p>
+            <a:r>
               <a:rPr lang="pt-BR" dirty="0"/>
-              <a:t>Explicação Autenticação.</a:t>
+              <a:t>response</a:t>
+            </a:r>
+          </a:p>
+        </p:txBody>
+      </p:sp>
+      <p:sp>
+        <p:nvSpPr>
+          <p:cNvPr id="32" name="CaixaDeTexto 31">
+            <a:extLst>
+              <a:ext uri="{FF2B5EF4-FFF2-40B4-BE49-F238E27FC236}">
+                <a16:creationId xmlns:a16="http://schemas.microsoft.com/office/drawing/2014/main" id="{97306271-2D68-404A-9E7F-A3D37DF9E846}"/>
+              </a:ext>
+            </a:extLst>
+          </p:cNvPr>
+          <p:cNvSpPr txBox="1"/>
+          <p:nvPr/>
+        </p:nvSpPr>
+        <p:spPr>
+          <a:xfrm>
+            <a:off x="1294483" y="2969486"/>
+            <a:ext cx="715196" cy="369332"/>
+          </a:xfrm>
+          <a:prstGeom prst="rect">
+            <a:avLst/>
+          </a:prstGeom>
+          <a:noFill/>
+        </p:spPr>
+        <p:txBody>
+          <a:bodyPr wrap="none" rtlCol="0">
+            <a:spAutoFit/>
+          </a:bodyPr>
+          <a:lstStyle/>
+          <a:p>
+            <a:r>
+              <a:rPr lang="pt-BR" dirty="0"/>
+              <a:t>token</a:t>
+            </a:r>
+          </a:p>
+        </p:txBody>
+      </p:sp>
+      <p:sp>
+        <p:nvSpPr>
+          <p:cNvPr id="34" name="CaixaDeTexto 33">
+            <a:extLst>
+              <a:ext uri="{FF2B5EF4-FFF2-40B4-BE49-F238E27FC236}">
+                <a16:creationId xmlns:a16="http://schemas.microsoft.com/office/drawing/2014/main" id="{BD35F53B-5805-4B8F-98C6-8E5ADC61CA52}"/>
+              </a:ext>
+            </a:extLst>
+          </p:cNvPr>
+          <p:cNvSpPr txBox="1"/>
+          <p:nvPr/>
+        </p:nvSpPr>
+        <p:spPr>
+          <a:xfrm>
+            <a:off x="95427" y="2521319"/>
+            <a:ext cx="1033943" cy="253916"/>
+          </a:xfrm>
+          <a:prstGeom prst="rect">
+            <a:avLst/>
+          </a:prstGeom>
+          <a:noFill/>
+        </p:spPr>
+        <p:txBody>
+          <a:bodyPr wrap="square">
+            <a:spAutoFit/>
+          </a:bodyPr>
+          <a:lstStyle/>
+          <a:p>
+            <a:r>
+              <a:rPr lang="pt-BR" sz="1050" dirty="0" err="1"/>
+              <a:t>SessionStorage</a:t>
+            </a:r>
+            <a:endParaRPr lang="pt-BR" sz="1050" dirty="0"/>
+          </a:p>
+        </p:txBody>
+      </p:sp>
+      <p:pic>
+        <p:nvPicPr>
+          <p:cNvPr id="36" name="Imagem 35">
+            <a:extLst>
+              <a:ext uri="{FF2B5EF4-FFF2-40B4-BE49-F238E27FC236}">
+                <a16:creationId xmlns:a16="http://schemas.microsoft.com/office/drawing/2014/main" id="{971AA3CF-4F65-4588-BFF8-24EDC7A7D8B1}"/>
+              </a:ext>
+            </a:extLst>
+          </p:cNvPr>
+          <p:cNvPicPr>
+            <a:picLocks noChangeAspect="1"/>
+          </p:cNvPicPr>
+          <p:nvPr/>
+        </p:nvPicPr>
+        <p:blipFill>
+          <a:blip r:embed="rId4">
+            <a:extLst>
+              <a:ext uri="{28A0092B-C50C-407E-A947-70E740481C1C}">
+                <a14:useLocalDpi xmlns:a14="http://schemas.microsoft.com/office/drawing/2010/main" val="0"/>
+              </a:ext>
+            </a:extLst>
+          </a:blip>
+          <a:stretch>
+            <a:fillRect/>
+          </a:stretch>
+        </p:blipFill>
+        <p:spPr>
+          <a:xfrm>
+            <a:off x="397338" y="3258388"/>
+            <a:ext cx="313215" cy="313215"/>
+          </a:xfrm>
+          <a:prstGeom prst="rect">
+            <a:avLst/>
+          </a:prstGeom>
+        </p:spPr>
+      </p:pic>
+      <p:sp>
+        <p:nvSpPr>
+          <p:cNvPr id="38" name="CaixaDeTexto 37">
+            <a:extLst>
+              <a:ext uri="{FF2B5EF4-FFF2-40B4-BE49-F238E27FC236}">
+                <a16:creationId xmlns:a16="http://schemas.microsoft.com/office/drawing/2014/main" id="{AFF69BAC-14D9-4067-8916-AF81BF00234B}"/>
+              </a:ext>
+            </a:extLst>
+          </p:cNvPr>
+          <p:cNvSpPr txBox="1"/>
+          <p:nvPr/>
+        </p:nvSpPr>
+        <p:spPr>
+          <a:xfrm>
+            <a:off x="356018" y="1957736"/>
+            <a:ext cx="906915" cy="369332"/>
+          </a:xfrm>
+          <a:prstGeom prst="rect">
+            <a:avLst/>
+          </a:prstGeom>
+          <a:noFill/>
+        </p:spPr>
+        <p:txBody>
+          <a:bodyPr wrap="none" rtlCol="0">
+            <a:spAutoFit/>
+          </a:bodyPr>
+          <a:lstStyle/>
+          <a:p>
+            <a:r>
+              <a:rPr lang="pt-BR" dirty="0">
+                <a:highlight>
+                  <a:srgbClr val="FFFF00"/>
+                </a:highlight>
+              </a:rPr>
+              <a:t>2°Etapa</a:t>
+            </a:r>
+          </a:p>
+        </p:txBody>
+      </p:sp>
+      <p:pic>
+        <p:nvPicPr>
+          <p:cNvPr id="40" name="Imagem 39" descr="Placa de sinalização de trânsito&#10;&#10;Descrição gerada automaticamente">
+            <a:extLst>
+              <a:ext uri="{FF2B5EF4-FFF2-40B4-BE49-F238E27FC236}">
+                <a16:creationId xmlns:a16="http://schemas.microsoft.com/office/drawing/2014/main" id="{23B13A6E-1E95-4B77-9E28-5754BD7FE1C3}"/>
+              </a:ext>
+            </a:extLst>
+          </p:cNvPr>
+          <p:cNvPicPr>
+            <a:picLocks noChangeAspect="1"/>
+          </p:cNvPicPr>
+          <p:nvPr/>
+        </p:nvPicPr>
+        <p:blipFill>
+          <a:blip r:embed="rId2">
+            <a:extLst>
+              <a:ext uri="{28A0092B-C50C-407E-A947-70E740481C1C}">
+                <a14:useLocalDpi xmlns:a14="http://schemas.microsoft.com/office/drawing/2010/main" val="0"/>
+              </a:ext>
+            </a:extLst>
+          </a:blip>
+          <a:stretch>
+            <a:fillRect/>
+          </a:stretch>
+        </p:blipFill>
+        <p:spPr>
+          <a:xfrm>
+            <a:off x="1116134" y="3550790"/>
+            <a:ext cx="1063952" cy="1063952"/>
+          </a:xfrm>
+          <a:prstGeom prst="rect">
+            <a:avLst/>
+          </a:prstGeom>
+        </p:spPr>
+      </p:pic>
+      <p:sp>
+        <p:nvSpPr>
+          <p:cNvPr id="42" name="CaixaDeTexto 41">
+            <a:extLst>
+              <a:ext uri="{FF2B5EF4-FFF2-40B4-BE49-F238E27FC236}">
+                <a16:creationId xmlns:a16="http://schemas.microsoft.com/office/drawing/2014/main" id="{9C9BE0AF-9124-4497-98AC-B8C3B1300D8D}"/>
+              </a:ext>
+            </a:extLst>
+          </p:cNvPr>
+          <p:cNvSpPr txBox="1"/>
+          <p:nvPr/>
+        </p:nvSpPr>
+        <p:spPr>
+          <a:xfrm>
+            <a:off x="2180086" y="3596322"/>
+            <a:ext cx="1666963" cy="369332"/>
+          </a:xfrm>
+          <a:prstGeom prst="rect">
+            <a:avLst/>
+          </a:prstGeom>
+          <a:noFill/>
+        </p:spPr>
+        <p:txBody>
+          <a:bodyPr wrap="square">
+            <a:spAutoFit/>
+          </a:bodyPr>
+          <a:lstStyle/>
+          <a:p>
+            <a:r>
+              <a:rPr lang="pt-BR" dirty="0" err="1"/>
+              <a:t>Intereceptor</a:t>
+            </a:r>
+            <a:endParaRPr lang="pt-BR" dirty="0"/>
+          </a:p>
+        </p:txBody>
+      </p:sp>
+      <p:sp>
+        <p:nvSpPr>
+          <p:cNvPr id="44" name="CaixaDeTexto 43">
+            <a:extLst>
+              <a:ext uri="{FF2B5EF4-FFF2-40B4-BE49-F238E27FC236}">
+                <a16:creationId xmlns:a16="http://schemas.microsoft.com/office/drawing/2014/main" id="{926294B7-BCAA-4E49-8A8E-EB9C6ACE6EEA}"/>
+              </a:ext>
+            </a:extLst>
+          </p:cNvPr>
+          <p:cNvSpPr txBox="1"/>
+          <p:nvPr/>
+        </p:nvSpPr>
+        <p:spPr>
+          <a:xfrm>
+            <a:off x="2091014" y="4033338"/>
+            <a:ext cx="9157282" cy="2677656"/>
+          </a:xfrm>
+          <a:prstGeom prst="rect">
+            <a:avLst/>
+          </a:prstGeom>
+          <a:noFill/>
+        </p:spPr>
+        <p:txBody>
+          <a:bodyPr wrap="square">
+            <a:spAutoFit/>
+          </a:bodyPr>
+          <a:lstStyle/>
+          <a:p>
+            <a:r>
+              <a:rPr lang="pt-BR" sz="1400" dirty="0"/>
+              <a:t>No file </a:t>
+            </a:r>
+            <a:r>
+              <a:rPr lang="pt-BR" sz="1400" dirty="0" err="1"/>
+              <a:t>routes</a:t>
+            </a:r>
+            <a:r>
+              <a:rPr lang="pt-BR" sz="1400" dirty="0"/>
+              <a:t>/auth.js:</a:t>
+            </a:r>
+          </a:p>
+          <a:p>
+            <a:endParaRPr lang="pt-BR" sz="1400" dirty="0"/>
+          </a:p>
+          <a:p>
+            <a:r>
+              <a:rPr lang="pt-BR" sz="1400" dirty="0" err="1"/>
+              <a:t>app.use</a:t>
+            </a:r>
+            <a:r>
+              <a:rPr lang="pt-BR" sz="1400" dirty="0"/>
+              <a:t>('/*', </a:t>
+            </a:r>
+            <a:r>
+              <a:rPr lang="pt-BR" sz="1400" dirty="0" err="1"/>
+              <a:t>api.verificaToken</a:t>
+            </a:r>
+            <a:r>
+              <a:rPr lang="pt-BR" sz="1400" dirty="0"/>
+              <a:t>);</a:t>
+            </a:r>
+          </a:p>
+          <a:p>
+            <a:r>
+              <a:rPr lang="pt-BR" sz="1400" dirty="0"/>
+              <a:t>-&gt; qualquer Requisição irá ser verificada.</a:t>
+            </a:r>
+          </a:p>
+          <a:p>
+            <a:endParaRPr lang="pt-BR" sz="1400" dirty="0"/>
+          </a:p>
+          <a:p>
+            <a:r>
+              <a:rPr lang="pt-BR" sz="1400" dirty="0"/>
+              <a:t>-&gt; A aplicação front-</a:t>
+            </a:r>
+            <a:r>
+              <a:rPr lang="pt-BR" sz="1400" dirty="0" err="1"/>
+              <a:t>end</a:t>
+            </a:r>
+            <a:r>
+              <a:rPr lang="pt-BR" sz="1400" dirty="0"/>
+              <a:t> irá  fazer essa validação pelo </a:t>
+            </a:r>
+            <a:r>
+              <a:rPr lang="pt-BR" sz="1400" dirty="0" err="1"/>
+              <a:t>Intereceptor</a:t>
+            </a:r>
+            <a:r>
+              <a:rPr lang="pt-BR" sz="1400" dirty="0"/>
+              <a:t>.</a:t>
+            </a:r>
+          </a:p>
+          <a:p>
+            <a:endParaRPr lang="pt-BR" sz="1400" dirty="0"/>
+          </a:p>
+          <a:p>
+            <a:r>
+              <a:rPr lang="pt-BR" sz="1400" dirty="0"/>
+              <a:t>No file </a:t>
+            </a:r>
+            <a:r>
+              <a:rPr lang="pt-BR" sz="1400" dirty="0" err="1"/>
+              <a:t>api</a:t>
+            </a:r>
+            <a:r>
+              <a:rPr lang="pt-BR" sz="1400" dirty="0"/>
+              <a:t>/auth.js:</a:t>
+            </a:r>
+          </a:p>
+          <a:p>
+            <a:endParaRPr lang="pt-BR" sz="1400" dirty="0"/>
+          </a:p>
+          <a:p>
+            <a:r>
+              <a:rPr lang="pt-BR" sz="1400" dirty="0" err="1"/>
+              <a:t>api.verificaToken</a:t>
+            </a:r>
+            <a:r>
+              <a:rPr lang="pt-BR" sz="1400" dirty="0"/>
+              <a:t> = </a:t>
+            </a:r>
+            <a:r>
+              <a:rPr lang="pt-BR" sz="1400" dirty="0" err="1"/>
+              <a:t>function</a:t>
+            </a:r>
+            <a:r>
+              <a:rPr lang="pt-BR" sz="1400" dirty="0"/>
+              <a:t>(</a:t>
+            </a:r>
+            <a:r>
+              <a:rPr lang="pt-BR" sz="1400" dirty="0" err="1"/>
+              <a:t>req</a:t>
+            </a:r>
+            <a:r>
+              <a:rPr lang="pt-BR" sz="1400" dirty="0"/>
+              <a:t>, res, </a:t>
+            </a:r>
+            <a:r>
+              <a:rPr lang="pt-BR" sz="1400" dirty="0" err="1"/>
+              <a:t>next</a:t>
+            </a:r>
+            <a:r>
+              <a:rPr lang="pt-BR" sz="1400" dirty="0"/>
+              <a:t>) {</a:t>
+            </a:r>
+          </a:p>
+          <a:p>
+            <a:r>
+              <a:rPr lang="pt-BR" sz="1400" dirty="0"/>
+              <a:t>--&gt; o Next é pois a partir de qualquer </a:t>
+            </a:r>
+            <a:r>
+              <a:rPr lang="pt-BR" sz="1400" dirty="0" err="1"/>
+              <a:t>endpoint</a:t>
+            </a:r>
+            <a:r>
+              <a:rPr lang="pt-BR" sz="1400" dirty="0"/>
+              <a:t> após ser feito a validação, </a:t>
+            </a:r>
+          </a:p>
+          <a:p>
+            <a:r>
+              <a:rPr lang="pt-BR" sz="1400" dirty="0"/>
+              <a:t>informa ao </a:t>
+            </a:r>
+            <a:r>
+              <a:rPr lang="pt-BR" sz="1400" dirty="0" err="1"/>
+              <a:t>express</a:t>
+            </a:r>
+            <a:r>
+              <a:rPr lang="pt-BR" sz="1400" dirty="0"/>
+              <a:t> que poderá seguir.</a:t>
             </a:r>
           </a:p>
         </p:txBody>
@@ -6162,4 +11557,299 @@
     </a:ext>
   </a:extLst>
 </a:theme>
+</file>
+
+<file path=ppt/theme/theme2.xml><?xml version="1.0" encoding="utf-8"?>
+<a:theme xmlns:a="http://schemas.openxmlformats.org/drawingml/2006/main" name="Tema do Office">
+  <a:themeElements>
+    <a:clrScheme name="Office">
+      <a:dk1>
+        <a:sysClr val="windowText" lastClr="000000"/>
+      </a:dk1>
+      <a:lt1>
+        <a:sysClr val="window" lastClr="FFFFFF"/>
+      </a:lt1>
+      <a:dk2>
+        <a:srgbClr val="44546A"/>
+      </a:dk2>
+      <a:lt2>
+        <a:srgbClr val="E7E6E6"/>
+      </a:lt2>
+      <a:accent1>
+        <a:srgbClr val="4472C4"/>
+      </a:accent1>
+      <a:accent2>
+        <a:srgbClr val="ED7D31"/>
+      </a:accent2>
+      <a:accent3>
+        <a:srgbClr val="A5A5A5"/>
+      </a:accent3>
+      <a:accent4>
+        <a:srgbClr val="FFC000"/>
+      </a:accent4>
+      <a:accent5>
+        <a:srgbClr val="5B9BD5"/>
+      </a:accent5>
+      <a:accent6>
+        <a:srgbClr val="70AD47"/>
+      </a:accent6>
+      <a:hlink>
+        <a:srgbClr val="0563C1"/>
+      </a:hlink>
+      <a:folHlink>
+        <a:srgbClr val="954F72"/>
+      </a:folHlink>
+    </a:clrScheme>
+    <a:fontScheme name="Office">
+      <a:majorFont>
+        <a:latin typeface="Calibri Light" panose="020F0302020204030204"/>
+        <a:ea typeface=""/>
+        <a:cs typeface=""/>
+        <a:font script="Jpan" typeface="游ゴシック Light"/>
+        <a:font script="Hang" typeface="맑은 고딕"/>
+        <a:font script="Hans" typeface="等线 Light"/>
+        <a:font script="Hant" typeface="新細明體"/>
+        <a:font script="Arab" typeface="Times New Roman"/>
+        <a:font script="Hebr" typeface="Times New Roman"/>
+        <a:font script="Thai" typeface="Angsana New"/>
+        <a:font script="Ethi" typeface="Nyala"/>
+        <a:font script="Beng" typeface="Vrinda"/>
+        <a:font script="Gujr" typeface="Shruti"/>
+        <a:font script="Khmr" typeface="MoolBoran"/>
+        <a:font script="Knda" typeface="Tunga"/>
+        <a:font script="Guru" typeface="Raavi"/>
+        <a:font script="Cans" typeface="Euphemia"/>
+        <a:font script="Cher" typeface="Plantagenet Cherokee"/>
+        <a:font script="Yiii" typeface="Microsoft Yi Baiti"/>
+        <a:font script="Tibt" typeface="Microsoft Himalaya"/>
+        <a:font script="Thaa" typeface="MV Boli"/>
+        <a:font script="Deva" typeface="Mangal"/>
+        <a:font script="Telu" typeface="Gautami"/>
+        <a:font script="Taml" typeface="Latha"/>
+        <a:font script="Syrc" typeface="Estrangelo Edessa"/>
+        <a:font script="Orya" typeface="Kalinga"/>
+        <a:font script="Mlym" typeface="Kartika"/>
+        <a:font script="Laoo" typeface="DokChampa"/>
+        <a:font script="Sinh" typeface="Iskoola Pota"/>
+        <a:font script="Mong" typeface="Mongolian Baiti"/>
+        <a:font script="Viet" typeface="Times New Roman"/>
+        <a:font script="Uigh" typeface="Microsoft Uighur"/>
+        <a:font script="Geor" typeface="Sylfaen"/>
+        <a:font script="Armn" typeface="Arial"/>
+        <a:font script="Bugi" typeface="Leelawadee UI"/>
+        <a:font script="Bopo" typeface="Microsoft JhengHei"/>
+        <a:font script="Java" typeface="Javanese Text"/>
+        <a:font script="Lisu" typeface="Segoe UI"/>
+        <a:font script="Mymr" typeface="Myanmar Text"/>
+        <a:font script="Nkoo" typeface="Ebrima"/>
+        <a:font script="Olck" typeface="Nirmala UI"/>
+        <a:font script="Osma" typeface="Ebrima"/>
+        <a:font script="Phag" typeface="Phagspa"/>
+        <a:font script="Syrn" typeface="Estrangelo Edessa"/>
+        <a:font script="Syrj" typeface="Estrangelo Edessa"/>
+        <a:font script="Syre" typeface="Estrangelo Edessa"/>
+        <a:font script="Sora" typeface="Nirmala UI"/>
+        <a:font script="Tale" typeface="Microsoft Tai Le"/>
+        <a:font script="Talu" typeface="Microsoft New Tai Lue"/>
+        <a:font script="Tfng" typeface="Ebrima"/>
+      </a:majorFont>
+      <a:minorFont>
+        <a:latin typeface="Calibri" panose="020F0502020204030204"/>
+        <a:ea typeface=""/>
+        <a:cs typeface=""/>
+        <a:font script="Jpan" typeface="游ゴシック"/>
+        <a:font script="Hang" typeface="맑은 고딕"/>
+        <a:font script="Hans" typeface="等线"/>
+        <a:font script="Hant" typeface="新細明體"/>
+        <a:font script="Arab" typeface="Arial"/>
+        <a:font script="Hebr" typeface="Arial"/>
+        <a:font script="Thai" typeface="Cordia New"/>
+        <a:font script="Ethi" typeface="Nyala"/>
+        <a:font script="Beng" typeface="Vrinda"/>
+        <a:font script="Gujr" typeface="Shruti"/>
+        <a:font script="Khmr" typeface="DaunPenh"/>
+        <a:font script="Knda" typeface="Tunga"/>
+        <a:font script="Guru" typeface="Raavi"/>
+        <a:font script="Cans" typeface="Euphemia"/>
+        <a:font script="Cher" typeface="Plantagenet Cherokee"/>
+        <a:font script="Yiii" typeface="Microsoft Yi Baiti"/>
+        <a:font script="Tibt" typeface="Microsoft Himalaya"/>
+        <a:font script="Thaa" typeface="MV Boli"/>
+        <a:font script="Deva" typeface="Mangal"/>
+        <a:font script="Telu" typeface="Gautami"/>
+        <a:font script="Taml" typeface="Latha"/>
+        <a:font script="Syrc" typeface="Estrangelo Edessa"/>
+        <a:font script="Orya" typeface="Kalinga"/>
+        <a:font script="Mlym" typeface="Kartika"/>
+        <a:font script="Laoo" typeface="DokChampa"/>
+        <a:font script="Sinh" typeface="Iskoola Pota"/>
+        <a:font script="Mong" typeface="Mongolian Baiti"/>
+        <a:font script="Viet" typeface="Arial"/>
+        <a:font script="Uigh" typeface="Microsoft Uighur"/>
+        <a:font script="Geor" typeface="Sylfaen"/>
+        <a:font script="Armn" typeface="Arial"/>
+        <a:font script="Bugi" typeface="Leelawadee UI"/>
+        <a:font script="Bopo" typeface="Microsoft JhengHei"/>
+        <a:font script="Java" typeface="Javanese Text"/>
+        <a:font script="Lisu" typeface="Segoe UI"/>
+        <a:font script="Mymr" typeface="Myanmar Text"/>
+        <a:font script="Nkoo" typeface="Ebrima"/>
+        <a:font script="Olck" typeface="Nirmala UI"/>
+        <a:font script="Osma" typeface="Ebrima"/>
+        <a:font script="Phag" typeface="Phagspa"/>
+        <a:font script="Syrn" typeface="Estrangelo Edessa"/>
+        <a:font script="Syrj" typeface="Estrangelo Edessa"/>
+        <a:font script="Syre" typeface="Estrangelo Edessa"/>
+        <a:font script="Sora" typeface="Nirmala UI"/>
+        <a:font script="Tale" typeface="Microsoft Tai Le"/>
+        <a:font script="Talu" typeface="Microsoft New Tai Lue"/>
+        <a:font script="Tfng" typeface="Ebrima"/>
+      </a:minorFont>
+    </a:fontScheme>
+    <a:fmtScheme name="Office">
+      <a:fillStyleLst>
+        <a:solidFill>
+          <a:schemeClr val="phClr"/>
+        </a:solidFill>
+        <a:gradFill rotWithShape="1">
+          <a:gsLst>
+            <a:gs pos="0">
+              <a:schemeClr val="phClr">
+                <a:lumMod val="110000"/>
+                <a:satMod val="105000"/>
+                <a:tint val="67000"/>
+              </a:schemeClr>
+            </a:gs>
+            <a:gs pos="50000">
+              <a:schemeClr val="phClr">
+                <a:lumMod val="105000"/>
+                <a:satMod val="103000"/>
+                <a:tint val="73000"/>
+              </a:schemeClr>
+            </a:gs>
+            <a:gs pos="100000">
+              <a:schemeClr val="phClr">
+                <a:lumMod val="105000"/>
+                <a:satMod val="109000"/>
+                <a:tint val="81000"/>
+              </a:schemeClr>
+            </a:gs>
+          </a:gsLst>
+          <a:lin ang="5400000" scaled="0"/>
+        </a:gradFill>
+        <a:gradFill rotWithShape="1">
+          <a:gsLst>
+            <a:gs pos="0">
+              <a:schemeClr val="phClr">
+                <a:satMod val="103000"/>
+                <a:lumMod val="102000"/>
+                <a:tint val="94000"/>
+              </a:schemeClr>
+            </a:gs>
+            <a:gs pos="50000">
+              <a:schemeClr val="phClr">
+                <a:satMod val="110000"/>
+                <a:lumMod val="100000"/>
+                <a:shade val="100000"/>
+              </a:schemeClr>
+            </a:gs>
+            <a:gs pos="100000">
+              <a:schemeClr val="phClr">
+                <a:lumMod val="99000"/>
+                <a:satMod val="120000"/>
+                <a:shade val="78000"/>
+              </a:schemeClr>
+            </a:gs>
+          </a:gsLst>
+          <a:lin ang="5400000" scaled="0"/>
+        </a:gradFill>
+      </a:fillStyleLst>
+      <a:lnStyleLst>
+        <a:ln w="6350" cap="flat" cmpd="sng" algn="ctr">
+          <a:solidFill>
+            <a:schemeClr val="phClr"/>
+          </a:solidFill>
+          <a:prstDash val="solid"/>
+          <a:miter lim="800000"/>
+        </a:ln>
+        <a:ln w="12700" cap="flat" cmpd="sng" algn="ctr">
+          <a:solidFill>
+            <a:schemeClr val="phClr"/>
+          </a:solidFill>
+          <a:prstDash val="solid"/>
+          <a:miter lim="800000"/>
+        </a:ln>
+        <a:ln w="19050" cap="flat" cmpd="sng" algn="ctr">
+          <a:solidFill>
+            <a:schemeClr val="phClr"/>
+          </a:solidFill>
+          <a:prstDash val="solid"/>
+          <a:miter lim="800000"/>
+        </a:ln>
+      </a:lnStyleLst>
+      <a:effectStyleLst>
+        <a:effectStyle>
+          <a:effectLst/>
+        </a:effectStyle>
+        <a:effectStyle>
+          <a:effectLst/>
+        </a:effectStyle>
+        <a:effectStyle>
+          <a:effectLst>
+            <a:outerShdw blurRad="57150" dist="19050" dir="5400000" algn="ctr" rotWithShape="0">
+              <a:srgbClr val="000000">
+                <a:alpha val="63000"/>
+              </a:srgbClr>
+            </a:outerShdw>
+          </a:effectLst>
+        </a:effectStyle>
+      </a:effectStyleLst>
+      <a:bgFillStyleLst>
+        <a:solidFill>
+          <a:schemeClr val="phClr"/>
+        </a:solidFill>
+        <a:solidFill>
+          <a:schemeClr val="phClr">
+            <a:tint val="95000"/>
+            <a:satMod val="170000"/>
+          </a:schemeClr>
+        </a:solidFill>
+        <a:gradFill rotWithShape="1">
+          <a:gsLst>
+            <a:gs pos="0">
+              <a:schemeClr val="phClr">
+                <a:tint val="93000"/>
+                <a:satMod val="150000"/>
+                <a:shade val="98000"/>
+                <a:lumMod val="102000"/>
+              </a:schemeClr>
+            </a:gs>
+            <a:gs pos="50000">
+              <a:schemeClr val="phClr">
+                <a:tint val="98000"/>
+                <a:satMod val="130000"/>
+                <a:shade val="90000"/>
+                <a:lumMod val="103000"/>
+              </a:schemeClr>
+            </a:gs>
+            <a:gs pos="100000">
+              <a:schemeClr val="phClr">
+                <a:shade val="63000"/>
+                <a:satMod val="120000"/>
+              </a:schemeClr>
+            </a:gs>
+          </a:gsLst>
+          <a:lin ang="5400000" scaled="0"/>
+        </a:gradFill>
+      </a:bgFillStyleLst>
+    </a:fmtScheme>
+  </a:themeElements>
+  <a:objectDefaults/>
+  <a:extraClrSchemeLst/>
+  <a:extLst>
+    <a:ext uri="{05A4C25C-085E-4340-85A3-A5531E510DB2}">
+      <thm15:themeFamily xmlns:thm15="http://schemas.microsoft.com/office/thememl/2012/main" name="Office Theme" id="{62F939B6-93AF-4DB8-9C6B-D6C7DFDC589F}" vid="{4A3C46E8-61CC-4603-A589-7422A47A8E4A}"/>
+    </a:ext>
+  </a:extLst>
+</a:theme>
 </file>